--- a/Doc/Img/Immagini_tesi.pptx
+++ b/Doc/Img/Immagini_tesi.pptx
@@ -8,6 +8,7 @@
     <p:sldId id="258" r:id="rId2"/>
     <p:sldId id="256" r:id="rId3"/>
     <p:sldId id="257" r:id="rId4"/>
+    <p:sldId id="259" r:id="rId5"/>
   </p:sldIdLst>
   <p:sldSz cx="12192000" cy="6858000"/>
   <p:notesSz cx="6858000" cy="9144000"/>
@@ -115,6 +116,753 @@
 </file>
 
 <file path=ppt/diagrams/colors1.xml><?xml version="1.0" encoding="utf-8"?>
+<dgm:colorsDef xmlns:dgm="http://schemas.openxmlformats.org/drawingml/2006/diagram" xmlns:a="http://schemas.openxmlformats.org/drawingml/2006/main" uniqueId="urn:microsoft.com/office/officeart/2005/8/colors/accent1_2">
+  <dgm:title val=""/>
+  <dgm:desc val=""/>
+  <dgm:catLst>
+    <dgm:cat type="accent1" pri="11200"/>
+  </dgm:catLst>
+  <dgm:styleLbl name="node0">
+    <dgm:fillClrLst meth="repeat">
+      <a:schemeClr val="accent1"/>
+    </dgm:fillClrLst>
+    <dgm:linClrLst meth="repeat">
+      <a:schemeClr val="lt1"/>
+    </dgm:linClrLst>
+    <dgm:effectClrLst/>
+    <dgm:txLinClrLst/>
+    <dgm:txFillClrLst/>
+    <dgm:txEffectClrLst/>
+  </dgm:styleLbl>
+  <dgm:styleLbl name="alignNode1">
+    <dgm:fillClrLst meth="repeat">
+      <a:schemeClr val="accent1"/>
+    </dgm:fillClrLst>
+    <dgm:linClrLst meth="repeat">
+      <a:schemeClr val="accent1"/>
+    </dgm:linClrLst>
+    <dgm:effectClrLst/>
+    <dgm:txLinClrLst/>
+    <dgm:txFillClrLst/>
+    <dgm:txEffectClrLst/>
+  </dgm:styleLbl>
+  <dgm:styleLbl name="node1">
+    <dgm:fillClrLst meth="repeat">
+      <a:schemeClr val="accent1"/>
+    </dgm:fillClrLst>
+    <dgm:linClrLst meth="repeat">
+      <a:schemeClr val="lt1"/>
+    </dgm:linClrLst>
+    <dgm:effectClrLst/>
+    <dgm:txLinClrLst/>
+    <dgm:txFillClrLst/>
+    <dgm:txEffectClrLst/>
+  </dgm:styleLbl>
+  <dgm:styleLbl name="lnNode1">
+    <dgm:fillClrLst meth="repeat">
+      <a:schemeClr val="accent1"/>
+    </dgm:fillClrLst>
+    <dgm:linClrLst meth="repeat">
+      <a:schemeClr val="lt1"/>
+    </dgm:linClrLst>
+    <dgm:effectClrLst/>
+    <dgm:txLinClrLst/>
+    <dgm:txFillClrLst/>
+    <dgm:txEffectClrLst/>
+  </dgm:styleLbl>
+  <dgm:styleLbl name="vennNode1">
+    <dgm:fillClrLst meth="repeat">
+      <a:schemeClr val="accent1">
+        <a:alpha val="50000"/>
+      </a:schemeClr>
+    </dgm:fillClrLst>
+    <dgm:linClrLst meth="repeat">
+      <a:schemeClr val="lt1"/>
+    </dgm:linClrLst>
+    <dgm:effectClrLst/>
+    <dgm:txLinClrLst/>
+    <dgm:txFillClrLst/>
+    <dgm:txEffectClrLst/>
+  </dgm:styleLbl>
+  <dgm:styleLbl name="node2">
+    <dgm:fillClrLst meth="repeat">
+      <a:schemeClr val="accent1"/>
+    </dgm:fillClrLst>
+    <dgm:linClrLst meth="repeat">
+      <a:schemeClr val="lt1"/>
+    </dgm:linClrLst>
+    <dgm:effectClrLst/>
+    <dgm:txLinClrLst/>
+    <dgm:txFillClrLst/>
+    <dgm:txEffectClrLst/>
+  </dgm:styleLbl>
+  <dgm:styleLbl name="node3">
+    <dgm:fillClrLst meth="repeat">
+      <a:schemeClr val="accent1"/>
+    </dgm:fillClrLst>
+    <dgm:linClrLst meth="repeat">
+      <a:schemeClr val="lt1"/>
+    </dgm:linClrLst>
+    <dgm:effectClrLst/>
+    <dgm:txLinClrLst/>
+    <dgm:txFillClrLst/>
+    <dgm:txEffectClrLst/>
+  </dgm:styleLbl>
+  <dgm:styleLbl name="node4">
+    <dgm:fillClrLst meth="repeat">
+      <a:schemeClr val="accent1"/>
+    </dgm:fillClrLst>
+    <dgm:linClrLst meth="repeat">
+      <a:schemeClr val="lt1"/>
+    </dgm:linClrLst>
+    <dgm:effectClrLst/>
+    <dgm:txLinClrLst/>
+    <dgm:txFillClrLst/>
+    <dgm:txEffectClrLst/>
+  </dgm:styleLbl>
+  <dgm:styleLbl name="fgImgPlace1">
+    <dgm:fillClrLst meth="repeat">
+      <a:schemeClr val="accent1">
+        <a:tint val="50000"/>
+      </a:schemeClr>
+    </dgm:fillClrLst>
+    <dgm:linClrLst meth="repeat">
+      <a:schemeClr val="lt1"/>
+    </dgm:linClrLst>
+    <dgm:effectClrLst/>
+    <dgm:txLinClrLst/>
+    <dgm:txFillClrLst meth="repeat">
+      <a:schemeClr val="lt1"/>
+    </dgm:txFillClrLst>
+    <dgm:txEffectClrLst/>
+  </dgm:styleLbl>
+  <dgm:styleLbl name="alignImgPlace1">
+    <dgm:fillClrLst meth="repeat">
+      <a:schemeClr val="accent1">
+        <a:tint val="50000"/>
+      </a:schemeClr>
+    </dgm:fillClrLst>
+    <dgm:linClrLst meth="repeat">
+      <a:schemeClr val="lt1"/>
+    </dgm:linClrLst>
+    <dgm:effectClrLst/>
+    <dgm:txLinClrLst/>
+    <dgm:txFillClrLst meth="repeat">
+      <a:schemeClr val="lt1"/>
+    </dgm:txFillClrLst>
+    <dgm:txEffectClrLst/>
+  </dgm:styleLbl>
+  <dgm:styleLbl name="bgImgPlace1">
+    <dgm:fillClrLst meth="repeat">
+      <a:schemeClr val="accent1">
+        <a:tint val="50000"/>
+      </a:schemeClr>
+    </dgm:fillClrLst>
+    <dgm:linClrLst meth="repeat">
+      <a:schemeClr val="lt1"/>
+    </dgm:linClrLst>
+    <dgm:effectClrLst/>
+    <dgm:txLinClrLst/>
+    <dgm:txFillClrLst meth="repeat">
+      <a:schemeClr val="lt1"/>
+    </dgm:txFillClrLst>
+    <dgm:txEffectClrLst/>
+  </dgm:styleLbl>
+  <dgm:styleLbl name="sibTrans2D1">
+    <dgm:fillClrLst meth="repeat">
+      <a:schemeClr val="accent1">
+        <a:tint val="60000"/>
+      </a:schemeClr>
+    </dgm:fillClrLst>
+    <dgm:linClrLst meth="repeat">
+      <a:schemeClr val="accent1">
+        <a:tint val="60000"/>
+      </a:schemeClr>
+    </dgm:linClrLst>
+    <dgm:effectClrLst/>
+    <dgm:txLinClrLst/>
+    <dgm:txFillClrLst/>
+    <dgm:txEffectClrLst/>
+  </dgm:styleLbl>
+  <dgm:styleLbl name="fgSibTrans2D1">
+    <dgm:fillClrLst meth="repeat">
+      <a:schemeClr val="accent1">
+        <a:tint val="60000"/>
+      </a:schemeClr>
+    </dgm:fillClrLst>
+    <dgm:linClrLst meth="repeat">
+      <a:schemeClr val="accent1">
+        <a:tint val="60000"/>
+      </a:schemeClr>
+    </dgm:linClrLst>
+    <dgm:effectClrLst/>
+    <dgm:txLinClrLst/>
+    <dgm:txFillClrLst/>
+    <dgm:txEffectClrLst/>
+  </dgm:styleLbl>
+  <dgm:styleLbl name="bgSibTrans2D1">
+    <dgm:fillClrLst meth="repeat">
+      <a:schemeClr val="accent1">
+        <a:tint val="60000"/>
+      </a:schemeClr>
+    </dgm:fillClrLst>
+    <dgm:linClrLst meth="repeat">
+      <a:schemeClr val="accent1">
+        <a:tint val="60000"/>
+      </a:schemeClr>
+    </dgm:linClrLst>
+    <dgm:effectClrLst/>
+    <dgm:txLinClrLst/>
+    <dgm:txFillClrLst/>
+    <dgm:txEffectClrLst/>
+  </dgm:styleLbl>
+  <dgm:styleLbl name="sibTrans1D1">
+    <dgm:fillClrLst meth="repeat">
+      <a:schemeClr val="accent1"/>
+    </dgm:fillClrLst>
+    <dgm:linClrLst meth="repeat">
+      <a:schemeClr val="accent1"/>
+    </dgm:linClrLst>
+    <dgm:effectClrLst/>
+    <dgm:txLinClrLst/>
+    <dgm:txFillClrLst meth="repeat">
+      <a:schemeClr val="tx1"/>
+    </dgm:txFillClrLst>
+    <dgm:txEffectClrLst/>
+  </dgm:styleLbl>
+  <dgm:styleLbl name="callout">
+    <dgm:fillClrLst meth="repeat">
+      <a:schemeClr val="accent1"/>
+    </dgm:fillClrLst>
+    <dgm:linClrLst meth="repeat">
+      <a:schemeClr val="accent1">
+        <a:tint val="50000"/>
+      </a:schemeClr>
+    </dgm:linClrLst>
+    <dgm:effectClrLst/>
+    <dgm:txLinClrLst/>
+    <dgm:txFillClrLst meth="repeat">
+      <a:schemeClr val="tx1"/>
+    </dgm:txFillClrLst>
+    <dgm:txEffectClrLst/>
+  </dgm:styleLbl>
+  <dgm:styleLbl name="asst0">
+    <dgm:fillClrLst meth="repeat">
+      <a:schemeClr val="accent1"/>
+    </dgm:fillClrLst>
+    <dgm:linClrLst meth="repeat">
+      <a:schemeClr val="lt1"/>
+    </dgm:linClrLst>
+    <dgm:effectClrLst/>
+    <dgm:txLinClrLst/>
+    <dgm:txFillClrLst/>
+    <dgm:txEffectClrLst/>
+  </dgm:styleLbl>
+  <dgm:styleLbl name="asst1">
+    <dgm:fillClrLst meth="repeat">
+      <a:schemeClr val="accent1"/>
+    </dgm:fillClrLst>
+    <dgm:linClrLst meth="repeat">
+      <a:schemeClr val="lt1"/>
+    </dgm:linClrLst>
+    <dgm:effectClrLst/>
+    <dgm:txLinClrLst/>
+    <dgm:txFillClrLst/>
+    <dgm:txEffectClrLst/>
+  </dgm:styleLbl>
+  <dgm:styleLbl name="asst2">
+    <dgm:fillClrLst meth="repeat">
+      <a:schemeClr val="accent1"/>
+    </dgm:fillClrLst>
+    <dgm:linClrLst meth="repeat">
+      <a:schemeClr val="lt1"/>
+    </dgm:linClrLst>
+    <dgm:effectClrLst/>
+    <dgm:txLinClrLst/>
+    <dgm:txFillClrLst/>
+    <dgm:txEffectClrLst/>
+  </dgm:styleLbl>
+  <dgm:styleLbl name="asst3">
+    <dgm:fillClrLst meth="repeat">
+      <a:schemeClr val="accent1"/>
+    </dgm:fillClrLst>
+    <dgm:linClrLst meth="repeat">
+      <a:schemeClr val="lt1"/>
+    </dgm:linClrLst>
+    <dgm:effectClrLst/>
+    <dgm:txLinClrLst/>
+    <dgm:txFillClrLst/>
+    <dgm:txEffectClrLst/>
+  </dgm:styleLbl>
+  <dgm:styleLbl name="asst4">
+    <dgm:fillClrLst meth="repeat">
+      <a:schemeClr val="accent1"/>
+    </dgm:fillClrLst>
+    <dgm:linClrLst meth="repeat">
+      <a:schemeClr val="lt1"/>
+    </dgm:linClrLst>
+    <dgm:effectClrLst/>
+    <dgm:txLinClrLst/>
+    <dgm:txFillClrLst/>
+    <dgm:txEffectClrLst/>
+  </dgm:styleLbl>
+  <dgm:styleLbl name="parChTrans2D1">
+    <dgm:fillClrLst meth="repeat">
+      <a:schemeClr val="accent1">
+        <a:tint val="60000"/>
+      </a:schemeClr>
+    </dgm:fillClrLst>
+    <dgm:linClrLst meth="repeat">
+      <a:schemeClr val="accent1">
+        <a:tint val="60000"/>
+      </a:schemeClr>
+    </dgm:linClrLst>
+    <dgm:effectClrLst/>
+    <dgm:txLinClrLst/>
+    <dgm:txFillClrLst meth="repeat">
+      <a:schemeClr val="lt1"/>
+    </dgm:txFillClrLst>
+    <dgm:txEffectClrLst/>
+  </dgm:styleLbl>
+  <dgm:styleLbl name="parChTrans2D2">
+    <dgm:fillClrLst meth="repeat">
+      <a:schemeClr val="accent1"/>
+    </dgm:fillClrLst>
+    <dgm:linClrLst meth="repeat">
+      <a:schemeClr val="accent1"/>
+    </dgm:linClrLst>
+    <dgm:effectClrLst/>
+    <dgm:txLinClrLst/>
+    <dgm:txFillClrLst meth="repeat">
+      <a:schemeClr val="lt1"/>
+    </dgm:txFillClrLst>
+    <dgm:txEffectClrLst/>
+  </dgm:styleLbl>
+  <dgm:styleLbl name="parChTrans2D3">
+    <dgm:fillClrLst meth="repeat">
+      <a:schemeClr val="accent1"/>
+    </dgm:fillClrLst>
+    <dgm:linClrLst meth="repeat">
+      <a:schemeClr val="accent1"/>
+    </dgm:linClrLst>
+    <dgm:effectClrLst/>
+    <dgm:txLinClrLst/>
+    <dgm:txFillClrLst meth="repeat">
+      <a:schemeClr val="lt1"/>
+    </dgm:txFillClrLst>
+    <dgm:txEffectClrLst/>
+  </dgm:styleLbl>
+  <dgm:styleLbl name="parChTrans2D4">
+    <dgm:fillClrLst meth="repeat">
+      <a:schemeClr val="accent1"/>
+    </dgm:fillClrLst>
+    <dgm:linClrLst meth="repeat">
+      <a:schemeClr val="accent1"/>
+    </dgm:linClrLst>
+    <dgm:effectClrLst/>
+    <dgm:txLinClrLst/>
+    <dgm:txFillClrLst meth="repeat">
+      <a:schemeClr val="lt1"/>
+    </dgm:txFillClrLst>
+    <dgm:txEffectClrLst/>
+  </dgm:styleLbl>
+  <dgm:styleLbl name="parChTrans1D1">
+    <dgm:fillClrLst meth="repeat">
+      <a:schemeClr val="accent1"/>
+    </dgm:fillClrLst>
+    <dgm:linClrLst meth="repeat">
+      <a:schemeClr val="accent1">
+        <a:shade val="60000"/>
+      </a:schemeClr>
+    </dgm:linClrLst>
+    <dgm:effectClrLst/>
+    <dgm:txLinClrLst/>
+    <dgm:txFillClrLst meth="repeat">
+      <a:schemeClr val="tx1"/>
+    </dgm:txFillClrLst>
+    <dgm:txEffectClrLst/>
+  </dgm:styleLbl>
+  <dgm:styleLbl name="parChTrans1D2">
+    <dgm:fillClrLst meth="repeat">
+      <a:schemeClr val="accent1"/>
+    </dgm:fillClrLst>
+    <dgm:linClrLst meth="repeat">
+      <a:schemeClr val="accent1">
+        <a:shade val="60000"/>
+      </a:schemeClr>
+    </dgm:linClrLst>
+    <dgm:effectClrLst/>
+    <dgm:txLinClrLst/>
+    <dgm:txFillClrLst meth="repeat">
+      <a:schemeClr val="tx1"/>
+    </dgm:txFillClrLst>
+    <dgm:txEffectClrLst/>
+  </dgm:styleLbl>
+  <dgm:styleLbl name="parChTrans1D3">
+    <dgm:fillClrLst meth="repeat">
+      <a:schemeClr val="accent1"/>
+    </dgm:fillClrLst>
+    <dgm:linClrLst meth="repeat">
+      <a:schemeClr val="accent1">
+        <a:shade val="80000"/>
+      </a:schemeClr>
+    </dgm:linClrLst>
+    <dgm:effectClrLst/>
+    <dgm:txLinClrLst/>
+    <dgm:txFillClrLst meth="repeat">
+      <a:schemeClr val="tx1"/>
+    </dgm:txFillClrLst>
+    <dgm:txEffectClrLst/>
+  </dgm:styleLbl>
+  <dgm:styleLbl name="parChTrans1D4">
+    <dgm:fillClrLst meth="repeat">
+      <a:schemeClr val="accent1"/>
+    </dgm:fillClrLst>
+    <dgm:linClrLst meth="repeat">
+      <a:schemeClr val="accent1">
+        <a:shade val="80000"/>
+      </a:schemeClr>
+    </dgm:linClrLst>
+    <dgm:effectClrLst/>
+    <dgm:txLinClrLst/>
+    <dgm:txFillClrLst meth="repeat">
+      <a:schemeClr val="tx1"/>
+    </dgm:txFillClrLst>
+    <dgm:txEffectClrLst/>
+  </dgm:styleLbl>
+  <dgm:styleLbl name="fgAcc1">
+    <dgm:fillClrLst meth="repeat">
+      <a:schemeClr val="lt1">
+        <a:alpha val="90000"/>
+      </a:schemeClr>
+    </dgm:fillClrLst>
+    <dgm:linClrLst meth="repeat">
+      <a:schemeClr val="accent1"/>
+    </dgm:linClrLst>
+    <dgm:effectClrLst/>
+    <dgm:txLinClrLst/>
+    <dgm:txFillClrLst meth="repeat">
+      <a:schemeClr val="dk1"/>
+    </dgm:txFillClrLst>
+    <dgm:txEffectClrLst/>
+  </dgm:styleLbl>
+  <dgm:styleLbl name="conFgAcc1">
+    <dgm:fillClrLst meth="repeat">
+      <a:schemeClr val="lt1">
+        <a:alpha val="90000"/>
+      </a:schemeClr>
+    </dgm:fillClrLst>
+    <dgm:linClrLst meth="repeat">
+      <a:schemeClr val="accent1"/>
+    </dgm:linClrLst>
+    <dgm:effectClrLst/>
+    <dgm:txLinClrLst/>
+    <dgm:txFillClrLst meth="repeat">
+      <a:schemeClr val="dk1"/>
+    </dgm:txFillClrLst>
+    <dgm:txEffectClrLst/>
+  </dgm:styleLbl>
+  <dgm:styleLbl name="alignAcc1">
+    <dgm:fillClrLst meth="repeat">
+      <a:schemeClr val="lt1">
+        <a:alpha val="90000"/>
+      </a:schemeClr>
+    </dgm:fillClrLst>
+    <dgm:linClrLst meth="repeat">
+      <a:schemeClr val="accent1"/>
+    </dgm:linClrLst>
+    <dgm:effectClrLst/>
+    <dgm:txLinClrLst/>
+    <dgm:txFillClrLst meth="repeat">
+      <a:schemeClr val="dk1"/>
+    </dgm:txFillClrLst>
+    <dgm:txEffectClrLst/>
+  </dgm:styleLbl>
+  <dgm:styleLbl name="trAlignAcc1">
+    <dgm:fillClrLst meth="repeat">
+      <a:schemeClr val="lt1">
+        <a:alpha val="40000"/>
+      </a:schemeClr>
+    </dgm:fillClrLst>
+    <dgm:linClrLst meth="repeat">
+      <a:schemeClr val="accent1"/>
+    </dgm:linClrLst>
+    <dgm:effectClrLst/>
+    <dgm:txLinClrLst/>
+    <dgm:txFillClrLst meth="repeat">
+      <a:schemeClr val="dk1"/>
+    </dgm:txFillClrLst>
+    <dgm:txEffectClrLst/>
+  </dgm:styleLbl>
+  <dgm:styleLbl name="bgAcc1">
+    <dgm:fillClrLst meth="repeat">
+      <a:schemeClr val="lt1">
+        <a:alpha val="90000"/>
+      </a:schemeClr>
+    </dgm:fillClrLst>
+    <dgm:linClrLst meth="repeat">
+      <a:schemeClr val="accent1"/>
+    </dgm:linClrLst>
+    <dgm:effectClrLst/>
+    <dgm:txLinClrLst/>
+    <dgm:txFillClrLst meth="repeat">
+      <a:schemeClr val="dk1"/>
+    </dgm:txFillClrLst>
+    <dgm:txEffectClrLst/>
+  </dgm:styleLbl>
+  <dgm:styleLbl name="solidFgAcc1">
+    <dgm:fillClrLst meth="repeat">
+      <a:schemeClr val="lt1"/>
+    </dgm:fillClrLst>
+    <dgm:linClrLst meth="repeat">
+      <a:schemeClr val="accent1"/>
+    </dgm:linClrLst>
+    <dgm:effectClrLst/>
+    <dgm:txLinClrLst/>
+    <dgm:txFillClrLst meth="repeat">
+      <a:schemeClr val="dk1"/>
+    </dgm:txFillClrLst>
+    <dgm:txEffectClrLst/>
+  </dgm:styleLbl>
+  <dgm:styleLbl name="solidAlignAcc1">
+    <dgm:fillClrLst meth="repeat">
+      <a:schemeClr val="lt1"/>
+    </dgm:fillClrLst>
+    <dgm:linClrLst meth="repeat">
+      <a:schemeClr val="accent1"/>
+    </dgm:linClrLst>
+    <dgm:effectClrLst/>
+    <dgm:txLinClrLst/>
+    <dgm:txFillClrLst meth="repeat">
+      <a:schemeClr val="dk1"/>
+    </dgm:txFillClrLst>
+    <dgm:txEffectClrLst/>
+  </dgm:styleLbl>
+  <dgm:styleLbl name="solidBgAcc1">
+    <dgm:fillClrLst meth="repeat">
+      <a:schemeClr val="lt1"/>
+    </dgm:fillClrLst>
+    <dgm:linClrLst meth="repeat">
+      <a:schemeClr val="accent1"/>
+    </dgm:linClrLst>
+    <dgm:effectClrLst/>
+    <dgm:txLinClrLst/>
+    <dgm:txFillClrLst meth="repeat">
+      <a:schemeClr val="dk1"/>
+    </dgm:txFillClrLst>
+    <dgm:txEffectClrLst/>
+  </dgm:styleLbl>
+  <dgm:styleLbl name="fgAccFollowNode1">
+    <dgm:fillClrLst meth="repeat">
+      <a:schemeClr val="accent1">
+        <a:alpha val="90000"/>
+        <a:tint val="40000"/>
+      </a:schemeClr>
+    </dgm:fillClrLst>
+    <dgm:linClrLst meth="repeat">
+      <a:schemeClr val="accent1">
+        <a:alpha val="90000"/>
+        <a:tint val="40000"/>
+      </a:schemeClr>
+    </dgm:linClrLst>
+    <dgm:effectClrLst/>
+    <dgm:txLinClrLst/>
+    <dgm:txFillClrLst meth="repeat">
+      <a:schemeClr val="dk1"/>
+    </dgm:txFillClrLst>
+    <dgm:txEffectClrLst/>
+  </dgm:styleLbl>
+  <dgm:styleLbl name="alignAccFollowNode1">
+    <dgm:fillClrLst meth="repeat">
+      <a:schemeClr val="accent1">
+        <a:alpha val="90000"/>
+        <a:tint val="40000"/>
+      </a:schemeClr>
+    </dgm:fillClrLst>
+    <dgm:linClrLst meth="repeat">
+      <a:schemeClr val="accent1">
+        <a:alpha val="90000"/>
+        <a:tint val="40000"/>
+      </a:schemeClr>
+    </dgm:linClrLst>
+    <dgm:effectClrLst/>
+    <dgm:txLinClrLst/>
+    <dgm:txFillClrLst meth="repeat">
+      <a:schemeClr val="dk1"/>
+    </dgm:txFillClrLst>
+    <dgm:txEffectClrLst/>
+  </dgm:styleLbl>
+  <dgm:styleLbl name="bgAccFollowNode1">
+    <dgm:fillClrLst meth="repeat">
+      <a:schemeClr val="accent1">
+        <a:alpha val="90000"/>
+        <a:tint val="40000"/>
+      </a:schemeClr>
+    </dgm:fillClrLst>
+    <dgm:linClrLst meth="repeat">
+      <a:schemeClr val="accent1">
+        <a:alpha val="90000"/>
+        <a:tint val="40000"/>
+      </a:schemeClr>
+    </dgm:linClrLst>
+    <dgm:effectClrLst/>
+    <dgm:txLinClrLst/>
+    <dgm:txFillClrLst meth="repeat">
+      <a:schemeClr val="dk1"/>
+    </dgm:txFillClrLst>
+    <dgm:txEffectClrLst/>
+  </dgm:styleLbl>
+  <dgm:styleLbl name="fgAcc0">
+    <dgm:fillClrLst meth="repeat">
+      <a:schemeClr val="lt1">
+        <a:alpha val="90000"/>
+      </a:schemeClr>
+    </dgm:fillClrLst>
+    <dgm:linClrLst meth="repeat">
+      <a:schemeClr val="accent1"/>
+    </dgm:linClrLst>
+    <dgm:effectClrLst/>
+    <dgm:txLinClrLst/>
+    <dgm:txFillClrLst meth="repeat">
+      <a:schemeClr val="dk1"/>
+    </dgm:txFillClrLst>
+    <dgm:txEffectClrLst/>
+  </dgm:styleLbl>
+  <dgm:styleLbl name="fgAcc2">
+    <dgm:fillClrLst meth="repeat">
+      <a:schemeClr val="lt1">
+        <a:alpha val="90000"/>
+      </a:schemeClr>
+    </dgm:fillClrLst>
+    <dgm:linClrLst meth="repeat">
+      <a:schemeClr val="accent1"/>
+    </dgm:linClrLst>
+    <dgm:effectClrLst/>
+    <dgm:txLinClrLst/>
+    <dgm:txFillClrLst meth="repeat">
+      <a:schemeClr val="dk1"/>
+    </dgm:txFillClrLst>
+    <dgm:txEffectClrLst/>
+  </dgm:styleLbl>
+  <dgm:styleLbl name="fgAcc3">
+    <dgm:fillClrLst meth="repeat">
+      <a:schemeClr val="lt1">
+        <a:alpha val="90000"/>
+      </a:schemeClr>
+    </dgm:fillClrLst>
+    <dgm:linClrLst meth="repeat">
+      <a:schemeClr val="accent1"/>
+    </dgm:linClrLst>
+    <dgm:effectClrLst/>
+    <dgm:txLinClrLst/>
+    <dgm:txFillClrLst meth="repeat">
+      <a:schemeClr val="dk1"/>
+    </dgm:txFillClrLst>
+    <dgm:txEffectClrLst/>
+  </dgm:styleLbl>
+  <dgm:styleLbl name="fgAcc4">
+    <dgm:fillClrLst meth="repeat">
+      <a:schemeClr val="lt1">
+        <a:alpha val="90000"/>
+      </a:schemeClr>
+    </dgm:fillClrLst>
+    <dgm:linClrLst meth="repeat">
+      <a:schemeClr val="accent1"/>
+    </dgm:linClrLst>
+    <dgm:effectClrLst/>
+    <dgm:txLinClrLst/>
+    <dgm:txFillClrLst meth="repeat">
+      <a:schemeClr val="dk1"/>
+    </dgm:txFillClrLst>
+    <dgm:txEffectClrLst/>
+  </dgm:styleLbl>
+  <dgm:styleLbl name="bgShp">
+    <dgm:fillClrLst meth="repeat">
+      <a:schemeClr val="accent1">
+        <a:tint val="40000"/>
+      </a:schemeClr>
+    </dgm:fillClrLst>
+    <dgm:linClrLst meth="repeat">
+      <a:schemeClr val="accent1"/>
+    </dgm:linClrLst>
+    <dgm:effectClrLst/>
+    <dgm:txLinClrLst/>
+    <dgm:txFillClrLst meth="repeat">
+      <a:schemeClr val="dk1"/>
+    </dgm:txFillClrLst>
+    <dgm:txEffectClrLst/>
+  </dgm:styleLbl>
+  <dgm:styleLbl name="dkBgShp">
+    <dgm:fillClrLst meth="repeat">
+      <a:schemeClr val="accent1">
+        <a:shade val="80000"/>
+      </a:schemeClr>
+    </dgm:fillClrLst>
+    <dgm:linClrLst meth="repeat">
+      <a:schemeClr val="accent1"/>
+    </dgm:linClrLst>
+    <dgm:effectClrLst/>
+    <dgm:txLinClrLst/>
+    <dgm:txFillClrLst meth="repeat">
+      <a:schemeClr val="lt1"/>
+    </dgm:txFillClrLst>
+    <dgm:txEffectClrLst/>
+  </dgm:styleLbl>
+  <dgm:styleLbl name="trBgShp">
+    <dgm:fillClrLst meth="repeat">
+      <a:schemeClr val="accent1">
+        <a:tint val="50000"/>
+        <a:alpha val="40000"/>
+      </a:schemeClr>
+    </dgm:fillClrLst>
+    <dgm:linClrLst meth="repeat">
+      <a:schemeClr val="accent1"/>
+    </dgm:linClrLst>
+    <dgm:effectClrLst/>
+    <dgm:txLinClrLst/>
+    <dgm:txFillClrLst meth="repeat">
+      <a:schemeClr val="lt1"/>
+    </dgm:txFillClrLst>
+    <dgm:txEffectClrLst/>
+  </dgm:styleLbl>
+  <dgm:styleLbl name="fgShp">
+    <dgm:fillClrLst meth="repeat">
+      <a:schemeClr val="accent1">
+        <a:tint val="60000"/>
+      </a:schemeClr>
+    </dgm:fillClrLst>
+    <dgm:linClrLst meth="repeat">
+      <a:schemeClr val="lt1"/>
+    </dgm:linClrLst>
+    <dgm:effectClrLst/>
+    <dgm:txLinClrLst/>
+    <dgm:txFillClrLst meth="repeat">
+      <a:schemeClr val="dk1"/>
+    </dgm:txFillClrLst>
+    <dgm:txEffectClrLst/>
+  </dgm:styleLbl>
+  <dgm:styleLbl name="revTx">
+    <dgm:fillClrLst meth="repeat">
+      <a:schemeClr val="lt1">
+        <a:alpha val="0"/>
+      </a:schemeClr>
+    </dgm:fillClrLst>
+    <dgm:linClrLst meth="repeat">
+      <a:schemeClr val="dk1">
+        <a:alpha val="0"/>
+      </a:schemeClr>
+    </dgm:linClrLst>
+    <dgm:effectClrLst/>
+    <dgm:txLinClrLst/>
+    <dgm:txFillClrLst meth="repeat">
+      <a:schemeClr val="tx1"/>
+    </dgm:txFillClrLst>
+    <dgm:txEffectClrLst/>
+  </dgm:styleLbl>
+</dgm:colorsDef>
+</file>
+
+<file path=ppt/diagrams/colors2.xml><?xml version="1.0" encoding="utf-8"?>
 <dgm:colorsDef xmlns:dgm="http://schemas.openxmlformats.org/drawingml/2006/diagram" xmlns:a="http://schemas.openxmlformats.org/drawingml/2006/main" uniqueId="urn:microsoft.com/office/officeart/2005/8/colors/accent1_2">
   <dgm:title val=""/>
   <dgm:desc val=""/>
@@ -1826,6 +2574,564 @@
 </dgm:dataModel>
 </file>
 
+<file path=ppt/diagrams/data3.xml><?xml version="1.0" encoding="utf-8"?>
+<dgm:dataModel xmlns:dgm="http://schemas.openxmlformats.org/drawingml/2006/diagram" xmlns:a="http://schemas.openxmlformats.org/drawingml/2006/main">
+  <dgm:ptLst>
+    <dgm:pt modelId="{4DB224AD-C361-294D-86E4-FE9A9281F6F5}" type="doc">
+      <dgm:prSet loTypeId="urn:microsoft.com/office/officeart/2005/8/layout/process1" loCatId="" qsTypeId="urn:microsoft.com/office/officeart/2005/8/quickstyle/simple1" qsCatId="simple" csTypeId="urn:microsoft.com/office/officeart/2005/8/colors/accent1_2" csCatId="accent1" phldr="1"/>
+      <dgm:spPr/>
+      <dgm:t>
+        <a:bodyPr/>
+        <a:lstStyle/>
+        <a:p>
+          <a:endParaRPr lang="it-IT"/>
+        </a:p>
+      </dgm:t>
+    </dgm:pt>
+    <dgm:pt modelId="{93769A40-2A4E-FD48-A948-B0EA98D5E6C1}">
+      <dgm:prSet phldrT="[Testo]" custT="1">
+        <dgm:style>
+          <a:lnRef idx="2">
+            <a:schemeClr val="dk1"/>
+          </a:lnRef>
+          <a:fillRef idx="1">
+            <a:schemeClr val="lt1"/>
+          </a:fillRef>
+          <a:effectRef idx="0">
+            <a:schemeClr val="dk1"/>
+          </a:effectRef>
+          <a:fontRef idx="minor">
+            <a:schemeClr val="dk1"/>
+          </a:fontRef>
+        </dgm:style>
+      </dgm:prSet>
+      <dgm:spPr/>
+      <dgm:t>
+        <a:bodyPr/>
+        <a:lstStyle/>
+        <a:p>
+          <a:r>
+            <a:rPr lang="en-GB" sz="2500" b="0" i="0" noProof="0" dirty="0">
+              <a:latin typeface="Calisto MT" panose="02040603050505030304" pitchFamily="18" charset="77"/>
+              <a:ea typeface="Apple Color Emoji" pitchFamily="2" charset="0"/>
+            </a:rPr>
+            <a:t>Encoding</a:t>
+          </a:r>
+        </a:p>
+      </dgm:t>
+    </dgm:pt>
+    <dgm:pt modelId="{644C3690-60BF-F644-ACFE-91334132C7C6}" type="parTrans" cxnId="{6E780F91-4FDB-F54B-BD11-70CCE09705EA}">
+      <dgm:prSet/>
+      <dgm:spPr/>
+      <dgm:t>
+        <a:bodyPr/>
+        <a:lstStyle/>
+        <a:p>
+          <a:endParaRPr lang="it-IT"/>
+        </a:p>
+      </dgm:t>
+    </dgm:pt>
+    <dgm:pt modelId="{A6139BD4-879A-D64B-8E31-CC36472ECF90}" type="sibTrans" cxnId="{6E780F91-4FDB-F54B-BD11-70CCE09705EA}">
+      <dgm:prSet/>
+      <dgm:spPr>
+        <a:solidFill>
+          <a:schemeClr val="bg2"/>
+        </a:solidFill>
+      </dgm:spPr>
+      <dgm:t>
+        <a:bodyPr/>
+        <a:lstStyle/>
+        <a:p>
+          <a:endParaRPr lang="it-IT"/>
+        </a:p>
+      </dgm:t>
+    </dgm:pt>
+    <dgm:pt modelId="{649450AD-0E33-B741-9A54-666D6410E6C0}">
+      <dgm:prSet phldrT="[Testo]" custT="1">
+        <dgm:style>
+          <a:lnRef idx="2">
+            <a:schemeClr val="dk1"/>
+          </a:lnRef>
+          <a:fillRef idx="1">
+            <a:schemeClr val="lt1"/>
+          </a:fillRef>
+          <a:effectRef idx="0">
+            <a:schemeClr val="dk1"/>
+          </a:effectRef>
+          <a:fontRef idx="minor">
+            <a:schemeClr val="dk1"/>
+          </a:fontRef>
+        </dgm:style>
+      </dgm:prSet>
+      <dgm:spPr/>
+      <dgm:t>
+        <a:bodyPr/>
+        <a:lstStyle/>
+        <a:p>
+          <a:r>
+            <a:rPr lang="en-GB" sz="2500" b="0" i="0" noProof="0" dirty="0">
+              <a:latin typeface="Calisto MT" panose="02040603050505030304" pitchFamily="18" charset="77"/>
+            </a:rPr>
+            <a:t>Testing</a:t>
+          </a:r>
+        </a:p>
+      </dgm:t>
+    </dgm:pt>
+    <dgm:pt modelId="{70E55264-D6F3-7041-A174-43EEF2AAA64A}" type="parTrans" cxnId="{25CF06CB-4BE6-AD46-838C-71C33C1BF955}">
+      <dgm:prSet/>
+      <dgm:spPr/>
+      <dgm:t>
+        <a:bodyPr/>
+        <a:lstStyle/>
+        <a:p>
+          <a:endParaRPr lang="it-IT"/>
+        </a:p>
+      </dgm:t>
+    </dgm:pt>
+    <dgm:pt modelId="{F29A645F-6F1B-344D-A375-99CDE390C0FA}" type="sibTrans" cxnId="{25CF06CB-4BE6-AD46-838C-71C33C1BF955}">
+      <dgm:prSet/>
+      <dgm:spPr/>
+      <dgm:t>
+        <a:bodyPr/>
+        <a:lstStyle/>
+        <a:p>
+          <a:endParaRPr lang="it-IT"/>
+        </a:p>
+      </dgm:t>
+    </dgm:pt>
+    <dgm:pt modelId="{FA380CD2-D426-8849-B45E-E7E70EBA21B6}">
+      <dgm:prSet custT="1">
+        <dgm:style>
+          <a:lnRef idx="2">
+            <a:schemeClr val="dk1"/>
+          </a:lnRef>
+          <a:fillRef idx="1">
+            <a:schemeClr val="lt1"/>
+          </a:fillRef>
+          <a:effectRef idx="0">
+            <a:schemeClr val="dk1"/>
+          </a:effectRef>
+          <a:fontRef idx="minor">
+            <a:schemeClr val="dk1"/>
+          </a:fontRef>
+        </dgm:style>
+      </dgm:prSet>
+      <dgm:spPr>
+        <a:ln>
+          <a:prstDash val="lgDash"/>
+        </a:ln>
+      </dgm:spPr>
+      <dgm:t>
+        <a:bodyPr/>
+        <a:lstStyle/>
+        <a:p>
+          <a:endParaRPr lang="en-GB" sz="2500" b="0" i="0" noProof="0" dirty="0">
+            <a:latin typeface="Calisto MT" panose="02040603050505030304" pitchFamily="18" charset="77"/>
+          </a:endParaRPr>
+        </a:p>
+        <a:p>
+          <a:r>
+            <a:rPr lang="en-GB" sz="2500" b="0" i="0" noProof="0" dirty="0">
+              <a:latin typeface="Calisto MT" panose="02040603050505030304" pitchFamily="18" charset="77"/>
+            </a:rPr>
+            <a:t>Approximation</a:t>
+          </a:r>
+        </a:p>
+        <a:p>
+          <a:r>
+            <a:rPr lang="en-GB" sz="1400" b="0" i="0" noProof="0" dirty="0">
+              <a:latin typeface="Calisto MT" panose="02040603050505030304" pitchFamily="18" charset="77"/>
+            </a:rPr>
+            <a:t>(OPTIONAL)</a:t>
+          </a:r>
+        </a:p>
+      </dgm:t>
+    </dgm:pt>
+    <dgm:pt modelId="{4EDAD4FC-9933-3C45-8D6D-50A689DDE9C1}" type="parTrans" cxnId="{FBA1D4CC-5F5A-AD45-9DC8-430BEA0940E1}">
+      <dgm:prSet/>
+      <dgm:spPr/>
+      <dgm:t>
+        <a:bodyPr/>
+        <a:lstStyle/>
+        <a:p>
+          <a:endParaRPr lang="it-IT"/>
+        </a:p>
+      </dgm:t>
+    </dgm:pt>
+    <dgm:pt modelId="{092FE5A0-9C50-D340-AF42-42210B54B3A4}" type="sibTrans" cxnId="{FBA1D4CC-5F5A-AD45-9DC8-430BEA0940E1}">
+      <dgm:prSet/>
+      <dgm:spPr>
+        <a:solidFill>
+          <a:schemeClr val="bg2"/>
+        </a:solidFill>
+      </dgm:spPr>
+      <dgm:t>
+        <a:bodyPr/>
+        <a:lstStyle/>
+        <a:p>
+          <a:endParaRPr lang="it-IT"/>
+        </a:p>
+      </dgm:t>
+    </dgm:pt>
+    <dgm:pt modelId="{F8A6F3A1-934D-FC4A-AE35-66055AB44602}" type="pres">
+      <dgm:prSet presAssocID="{4DB224AD-C361-294D-86E4-FE9A9281F6F5}" presName="Name0" presStyleCnt="0">
+        <dgm:presLayoutVars>
+          <dgm:dir/>
+          <dgm:resizeHandles val="exact"/>
+        </dgm:presLayoutVars>
+      </dgm:prSet>
+      <dgm:spPr/>
+    </dgm:pt>
+    <dgm:pt modelId="{98EA0696-DF24-BE4C-BE2E-3D71F4D38156}" type="pres">
+      <dgm:prSet presAssocID="{FA380CD2-D426-8849-B45E-E7E70EBA21B6}" presName="node" presStyleLbl="node1" presStyleIdx="0" presStyleCnt="3">
+        <dgm:presLayoutVars>
+          <dgm:bulletEnabled val="1"/>
+        </dgm:presLayoutVars>
+      </dgm:prSet>
+      <dgm:spPr/>
+    </dgm:pt>
+    <dgm:pt modelId="{624DB007-D91B-C843-968B-07189C6E688B}" type="pres">
+      <dgm:prSet presAssocID="{092FE5A0-9C50-D340-AF42-42210B54B3A4}" presName="sibTrans" presStyleLbl="sibTrans2D1" presStyleIdx="0" presStyleCnt="2" custScaleX="124054" custScaleY="113901"/>
+      <dgm:spPr/>
+    </dgm:pt>
+    <dgm:pt modelId="{D86856C8-D803-E243-8B94-02B63E374138}" type="pres">
+      <dgm:prSet presAssocID="{092FE5A0-9C50-D340-AF42-42210B54B3A4}" presName="connectorText" presStyleLbl="sibTrans2D1" presStyleIdx="0" presStyleCnt="2"/>
+      <dgm:spPr/>
+    </dgm:pt>
+    <dgm:pt modelId="{C0F1D1B5-9E55-4845-9FD9-4A0BC4CCEA17}" type="pres">
+      <dgm:prSet presAssocID="{93769A40-2A4E-FD48-A948-B0EA98D5E6C1}" presName="node" presStyleLbl="node1" presStyleIdx="1" presStyleCnt="3">
+        <dgm:presLayoutVars>
+          <dgm:bulletEnabled val="1"/>
+        </dgm:presLayoutVars>
+      </dgm:prSet>
+      <dgm:spPr/>
+    </dgm:pt>
+    <dgm:pt modelId="{B03B3A05-DA51-FF4C-B011-134417074FEE}" type="pres">
+      <dgm:prSet presAssocID="{A6139BD4-879A-D64B-8E31-CC36472ECF90}" presName="sibTrans" presStyleLbl="sibTrans2D1" presStyleIdx="1" presStyleCnt="2" custScaleX="128613" custScaleY="113900"/>
+      <dgm:spPr/>
+    </dgm:pt>
+    <dgm:pt modelId="{7E5B15B4-BE4B-614A-85BD-CA012966A2CF}" type="pres">
+      <dgm:prSet presAssocID="{A6139BD4-879A-D64B-8E31-CC36472ECF90}" presName="connectorText" presStyleLbl="sibTrans2D1" presStyleIdx="1" presStyleCnt="2"/>
+      <dgm:spPr/>
+    </dgm:pt>
+    <dgm:pt modelId="{576DD209-2F82-4447-9679-D1008F4A17FB}" type="pres">
+      <dgm:prSet presAssocID="{649450AD-0E33-B741-9A54-666D6410E6C0}" presName="node" presStyleLbl="node1" presStyleIdx="2" presStyleCnt="3">
+        <dgm:presLayoutVars>
+          <dgm:bulletEnabled val="1"/>
+        </dgm:presLayoutVars>
+      </dgm:prSet>
+      <dgm:spPr/>
+    </dgm:pt>
+  </dgm:ptLst>
+  <dgm:cxnLst>
+    <dgm:cxn modelId="{6C6F1E44-5DCF-F24A-BFDC-1267E9558588}" type="presOf" srcId="{649450AD-0E33-B741-9A54-666D6410E6C0}" destId="{576DD209-2F82-4447-9679-D1008F4A17FB}" srcOrd="0" destOrd="0" presId="urn:microsoft.com/office/officeart/2005/8/layout/process1"/>
+    <dgm:cxn modelId="{4D699760-05EF-4141-9CA6-45FB7C3D38B4}" type="presOf" srcId="{FA380CD2-D426-8849-B45E-E7E70EBA21B6}" destId="{98EA0696-DF24-BE4C-BE2E-3D71F4D38156}" srcOrd="0" destOrd="0" presId="urn:microsoft.com/office/officeart/2005/8/layout/process1"/>
+    <dgm:cxn modelId="{3FBD7072-9B67-234F-8597-DE1AD5E0B740}" type="presOf" srcId="{4DB224AD-C361-294D-86E4-FE9A9281F6F5}" destId="{F8A6F3A1-934D-FC4A-AE35-66055AB44602}" srcOrd="0" destOrd="0" presId="urn:microsoft.com/office/officeart/2005/8/layout/process1"/>
+    <dgm:cxn modelId="{BDB4A075-46B6-8743-9CBF-4B06BBDEB277}" type="presOf" srcId="{092FE5A0-9C50-D340-AF42-42210B54B3A4}" destId="{D86856C8-D803-E243-8B94-02B63E374138}" srcOrd="1" destOrd="0" presId="urn:microsoft.com/office/officeart/2005/8/layout/process1"/>
+    <dgm:cxn modelId="{6E780F91-4FDB-F54B-BD11-70CCE09705EA}" srcId="{4DB224AD-C361-294D-86E4-FE9A9281F6F5}" destId="{93769A40-2A4E-FD48-A948-B0EA98D5E6C1}" srcOrd="1" destOrd="0" parTransId="{644C3690-60BF-F644-ACFE-91334132C7C6}" sibTransId="{A6139BD4-879A-D64B-8E31-CC36472ECF90}"/>
+    <dgm:cxn modelId="{93A058B3-277C-1044-B7E7-1A469EC2B6A4}" type="presOf" srcId="{93769A40-2A4E-FD48-A948-B0EA98D5E6C1}" destId="{C0F1D1B5-9E55-4845-9FD9-4A0BC4CCEA17}" srcOrd="0" destOrd="0" presId="urn:microsoft.com/office/officeart/2005/8/layout/process1"/>
+    <dgm:cxn modelId="{49A826C4-01C4-0E42-8A3D-D74FF2FE43F2}" type="presOf" srcId="{A6139BD4-879A-D64B-8E31-CC36472ECF90}" destId="{B03B3A05-DA51-FF4C-B011-134417074FEE}" srcOrd="0" destOrd="0" presId="urn:microsoft.com/office/officeart/2005/8/layout/process1"/>
+    <dgm:cxn modelId="{25CF06CB-4BE6-AD46-838C-71C33C1BF955}" srcId="{4DB224AD-C361-294D-86E4-FE9A9281F6F5}" destId="{649450AD-0E33-B741-9A54-666D6410E6C0}" srcOrd="2" destOrd="0" parTransId="{70E55264-D6F3-7041-A174-43EEF2AAA64A}" sibTransId="{F29A645F-6F1B-344D-A375-99CDE390C0FA}"/>
+    <dgm:cxn modelId="{FBA1D4CC-5F5A-AD45-9DC8-430BEA0940E1}" srcId="{4DB224AD-C361-294D-86E4-FE9A9281F6F5}" destId="{FA380CD2-D426-8849-B45E-E7E70EBA21B6}" srcOrd="0" destOrd="0" parTransId="{4EDAD4FC-9933-3C45-8D6D-50A689DDE9C1}" sibTransId="{092FE5A0-9C50-D340-AF42-42210B54B3A4}"/>
+    <dgm:cxn modelId="{46FDFBD4-799C-3647-902F-FB68E94E4875}" type="presOf" srcId="{092FE5A0-9C50-D340-AF42-42210B54B3A4}" destId="{624DB007-D91B-C843-968B-07189C6E688B}" srcOrd="0" destOrd="0" presId="urn:microsoft.com/office/officeart/2005/8/layout/process1"/>
+    <dgm:cxn modelId="{75C28DD9-A44A-F24E-A5C3-5C70F4F491C4}" type="presOf" srcId="{A6139BD4-879A-D64B-8E31-CC36472ECF90}" destId="{7E5B15B4-BE4B-614A-85BD-CA012966A2CF}" srcOrd="1" destOrd="0" presId="urn:microsoft.com/office/officeart/2005/8/layout/process1"/>
+    <dgm:cxn modelId="{F2A78FAC-5A58-634D-B973-6FB350AC751C}" type="presParOf" srcId="{F8A6F3A1-934D-FC4A-AE35-66055AB44602}" destId="{98EA0696-DF24-BE4C-BE2E-3D71F4D38156}" srcOrd="0" destOrd="0" presId="urn:microsoft.com/office/officeart/2005/8/layout/process1"/>
+    <dgm:cxn modelId="{D8A87A4B-30C7-B54A-8551-4C1976EA17C4}" type="presParOf" srcId="{F8A6F3A1-934D-FC4A-AE35-66055AB44602}" destId="{624DB007-D91B-C843-968B-07189C6E688B}" srcOrd="1" destOrd="0" presId="urn:microsoft.com/office/officeart/2005/8/layout/process1"/>
+    <dgm:cxn modelId="{55FFCA74-D2DD-384D-AFB2-1B47AEA2E7A7}" type="presParOf" srcId="{624DB007-D91B-C843-968B-07189C6E688B}" destId="{D86856C8-D803-E243-8B94-02B63E374138}" srcOrd="0" destOrd="0" presId="urn:microsoft.com/office/officeart/2005/8/layout/process1"/>
+    <dgm:cxn modelId="{4014FAF8-DF53-FC4D-8FC9-13D5B99DFCCD}" type="presParOf" srcId="{F8A6F3A1-934D-FC4A-AE35-66055AB44602}" destId="{C0F1D1B5-9E55-4845-9FD9-4A0BC4CCEA17}" srcOrd="2" destOrd="0" presId="urn:microsoft.com/office/officeart/2005/8/layout/process1"/>
+    <dgm:cxn modelId="{4CE62A56-448D-7A48-A8EE-F3A56829AEEC}" type="presParOf" srcId="{F8A6F3A1-934D-FC4A-AE35-66055AB44602}" destId="{B03B3A05-DA51-FF4C-B011-134417074FEE}" srcOrd="3" destOrd="0" presId="urn:microsoft.com/office/officeart/2005/8/layout/process1"/>
+    <dgm:cxn modelId="{D1697383-CE92-4348-9718-C043B9E6A917}" type="presParOf" srcId="{B03B3A05-DA51-FF4C-B011-134417074FEE}" destId="{7E5B15B4-BE4B-614A-85BD-CA012966A2CF}" srcOrd="0" destOrd="0" presId="urn:microsoft.com/office/officeart/2005/8/layout/process1"/>
+    <dgm:cxn modelId="{EDB98E9D-2C86-3E4A-9B20-28CD86A0C0BB}" type="presParOf" srcId="{F8A6F3A1-934D-FC4A-AE35-66055AB44602}" destId="{576DD209-2F82-4447-9679-D1008F4A17FB}" srcOrd="4" destOrd="0" presId="urn:microsoft.com/office/officeart/2005/8/layout/process1"/>
+  </dgm:cxnLst>
+  <dgm:bg/>
+  <dgm:whole/>
+  <dgm:extLst>
+    <a:ext uri="http://schemas.microsoft.com/office/drawing/2008/diagram">
+      <dsp:dataModelExt xmlns:dsp="http://schemas.microsoft.com/office/drawing/2008/diagram" relId="rId7" minVer="http://schemas.openxmlformats.org/drawingml/2006/diagram"/>
+    </a:ext>
+  </dgm:extLst>
+</dgm:dataModel>
+</file>
+
+<file path=ppt/diagrams/data4.xml><?xml version="1.0" encoding="utf-8"?>
+<dgm:dataModel xmlns:dgm="http://schemas.openxmlformats.org/drawingml/2006/diagram" xmlns:a="http://schemas.openxmlformats.org/drawingml/2006/main">
+  <dgm:ptLst>
+    <dgm:pt modelId="{4DB224AD-C361-294D-86E4-FE9A9281F6F5}" type="doc">
+      <dgm:prSet loTypeId="urn:microsoft.com/office/officeart/2005/8/layout/process1" loCatId="" qsTypeId="urn:microsoft.com/office/officeart/2005/8/quickstyle/simple1" qsCatId="simple" csTypeId="urn:microsoft.com/office/officeart/2005/8/colors/accent1_2" csCatId="accent1" phldr="1"/>
+      <dgm:spPr/>
+      <dgm:t>
+        <a:bodyPr/>
+        <a:lstStyle/>
+        <a:p>
+          <a:endParaRPr lang="it-IT"/>
+        </a:p>
+      </dgm:t>
+    </dgm:pt>
+    <dgm:pt modelId="{93769A40-2A4E-FD48-A948-B0EA98D5E6C1}">
+      <dgm:prSet phldrT="[Testo]" custT="1">
+        <dgm:style>
+          <a:lnRef idx="2">
+            <a:schemeClr val="dk1"/>
+          </a:lnRef>
+          <a:fillRef idx="1">
+            <a:schemeClr val="lt1"/>
+          </a:fillRef>
+          <a:effectRef idx="0">
+            <a:schemeClr val="dk1"/>
+          </a:effectRef>
+          <a:fontRef idx="minor">
+            <a:schemeClr val="dk1"/>
+          </a:fontRef>
+        </dgm:style>
+      </dgm:prSet>
+      <dgm:spPr/>
+      <dgm:t>
+        <a:bodyPr/>
+        <a:lstStyle/>
+        <a:p>
+          <a:r>
+            <a:rPr lang="en-GB" sz="2500" b="0" i="0" noProof="0" dirty="0">
+              <a:latin typeface="Calisto MT" panose="02040603050505030304" pitchFamily="18" charset="77"/>
+              <a:ea typeface="Apple Color Emoji" pitchFamily="2" charset="0"/>
+            </a:rPr>
+            <a:t>Encoding</a:t>
+          </a:r>
+        </a:p>
+      </dgm:t>
+    </dgm:pt>
+    <dgm:pt modelId="{644C3690-60BF-F644-ACFE-91334132C7C6}" type="parTrans" cxnId="{6E780F91-4FDB-F54B-BD11-70CCE09705EA}">
+      <dgm:prSet/>
+      <dgm:spPr/>
+      <dgm:t>
+        <a:bodyPr/>
+        <a:lstStyle/>
+        <a:p>
+          <a:endParaRPr lang="it-IT"/>
+        </a:p>
+      </dgm:t>
+    </dgm:pt>
+    <dgm:pt modelId="{A6139BD4-879A-D64B-8E31-CC36472ECF90}" type="sibTrans" cxnId="{6E780F91-4FDB-F54B-BD11-70CCE09705EA}">
+      <dgm:prSet/>
+      <dgm:spPr>
+        <a:solidFill>
+          <a:schemeClr val="bg2"/>
+        </a:solidFill>
+      </dgm:spPr>
+      <dgm:t>
+        <a:bodyPr/>
+        <a:lstStyle/>
+        <a:p>
+          <a:endParaRPr lang="it-IT"/>
+        </a:p>
+      </dgm:t>
+    </dgm:pt>
+    <dgm:pt modelId="{649450AD-0E33-B741-9A54-666D6410E6C0}">
+      <dgm:prSet phldrT="[Testo]" custT="1">
+        <dgm:style>
+          <a:lnRef idx="2">
+            <a:schemeClr val="dk1"/>
+          </a:lnRef>
+          <a:fillRef idx="1">
+            <a:schemeClr val="lt1"/>
+          </a:fillRef>
+          <a:effectRef idx="0">
+            <a:schemeClr val="dk1"/>
+          </a:effectRef>
+          <a:fontRef idx="minor">
+            <a:schemeClr val="dk1"/>
+          </a:fontRef>
+        </dgm:style>
+      </dgm:prSet>
+      <dgm:spPr/>
+      <dgm:t>
+        <a:bodyPr/>
+        <a:lstStyle/>
+        <a:p>
+          <a:r>
+            <a:rPr lang="en-GB" sz="2500" b="0" i="0" noProof="0" dirty="0">
+              <a:latin typeface="Calisto MT" panose="02040603050505030304" pitchFamily="18" charset="77"/>
+            </a:rPr>
+            <a:t>Testing</a:t>
+          </a:r>
+        </a:p>
+      </dgm:t>
+    </dgm:pt>
+    <dgm:pt modelId="{70E55264-D6F3-7041-A174-43EEF2AAA64A}" type="parTrans" cxnId="{25CF06CB-4BE6-AD46-838C-71C33C1BF955}">
+      <dgm:prSet/>
+      <dgm:spPr/>
+      <dgm:t>
+        <a:bodyPr/>
+        <a:lstStyle/>
+        <a:p>
+          <a:endParaRPr lang="it-IT"/>
+        </a:p>
+      </dgm:t>
+    </dgm:pt>
+    <dgm:pt modelId="{F29A645F-6F1B-344D-A375-99CDE390C0FA}" type="sibTrans" cxnId="{25CF06CB-4BE6-AD46-838C-71C33C1BF955}">
+      <dgm:prSet/>
+      <dgm:spPr/>
+      <dgm:t>
+        <a:bodyPr/>
+        <a:lstStyle/>
+        <a:p>
+          <a:endParaRPr lang="it-IT"/>
+        </a:p>
+      </dgm:t>
+    </dgm:pt>
+    <dgm:pt modelId="{FA380CD2-D426-8849-B45E-E7E70EBA21B6}">
+      <dgm:prSet custT="1">
+        <dgm:style>
+          <a:lnRef idx="2">
+            <a:schemeClr val="dk1"/>
+          </a:lnRef>
+          <a:fillRef idx="1">
+            <a:schemeClr val="lt1"/>
+          </a:fillRef>
+          <a:effectRef idx="0">
+            <a:schemeClr val="dk1"/>
+          </a:effectRef>
+          <a:fontRef idx="minor">
+            <a:schemeClr val="dk1"/>
+          </a:fontRef>
+        </dgm:style>
+      </dgm:prSet>
+      <dgm:spPr>
+        <a:ln>
+          <a:prstDash val="lgDash"/>
+        </a:ln>
+      </dgm:spPr>
+      <dgm:t>
+        <a:bodyPr/>
+        <a:lstStyle/>
+        <a:p>
+          <a:endParaRPr lang="en-GB" sz="2500" b="0" i="0" noProof="0" dirty="0">
+            <a:latin typeface="Calisto MT" panose="02040603050505030304" pitchFamily="18" charset="77"/>
+          </a:endParaRPr>
+        </a:p>
+        <a:p>
+          <a:r>
+            <a:rPr lang="en-GB" sz="2500" b="0" i="0" noProof="0" dirty="0">
+              <a:latin typeface="Calisto MT" panose="02040603050505030304" pitchFamily="18" charset="77"/>
+            </a:rPr>
+            <a:t>Approximation</a:t>
+          </a:r>
+        </a:p>
+        <a:p>
+          <a:r>
+            <a:rPr lang="en-GB" sz="1400" b="0" i="0" noProof="0" dirty="0">
+              <a:latin typeface="Calisto MT" panose="02040603050505030304" pitchFamily="18" charset="77"/>
+            </a:rPr>
+            <a:t>(OPTIONAL)</a:t>
+          </a:r>
+        </a:p>
+      </dgm:t>
+    </dgm:pt>
+    <dgm:pt modelId="{4EDAD4FC-9933-3C45-8D6D-50A689DDE9C1}" type="parTrans" cxnId="{FBA1D4CC-5F5A-AD45-9DC8-430BEA0940E1}">
+      <dgm:prSet/>
+      <dgm:spPr/>
+      <dgm:t>
+        <a:bodyPr/>
+        <a:lstStyle/>
+        <a:p>
+          <a:endParaRPr lang="it-IT"/>
+        </a:p>
+      </dgm:t>
+    </dgm:pt>
+    <dgm:pt modelId="{092FE5A0-9C50-D340-AF42-42210B54B3A4}" type="sibTrans" cxnId="{FBA1D4CC-5F5A-AD45-9DC8-430BEA0940E1}">
+      <dgm:prSet/>
+      <dgm:spPr>
+        <a:solidFill>
+          <a:schemeClr val="bg2"/>
+        </a:solidFill>
+      </dgm:spPr>
+      <dgm:t>
+        <a:bodyPr/>
+        <a:lstStyle/>
+        <a:p>
+          <a:endParaRPr lang="it-IT"/>
+        </a:p>
+      </dgm:t>
+    </dgm:pt>
+    <dgm:pt modelId="{F8A6F3A1-934D-FC4A-AE35-66055AB44602}" type="pres">
+      <dgm:prSet presAssocID="{4DB224AD-C361-294D-86E4-FE9A9281F6F5}" presName="Name0" presStyleCnt="0">
+        <dgm:presLayoutVars>
+          <dgm:dir/>
+          <dgm:resizeHandles val="exact"/>
+        </dgm:presLayoutVars>
+      </dgm:prSet>
+      <dgm:spPr/>
+    </dgm:pt>
+    <dgm:pt modelId="{98EA0696-DF24-BE4C-BE2E-3D71F4D38156}" type="pres">
+      <dgm:prSet presAssocID="{FA380CD2-D426-8849-B45E-E7E70EBA21B6}" presName="node" presStyleLbl="node1" presStyleIdx="0" presStyleCnt="3">
+        <dgm:presLayoutVars>
+          <dgm:bulletEnabled val="1"/>
+        </dgm:presLayoutVars>
+      </dgm:prSet>
+      <dgm:spPr/>
+    </dgm:pt>
+    <dgm:pt modelId="{624DB007-D91B-C843-968B-07189C6E688B}" type="pres">
+      <dgm:prSet presAssocID="{092FE5A0-9C50-D340-AF42-42210B54B3A4}" presName="sibTrans" presStyleLbl="sibTrans2D1" presStyleIdx="0" presStyleCnt="2" custScaleX="124054" custScaleY="113901"/>
+      <dgm:spPr/>
+    </dgm:pt>
+    <dgm:pt modelId="{D86856C8-D803-E243-8B94-02B63E374138}" type="pres">
+      <dgm:prSet presAssocID="{092FE5A0-9C50-D340-AF42-42210B54B3A4}" presName="connectorText" presStyleLbl="sibTrans2D1" presStyleIdx="0" presStyleCnt="2"/>
+      <dgm:spPr/>
+    </dgm:pt>
+    <dgm:pt modelId="{C0F1D1B5-9E55-4845-9FD9-4A0BC4CCEA17}" type="pres">
+      <dgm:prSet presAssocID="{93769A40-2A4E-FD48-A948-B0EA98D5E6C1}" presName="node" presStyleLbl="node1" presStyleIdx="1" presStyleCnt="3">
+        <dgm:presLayoutVars>
+          <dgm:bulletEnabled val="1"/>
+        </dgm:presLayoutVars>
+      </dgm:prSet>
+      <dgm:spPr/>
+    </dgm:pt>
+    <dgm:pt modelId="{B03B3A05-DA51-FF4C-B011-134417074FEE}" type="pres">
+      <dgm:prSet presAssocID="{A6139BD4-879A-D64B-8E31-CC36472ECF90}" presName="sibTrans" presStyleLbl="sibTrans2D1" presStyleIdx="1" presStyleCnt="2" custScaleX="128613" custScaleY="113900"/>
+      <dgm:spPr/>
+    </dgm:pt>
+    <dgm:pt modelId="{7E5B15B4-BE4B-614A-85BD-CA012966A2CF}" type="pres">
+      <dgm:prSet presAssocID="{A6139BD4-879A-D64B-8E31-CC36472ECF90}" presName="connectorText" presStyleLbl="sibTrans2D1" presStyleIdx="1" presStyleCnt="2"/>
+      <dgm:spPr/>
+    </dgm:pt>
+    <dgm:pt modelId="{576DD209-2F82-4447-9679-D1008F4A17FB}" type="pres">
+      <dgm:prSet presAssocID="{649450AD-0E33-B741-9A54-666D6410E6C0}" presName="node" presStyleLbl="node1" presStyleIdx="2" presStyleCnt="3">
+        <dgm:presLayoutVars>
+          <dgm:bulletEnabled val="1"/>
+        </dgm:presLayoutVars>
+      </dgm:prSet>
+      <dgm:spPr/>
+    </dgm:pt>
+  </dgm:ptLst>
+  <dgm:cxnLst>
+    <dgm:cxn modelId="{6C6F1E44-5DCF-F24A-BFDC-1267E9558588}" type="presOf" srcId="{649450AD-0E33-B741-9A54-666D6410E6C0}" destId="{576DD209-2F82-4447-9679-D1008F4A17FB}" srcOrd="0" destOrd="0" presId="urn:microsoft.com/office/officeart/2005/8/layout/process1"/>
+    <dgm:cxn modelId="{4D699760-05EF-4141-9CA6-45FB7C3D38B4}" type="presOf" srcId="{FA380CD2-D426-8849-B45E-E7E70EBA21B6}" destId="{98EA0696-DF24-BE4C-BE2E-3D71F4D38156}" srcOrd="0" destOrd="0" presId="urn:microsoft.com/office/officeart/2005/8/layout/process1"/>
+    <dgm:cxn modelId="{3FBD7072-9B67-234F-8597-DE1AD5E0B740}" type="presOf" srcId="{4DB224AD-C361-294D-86E4-FE9A9281F6F5}" destId="{F8A6F3A1-934D-FC4A-AE35-66055AB44602}" srcOrd="0" destOrd="0" presId="urn:microsoft.com/office/officeart/2005/8/layout/process1"/>
+    <dgm:cxn modelId="{BDB4A075-46B6-8743-9CBF-4B06BBDEB277}" type="presOf" srcId="{092FE5A0-9C50-D340-AF42-42210B54B3A4}" destId="{D86856C8-D803-E243-8B94-02B63E374138}" srcOrd="1" destOrd="0" presId="urn:microsoft.com/office/officeart/2005/8/layout/process1"/>
+    <dgm:cxn modelId="{6E780F91-4FDB-F54B-BD11-70CCE09705EA}" srcId="{4DB224AD-C361-294D-86E4-FE9A9281F6F5}" destId="{93769A40-2A4E-FD48-A948-B0EA98D5E6C1}" srcOrd="1" destOrd="0" parTransId="{644C3690-60BF-F644-ACFE-91334132C7C6}" sibTransId="{A6139BD4-879A-D64B-8E31-CC36472ECF90}"/>
+    <dgm:cxn modelId="{93A058B3-277C-1044-B7E7-1A469EC2B6A4}" type="presOf" srcId="{93769A40-2A4E-FD48-A948-B0EA98D5E6C1}" destId="{C0F1D1B5-9E55-4845-9FD9-4A0BC4CCEA17}" srcOrd="0" destOrd="0" presId="urn:microsoft.com/office/officeart/2005/8/layout/process1"/>
+    <dgm:cxn modelId="{49A826C4-01C4-0E42-8A3D-D74FF2FE43F2}" type="presOf" srcId="{A6139BD4-879A-D64B-8E31-CC36472ECF90}" destId="{B03B3A05-DA51-FF4C-B011-134417074FEE}" srcOrd="0" destOrd="0" presId="urn:microsoft.com/office/officeart/2005/8/layout/process1"/>
+    <dgm:cxn modelId="{25CF06CB-4BE6-AD46-838C-71C33C1BF955}" srcId="{4DB224AD-C361-294D-86E4-FE9A9281F6F5}" destId="{649450AD-0E33-B741-9A54-666D6410E6C0}" srcOrd="2" destOrd="0" parTransId="{70E55264-D6F3-7041-A174-43EEF2AAA64A}" sibTransId="{F29A645F-6F1B-344D-A375-99CDE390C0FA}"/>
+    <dgm:cxn modelId="{FBA1D4CC-5F5A-AD45-9DC8-430BEA0940E1}" srcId="{4DB224AD-C361-294D-86E4-FE9A9281F6F5}" destId="{FA380CD2-D426-8849-B45E-E7E70EBA21B6}" srcOrd="0" destOrd="0" parTransId="{4EDAD4FC-9933-3C45-8D6D-50A689DDE9C1}" sibTransId="{092FE5A0-9C50-D340-AF42-42210B54B3A4}"/>
+    <dgm:cxn modelId="{46FDFBD4-799C-3647-902F-FB68E94E4875}" type="presOf" srcId="{092FE5A0-9C50-D340-AF42-42210B54B3A4}" destId="{624DB007-D91B-C843-968B-07189C6E688B}" srcOrd="0" destOrd="0" presId="urn:microsoft.com/office/officeart/2005/8/layout/process1"/>
+    <dgm:cxn modelId="{75C28DD9-A44A-F24E-A5C3-5C70F4F491C4}" type="presOf" srcId="{A6139BD4-879A-D64B-8E31-CC36472ECF90}" destId="{7E5B15B4-BE4B-614A-85BD-CA012966A2CF}" srcOrd="1" destOrd="0" presId="urn:microsoft.com/office/officeart/2005/8/layout/process1"/>
+    <dgm:cxn modelId="{F2A78FAC-5A58-634D-B973-6FB350AC751C}" type="presParOf" srcId="{F8A6F3A1-934D-FC4A-AE35-66055AB44602}" destId="{98EA0696-DF24-BE4C-BE2E-3D71F4D38156}" srcOrd="0" destOrd="0" presId="urn:microsoft.com/office/officeart/2005/8/layout/process1"/>
+    <dgm:cxn modelId="{D8A87A4B-30C7-B54A-8551-4C1976EA17C4}" type="presParOf" srcId="{F8A6F3A1-934D-FC4A-AE35-66055AB44602}" destId="{624DB007-D91B-C843-968B-07189C6E688B}" srcOrd="1" destOrd="0" presId="urn:microsoft.com/office/officeart/2005/8/layout/process1"/>
+    <dgm:cxn modelId="{55FFCA74-D2DD-384D-AFB2-1B47AEA2E7A7}" type="presParOf" srcId="{624DB007-D91B-C843-968B-07189C6E688B}" destId="{D86856C8-D803-E243-8B94-02B63E374138}" srcOrd="0" destOrd="0" presId="urn:microsoft.com/office/officeart/2005/8/layout/process1"/>
+    <dgm:cxn modelId="{4014FAF8-DF53-FC4D-8FC9-13D5B99DFCCD}" type="presParOf" srcId="{F8A6F3A1-934D-FC4A-AE35-66055AB44602}" destId="{C0F1D1B5-9E55-4845-9FD9-4A0BC4CCEA17}" srcOrd="2" destOrd="0" presId="urn:microsoft.com/office/officeart/2005/8/layout/process1"/>
+    <dgm:cxn modelId="{4CE62A56-448D-7A48-A8EE-F3A56829AEEC}" type="presParOf" srcId="{F8A6F3A1-934D-FC4A-AE35-66055AB44602}" destId="{B03B3A05-DA51-FF4C-B011-134417074FEE}" srcOrd="3" destOrd="0" presId="urn:microsoft.com/office/officeart/2005/8/layout/process1"/>
+    <dgm:cxn modelId="{D1697383-CE92-4348-9718-C043B9E6A917}" type="presParOf" srcId="{B03B3A05-DA51-FF4C-B011-134417074FEE}" destId="{7E5B15B4-BE4B-614A-85BD-CA012966A2CF}" srcOrd="0" destOrd="0" presId="urn:microsoft.com/office/officeart/2005/8/layout/process1"/>
+    <dgm:cxn modelId="{EDB98E9D-2C86-3E4A-9B20-28CD86A0C0BB}" type="presParOf" srcId="{F8A6F3A1-934D-FC4A-AE35-66055AB44602}" destId="{576DD209-2F82-4447-9679-D1008F4A17FB}" srcOrd="4" destOrd="0" presId="urn:microsoft.com/office/officeart/2005/8/layout/process1"/>
+  </dgm:cxnLst>
+  <dgm:bg/>
+  <dgm:whole/>
+  <dgm:extLst>
+    <a:ext uri="http://schemas.microsoft.com/office/drawing/2008/diagram">
+      <dsp:dataModelExt xmlns:dsp="http://schemas.microsoft.com/office/drawing/2008/diagram" relId="rId7" minVer="http://schemas.openxmlformats.org/drawingml/2006/diagram"/>
+    </a:ext>
+  </dgm:extLst>
+</dgm:dataModel>
+</file>
+
 <file path=ppt/diagrams/drawing1.xml><?xml version="1.0" encoding="utf-8"?>
 <dsp:drawing xmlns:dgm="http://schemas.openxmlformats.org/drawingml/2006/diagram" xmlns:dsp="http://schemas.microsoft.com/office/drawing/2008/diagram" xmlns:a="http://schemas.openxmlformats.org/drawingml/2006/main">
   <dsp:spTree>
@@ -2286,6 +3592,400 @@
 </dsp:drawing>
 </file>
 
+<file path=ppt/diagrams/drawing2.xml><?xml version="1.0" encoding="utf-8"?>
+<dsp:drawing xmlns:dgm="http://schemas.openxmlformats.org/drawingml/2006/diagram" xmlns:dsp="http://schemas.microsoft.com/office/drawing/2008/diagram" xmlns:a="http://schemas.openxmlformats.org/drawingml/2006/main">
+  <dsp:spTree>
+    <dsp:nvGrpSpPr>
+      <dsp:cNvPr id="0" name=""/>
+      <dsp:cNvGrpSpPr/>
+    </dsp:nvGrpSpPr>
+    <dsp:grpSpPr/>
+    <dsp:sp modelId="{98EA0696-DF24-BE4C-BE2E-3D71F4D38156}">
+      <dsp:nvSpPr>
+        <dsp:cNvPr id="0" name=""/>
+        <dsp:cNvSpPr/>
+      </dsp:nvSpPr>
+      <dsp:spPr>
+        <a:xfrm>
+          <a:off x="8008" y="1991246"/>
+          <a:ext cx="2393623" cy="1436173"/>
+        </a:xfrm>
+        <a:prstGeom prst="roundRect">
+          <a:avLst>
+            <a:gd name="adj" fmla="val 10000"/>
+          </a:avLst>
+        </a:prstGeom>
+        <a:solidFill>
+          <a:schemeClr val="lt1"/>
+        </a:solidFill>
+        <a:ln w="12700" cap="flat" cmpd="sng" algn="ctr">
+          <a:solidFill>
+            <a:schemeClr val="dk1"/>
+          </a:solidFill>
+          <a:prstDash val="lgDash"/>
+          <a:miter lim="800000"/>
+        </a:ln>
+        <a:effectLst/>
+      </dsp:spPr>
+      <dsp:style>
+        <a:lnRef idx="2">
+          <a:schemeClr val="dk1"/>
+        </a:lnRef>
+        <a:fillRef idx="1">
+          <a:schemeClr val="lt1"/>
+        </a:fillRef>
+        <a:effectRef idx="0">
+          <a:schemeClr val="dk1"/>
+        </a:effectRef>
+        <a:fontRef idx="minor">
+          <a:schemeClr val="dk1"/>
+        </a:fontRef>
+      </dsp:style>
+      <dsp:txBody>
+        <a:bodyPr spcFirstLastPara="0" vert="horz" wrap="square" lIns="95250" tIns="95250" rIns="95250" bIns="95250" numCol="1" spcCol="1270" anchor="ctr" anchorCtr="0">
+          <a:noAutofit/>
+        </a:bodyPr>
+        <a:lstStyle/>
+        <a:p>
+          <a:pPr marL="0" lvl="0" indent="0" algn="ctr" defTabSz="1111250">
+            <a:lnSpc>
+              <a:spcPct val="90000"/>
+            </a:lnSpc>
+            <a:spcBef>
+              <a:spcPct val="0"/>
+            </a:spcBef>
+            <a:spcAft>
+              <a:spcPct val="35000"/>
+            </a:spcAft>
+            <a:buNone/>
+          </a:pPr>
+          <a:endParaRPr lang="en-GB" sz="2500" b="0" i="0" kern="1200" noProof="0" dirty="0">
+            <a:latin typeface="Calisto MT" panose="02040603050505030304" pitchFamily="18" charset="77"/>
+          </a:endParaRPr>
+        </a:p>
+        <a:p>
+          <a:pPr marL="0" lvl="0" indent="0" algn="ctr" defTabSz="1111250">
+            <a:lnSpc>
+              <a:spcPct val="90000"/>
+            </a:lnSpc>
+            <a:spcBef>
+              <a:spcPct val="0"/>
+            </a:spcBef>
+            <a:spcAft>
+              <a:spcPct val="35000"/>
+            </a:spcAft>
+            <a:buNone/>
+          </a:pPr>
+          <a:r>
+            <a:rPr lang="en-GB" sz="2500" b="0" i="0" kern="1200" noProof="0" dirty="0">
+              <a:latin typeface="Calisto MT" panose="02040603050505030304" pitchFamily="18" charset="77"/>
+            </a:rPr>
+            <a:t>Approximation</a:t>
+          </a:r>
+        </a:p>
+        <a:p>
+          <a:pPr marL="0" lvl="0" indent="0" algn="ctr" defTabSz="1111250">
+            <a:lnSpc>
+              <a:spcPct val="90000"/>
+            </a:lnSpc>
+            <a:spcBef>
+              <a:spcPct val="0"/>
+            </a:spcBef>
+            <a:spcAft>
+              <a:spcPct val="35000"/>
+            </a:spcAft>
+            <a:buNone/>
+          </a:pPr>
+          <a:r>
+            <a:rPr lang="en-GB" sz="1400" b="0" i="0" kern="1200" noProof="0" dirty="0">
+              <a:latin typeface="Calisto MT" panose="02040603050505030304" pitchFamily="18" charset="77"/>
+            </a:rPr>
+            <a:t>(OPTIONAL)</a:t>
+          </a:r>
+        </a:p>
+      </dsp:txBody>
+      <dsp:txXfrm>
+        <a:off x="50072" y="2033310"/>
+        <a:ext cx="2309495" cy="1352045"/>
+      </dsp:txXfrm>
+    </dsp:sp>
+    <dsp:sp modelId="{624DB007-D91B-C843-968B-07189C6E688B}">
+      <dsp:nvSpPr>
+        <dsp:cNvPr id="0" name=""/>
+        <dsp:cNvSpPr/>
+      </dsp:nvSpPr>
+      <dsp:spPr>
+        <a:xfrm>
+          <a:off x="2579963" y="2371264"/>
+          <a:ext cx="629509" cy="676137"/>
+        </a:xfrm>
+        <a:prstGeom prst="rightArrow">
+          <a:avLst>
+            <a:gd name="adj1" fmla="val 60000"/>
+            <a:gd name="adj2" fmla="val 50000"/>
+          </a:avLst>
+        </a:prstGeom>
+        <a:solidFill>
+          <a:schemeClr val="bg2"/>
+        </a:solidFill>
+        <a:ln>
+          <a:noFill/>
+        </a:ln>
+        <a:effectLst/>
+      </dsp:spPr>
+      <dsp:style>
+        <a:lnRef idx="0">
+          <a:scrgbClr r="0" g="0" b="0"/>
+        </a:lnRef>
+        <a:fillRef idx="1">
+          <a:scrgbClr r="0" g="0" b="0"/>
+        </a:fillRef>
+        <a:effectRef idx="0">
+          <a:scrgbClr r="0" g="0" b="0"/>
+        </a:effectRef>
+        <a:fontRef idx="minor">
+          <a:schemeClr val="lt1"/>
+        </a:fontRef>
+      </dsp:style>
+      <dsp:txBody>
+        <a:bodyPr spcFirstLastPara="0" vert="horz" wrap="square" lIns="0" tIns="0" rIns="0" bIns="0" numCol="1" spcCol="1270" anchor="ctr" anchorCtr="0">
+          <a:noAutofit/>
+        </a:bodyPr>
+        <a:lstStyle/>
+        <a:p>
+          <a:pPr marL="0" lvl="0" indent="0" algn="ctr" defTabSz="1289050">
+            <a:lnSpc>
+              <a:spcPct val="90000"/>
+            </a:lnSpc>
+            <a:spcBef>
+              <a:spcPct val="0"/>
+            </a:spcBef>
+            <a:spcAft>
+              <a:spcPct val="35000"/>
+            </a:spcAft>
+            <a:buNone/>
+          </a:pPr>
+          <a:endParaRPr lang="it-IT" sz="2900" kern="1200"/>
+        </a:p>
+      </dsp:txBody>
+      <dsp:txXfrm>
+        <a:off x="2579963" y="2506491"/>
+        <a:ext cx="440656" cy="405683"/>
+      </dsp:txXfrm>
+    </dsp:sp>
+    <dsp:sp modelId="{C0F1D1B5-9E55-4845-9FD9-4A0BC4CCEA17}">
+      <dsp:nvSpPr>
+        <dsp:cNvPr id="0" name=""/>
+        <dsp:cNvSpPr/>
+      </dsp:nvSpPr>
+      <dsp:spPr>
+        <a:xfrm>
+          <a:off x="3359080" y="1991246"/>
+          <a:ext cx="2393623" cy="1436173"/>
+        </a:xfrm>
+        <a:prstGeom prst="roundRect">
+          <a:avLst>
+            <a:gd name="adj" fmla="val 10000"/>
+          </a:avLst>
+        </a:prstGeom>
+        <a:solidFill>
+          <a:schemeClr val="lt1"/>
+        </a:solidFill>
+        <a:ln w="12700" cap="flat" cmpd="sng" algn="ctr">
+          <a:solidFill>
+            <a:schemeClr val="dk1"/>
+          </a:solidFill>
+          <a:prstDash val="solid"/>
+          <a:miter lim="800000"/>
+        </a:ln>
+        <a:effectLst/>
+      </dsp:spPr>
+      <dsp:style>
+        <a:lnRef idx="2">
+          <a:schemeClr val="dk1"/>
+        </a:lnRef>
+        <a:fillRef idx="1">
+          <a:schemeClr val="lt1"/>
+        </a:fillRef>
+        <a:effectRef idx="0">
+          <a:schemeClr val="dk1"/>
+        </a:effectRef>
+        <a:fontRef idx="minor">
+          <a:schemeClr val="dk1"/>
+        </a:fontRef>
+      </dsp:style>
+      <dsp:txBody>
+        <a:bodyPr spcFirstLastPara="0" vert="horz" wrap="square" lIns="95250" tIns="95250" rIns="95250" bIns="95250" numCol="1" spcCol="1270" anchor="ctr" anchorCtr="0">
+          <a:noAutofit/>
+        </a:bodyPr>
+        <a:lstStyle/>
+        <a:p>
+          <a:pPr marL="0" lvl="0" indent="0" algn="ctr" defTabSz="1111250">
+            <a:lnSpc>
+              <a:spcPct val="90000"/>
+            </a:lnSpc>
+            <a:spcBef>
+              <a:spcPct val="0"/>
+            </a:spcBef>
+            <a:spcAft>
+              <a:spcPct val="35000"/>
+            </a:spcAft>
+            <a:buNone/>
+          </a:pPr>
+          <a:r>
+            <a:rPr lang="en-GB" sz="2500" b="0" i="0" kern="1200" noProof="0" dirty="0">
+              <a:latin typeface="Calisto MT" panose="02040603050505030304" pitchFamily="18" charset="77"/>
+              <a:ea typeface="Apple Color Emoji" pitchFamily="2" charset="0"/>
+            </a:rPr>
+            <a:t>Encoding</a:t>
+          </a:r>
+        </a:p>
+      </dsp:txBody>
+      <dsp:txXfrm>
+        <a:off x="3401144" y="2033310"/>
+        <a:ext cx="2309495" cy="1352045"/>
+      </dsp:txXfrm>
+    </dsp:sp>
+    <dsp:sp modelId="{B03B3A05-DA51-FF4C-B011-134417074FEE}">
+      <dsp:nvSpPr>
+        <dsp:cNvPr id="0" name=""/>
+        <dsp:cNvSpPr/>
+      </dsp:nvSpPr>
+      <dsp:spPr>
+        <a:xfrm>
+          <a:off x="5919468" y="2371267"/>
+          <a:ext cx="652644" cy="676131"/>
+        </a:xfrm>
+        <a:prstGeom prst="rightArrow">
+          <a:avLst>
+            <a:gd name="adj1" fmla="val 60000"/>
+            <a:gd name="adj2" fmla="val 50000"/>
+          </a:avLst>
+        </a:prstGeom>
+        <a:solidFill>
+          <a:schemeClr val="bg2"/>
+        </a:solidFill>
+        <a:ln>
+          <a:noFill/>
+        </a:ln>
+        <a:effectLst/>
+      </dsp:spPr>
+      <dsp:style>
+        <a:lnRef idx="0">
+          <a:scrgbClr r="0" g="0" b="0"/>
+        </a:lnRef>
+        <a:fillRef idx="1">
+          <a:scrgbClr r="0" g="0" b="0"/>
+        </a:fillRef>
+        <a:effectRef idx="0">
+          <a:scrgbClr r="0" g="0" b="0"/>
+        </a:effectRef>
+        <a:fontRef idx="minor">
+          <a:schemeClr val="lt1"/>
+        </a:fontRef>
+      </dsp:style>
+      <dsp:txBody>
+        <a:bodyPr spcFirstLastPara="0" vert="horz" wrap="square" lIns="0" tIns="0" rIns="0" bIns="0" numCol="1" spcCol="1270" anchor="ctr" anchorCtr="0">
+          <a:noAutofit/>
+        </a:bodyPr>
+        <a:lstStyle/>
+        <a:p>
+          <a:pPr marL="0" lvl="0" indent="0" algn="ctr" defTabSz="1289050">
+            <a:lnSpc>
+              <a:spcPct val="90000"/>
+            </a:lnSpc>
+            <a:spcBef>
+              <a:spcPct val="0"/>
+            </a:spcBef>
+            <a:spcAft>
+              <a:spcPct val="35000"/>
+            </a:spcAft>
+            <a:buNone/>
+          </a:pPr>
+          <a:endParaRPr lang="it-IT" sz="2900" kern="1200"/>
+        </a:p>
+      </dsp:txBody>
+      <dsp:txXfrm>
+        <a:off x="5919468" y="2506493"/>
+        <a:ext cx="456851" cy="405679"/>
+      </dsp:txXfrm>
+    </dsp:sp>
+    <dsp:sp modelId="{576DD209-2F82-4447-9679-D1008F4A17FB}">
+      <dsp:nvSpPr>
+        <dsp:cNvPr id="0" name=""/>
+        <dsp:cNvSpPr/>
+      </dsp:nvSpPr>
+      <dsp:spPr>
+        <a:xfrm>
+          <a:off x="6710153" y="1991246"/>
+          <a:ext cx="2393623" cy="1436173"/>
+        </a:xfrm>
+        <a:prstGeom prst="roundRect">
+          <a:avLst>
+            <a:gd name="adj" fmla="val 10000"/>
+          </a:avLst>
+        </a:prstGeom>
+        <a:solidFill>
+          <a:schemeClr val="lt1"/>
+        </a:solidFill>
+        <a:ln w="12700" cap="flat" cmpd="sng" algn="ctr">
+          <a:solidFill>
+            <a:schemeClr val="dk1"/>
+          </a:solidFill>
+          <a:prstDash val="solid"/>
+          <a:miter lim="800000"/>
+        </a:ln>
+        <a:effectLst/>
+      </dsp:spPr>
+      <dsp:style>
+        <a:lnRef idx="2">
+          <a:schemeClr val="dk1"/>
+        </a:lnRef>
+        <a:fillRef idx="1">
+          <a:schemeClr val="lt1"/>
+        </a:fillRef>
+        <a:effectRef idx="0">
+          <a:schemeClr val="dk1"/>
+        </a:effectRef>
+        <a:fontRef idx="minor">
+          <a:schemeClr val="dk1"/>
+        </a:fontRef>
+      </dsp:style>
+      <dsp:txBody>
+        <a:bodyPr spcFirstLastPara="0" vert="horz" wrap="square" lIns="95250" tIns="95250" rIns="95250" bIns="95250" numCol="1" spcCol="1270" anchor="ctr" anchorCtr="0">
+          <a:noAutofit/>
+        </a:bodyPr>
+        <a:lstStyle/>
+        <a:p>
+          <a:pPr marL="0" lvl="0" indent="0" algn="ctr" defTabSz="1111250">
+            <a:lnSpc>
+              <a:spcPct val="90000"/>
+            </a:lnSpc>
+            <a:spcBef>
+              <a:spcPct val="0"/>
+            </a:spcBef>
+            <a:spcAft>
+              <a:spcPct val="35000"/>
+            </a:spcAft>
+            <a:buNone/>
+          </a:pPr>
+          <a:r>
+            <a:rPr lang="en-GB" sz="2500" b="0" i="0" kern="1200" noProof="0" dirty="0">
+              <a:latin typeface="Calisto MT" panose="02040603050505030304" pitchFamily="18" charset="77"/>
+            </a:rPr>
+            <a:t>Testing</a:t>
+          </a:r>
+        </a:p>
+      </dsp:txBody>
+      <dsp:txXfrm>
+        <a:off x="6752217" y="2033310"/>
+        <a:ext cx="2309495" cy="1352045"/>
+      </dsp:txXfrm>
+    </dsp:sp>
+  </dsp:spTree>
+</dsp:drawing>
+</file>
+
 <file path=ppt/diagrams/layout1.xml><?xml version="1.0" encoding="utf-8"?>
 <dgm:layoutDef xmlns:dgm="http://schemas.openxmlformats.org/drawingml/2006/diagram" xmlns:a="http://schemas.openxmlformats.org/drawingml/2006/main" uniqueId="urn:microsoft.com/office/officeart/2005/8/layout/hProcess3">
   <dgm:title val=""/>
@@ -2601,7 +4301,1187 @@
 </dgm:layoutDef>
 </file>
 
+<file path=ppt/diagrams/layout2.xml><?xml version="1.0" encoding="utf-8"?>
+<dgm:layoutDef xmlns:dgm="http://schemas.openxmlformats.org/drawingml/2006/diagram" xmlns:a="http://schemas.openxmlformats.org/drawingml/2006/main" uniqueId="urn:microsoft.com/office/officeart/2005/8/layout/process1">
+  <dgm:title val=""/>
+  <dgm:desc val=""/>
+  <dgm:catLst>
+    <dgm:cat type="process" pri="1000"/>
+    <dgm:cat type="convert" pri="15000"/>
+  </dgm:catLst>
+  <dgm:sampData useDef="1">
+    <dgm:dataModel>
+      <dgm:ptLst/>
+      <dgm:bg/>
+      <dgm:whole/>
+    </dgm:dataModel>
+  </dgm:sampData>
+  <dgm:styleData>
+    <dgm:dataModel>
+      <dgm:ptLst>
+        <dgm:pt modelId="0" type="doc"/>
+        <dgm:pt modelId="1"/>
+        <dgm:pt modelId="2"/>
+      </dgm:ptLst>
+      <dgm:cxnLst>
+        <dgm:cxn modelId="3" srcId="0" destId="1" srcOrd="0" destOrd="0"/>
+        <dgm:cxn modelId="4" srcId="0" destId="2" srcOrd="1" destOrd="0"/>
+      </dgm:cxnLst>
+      <dgm:bg/>
+      <dgm:whole/>
+    </dgm:dataModel>
+  </dgm:styleData>
+  <dgm:clrData>
+    <dgm:dataModel>
+      <dgm:ptLst>
+        <dgm:pt modelId="0" type="doc"/>
+        <dgm:pt modelId="1"/>
+        <dgm:pt modelId="2"/>
+        <dgm:pt modelId="3"/>
+        <dgm:pt modelId="4"/>
+      </dgm:ptLst>
+      <dgm:cxnLst>
+        <dgm:cxn modelId="5" srcId="0" destId="1" srcOrd="0" destOrd="0"/>
+        <dgm:cxn modelId="6" srcId="0" destId="2" srcOrd="1" destOrd="0"/>
+        <dgm:cxn modelId="7" srcId="0" destId="3" srcOrd="2" destOrd="0"/>
+        <dgm:cxn modelId="8" srcId="0" destId="4" srcOrd="3" destOrd="0"/>
+      </dgm:cxnLst>
+      <dgm:bg/>
+      <dgm:whole/>
+    </dgm:dataModel>
+  </dgm:clrData>
+  <dgm:layoutNode name="Name0">
+    <dgm:varLst>
+      <dgm:dir/>
+      <dgm:resizeHandles val="exact"/>
+    </dgm:varLst>
+    <dgm:choose name="Name1">
+      <dgm:if name="Name2" func="var" arg="dir" op="equ" val="norm">
+        <dgm:alg type="lin"/>
+      </dgm:if>
+      <dgm:else name="Name3">
+        <dgm:alg type="lin">
+          <dgm:param type="linDir" val="fromR"/>
+        </dgm:alg>
+      </dgm:else>
+    </dgm:choose>
+    <dgm:shape xmlns:r="http://schemas.openxmlformats.org/officeDocument/2006/relationships" r:blip="">
+      <dgm:adjLst/>
+    </dgm:shape>
+    <dgm:presOf/>
+    <dgm:constrLst>
+      <dgm:constr type="w" for="ch" ptType="node" refType="w"/>
+      <dgm:constr type="h" for="ch" ptType="node" op="equ"/>
+      <dgm:constr type="primFontSz" for="ch" ptType="node" op="equ" val="65"/>
+      <dgm:constr type="w" for="ch" ptType="sibTrans" refType="w" refFor="ch" refPtType="node" op="equ" fact="0.4"/>
+      <dgm:constr type="h" for="ch" ptType="sibTrans" op="equ"/>
+      <dgm:constr type="primFontSz" for="des" forName="connectorText" op="equ" val="55"/>
+      <dgm:constr type="primFontSz" for="des" forName="connectorText" refType="primFontSz" refFor="ch" refPtType="node" op="lte" fact="0.8"/>
+    </dgm:constrLst>
+    <dgm:ruleLst/>
+    <dgm:forEach name="nodesForEach" axis="ch" ptType="node">
+      <dgm:layoutNode name="node">
+        <dgm:varLst>
+          <dgm:bulletEnabled val="1"/>
+        </dgm:varLst>
+        <dgm:alg type="tx"/>
+        <dgm:shape xmlns:r="http://schemas.openxmlformats.org/officeDocument/2006/relationships" type="roundRect" r:blip="">
+          <dgm:adjLst>
+            <dgm:adj idx="1" val="0.1"/>
+          </dgm:adjLst>
+        </dgm:shape>
+        <dgm:presOf axis="desOrSelf" ptType="node"/>
+        <dgm:constrLst>
+          <dgm:constr type="h" refType="w" fact="0.6"/>
+          <dgm:constr type="tMarg" refType="primFontSz" fact="0.3"/>
+          <dgm:constr type="bMarg" refType="primFontSz" fact="0.3"/>
+          <dgm:constr type="lMarg" refType="primFontSz" fact="0.3"/>
+          <dgm:constr type="rMarg" refType="primFontSz" fact="0.3"/>
+        </dgm:constrLst>
+        <dgm:ruleLst>
+          <dgm:rule type="primFontSz" val="18" fact="NaN" max="NaN"/>
+          <dgm:rule type="h" val="NaN" fact="1.5" max="NaN"/>
+          <dgm:rule type="primFontSz" val="5" fact="NaN" max="NaN"/>
+          <dgm:rule type="h" val="INF" fact="NaN" max="NaN"/>
+        </dgm:ruleLst>
+      </dgm:layoutNode>
+      <dgm:forEach name="sibTransForEach" axis="followSib" ptType="sibTrans" cnt="1">
+        <dgm:layoutNode name="sibTrans">
+          <dgm:alg type="conn">
+            <dgm:param type="begPts" val="auto"/>
+            <dgm:param type="endPts" val="auto"/>
+          </dgm:alg>
+          <dgm:shape xmlns:r="http://schemas.openxmlformats.org/officeDocument/2006/relationships" type="conn" r:blip="">
+            <dgm:adjLst/>
+          </dgm:shape>
+          <dgm:presOf axis="self"/>
+          <dgm:constrLst>
+            <dgm:constr type="h" refType="w" fact="0.62"/>
+            <dgm:constr type="connDist"/>
+            <dgm:constr type="begPad" refType="connDist" fact="0.25"/>
+            <dgm:constr type="endPad" refType="connDist" fact="0.22"/>
+          </dgm:constrLst>
+          <dgm:ruleLst/>
+          <dgm:layoutNode name="connectorText">
+            <dgm:alg type="tx">
+              <dgm:param type="autoTxRot" val="grav"/>
+            </dgm:alg>
+            <dgm:shape xmlns:r="http://schemas.openxmlformats.org/officeDocument/2006/relationships" type="conn" r:blip="" hideGeom="1">
+              <dgm:adjLst/>
+            </dgm:shape>
+            <dgm:presOf axis="self"/>
+            <dgm:constrLst>
+              <dgm:constr type="lMarg"/>
+              <dgm:constr type="rMarg"/>
+              <dgm:constr type="tMarg"/>
+              <dgm:constr type="bMarg"/>
+            </dgm:constrLst>
+            <dgm:ruleLst>
+              <dgm:rule type="primFontSz" val="5" fact="NaN" max="NaN"/>
+            </dgm:ruleLst>
+          </dgm:layoutNode>
+        </dgm:layoutNode>
+      </dgm:forEach>
+    </dgm:forEach>
+  </dgm:layoutNode>
+</dgm:layoutDef>
+</file>
+
 <file path=ppt/diagrams/quickStyle1.xml><?xml version="1.0" encoding="utf-8"?>
+<dgm:styleDef xmlns:dgm="http://schemas.openxmlformats.org/drawingml/2006/diagram" xmlns:a="http://schemas.openxmlformats.org/drawingml/2006/main" uniqueId="urn:microsoft.com/office/officeart/2005/8/quickstyle/simple1">
+  <dgm:title val=""/>
+  <dgm:desc val=""/>
+  <dgm:catLst>
+    <dgm:cat type="simple" pri="10100"/>
+  </dgm:catLst>
+  <dgm:scene3d>
+    <a:camera prst="orthographicFront"/>
+    <a:lightRig rig="threePt" dir="t"/>
+  </dgm:scene3d>
+  <dgm:styleLbl name="node0">
+    <dgm:scene3d>
+      <a:camera prst="orthographicFront"/>
+      <a:lightRig rig="threePt" dir="t"/>
+    </dgm:scene3d>
+    <dgm:sp3d/>
+    <dgm:txPr/>
+    <dgm:style>
+      <a:lnRef idx="2">
+        <a:scrgbClr r="0" g="0" b="0"/>
+      </a:lnRef>
+      <a:fillRef idx="1">
+        <a:scrgbClr r="0" g="0" b="0"/>
+      </a:fillRef>
+      <a:effectRef idx="0">
+        <a:scrgbClr r="0" g="0" b="0"/>
+      </a:effectRef>
+      <a:fontRef idx="minor">
+        <a:schemeClr val="lt1"/>
+      </a:fontRef>
+    </dgm:style>
+  </dgm:styleLbl>
+  <dgm:styleLbl name="lnNode1">
+    <dgm:scene3d>
+      <a:camera prst="orthographicFront"/>
+      <a:lightRig rig="threePt" dir="t"/>
+    </dgm:scene3d>
+    <dgm:sp3d/>
+    <dgm:txPr/>
+    <dgm:style>
+      <a:lnRef idx="2">
+        <a:scrgbClr r="0" g="0" b="0"/>
+      </a:lnRef>
+      <a:fillRef idx="1">
+        <a:scrgbClr r="0" g="0" b="0"/>
+      </a:fillRef>
+      <a:effectRef idx="0">
+        <a:scrgbClr r="0" g="0" b="0"/>
+      </a:effectRef>
+      <a:fontRef idx="minor">
+        <a:schemeClr val="lt1"/>
+      </a:fontRef>
+    </dgm:style>
+  </dgm:styleLbl>
+  <dgm:styleLbl name="vennNode1">
+    <dgm:scene3d>
+      <a:camera prst="orthographicFront"/>
+      <a:lightRig rig="threePt" dir="t"/>
+    </dgm:scene3d>
+    <dgm:sp3d/>
+    <dgm:txPr/>
+    <dgm:style>
+      <a:lnRef idx="2">
+        <a:scrgbClr r="0" g="0" b="0"/>
+      </a:lnRef>
+      <a:fillRef idx="1">
+        <a:scrgbClr r="0" g="0" b="0"/>
+      </a:fillRef>
+      <a:effectRef idx="0">
+        <a:scrgbClr r="0" g="0" b="0"/>
+      </a:effectRef>
+      <a:fontRef idx="minor">
+        <a:schemeClr val="tx1"/>
+      </a:fontRef>
+    </dgm:style>
+  </dgm:styleLbl>
+  <dgm:styleLbl name="alignNode1">
+    <dgm:scene3d>
+      <a:camera prst="orthographicFront"/>
+      <a:lightRig rig="threePt" dir="t"/>
+    </dgm:scene3d>
+    <dgm:sp3d/>
+    <dgm:txPr/>
+    <dgm:style>
+      <a:lnRef idx="2">
+        <a:scrgbClr r="0" g="0" b="0"/>
+      </a:lnRef>
+      <a:fillRef idx="1">
+        <a:scrgbClr r="0" g="0" b="0"/>
+      </a:fillRef>
+      <a:effectRef idx="0">
+        <a:scrgbClr r="0" g="0" b="0"/>
+      </a:effectRef>
+      <a:fontRef idx="minor">
+        <a:schemeClr val="lt1"/>
+      </a:fontRef>
+    </dgm:style>
+  </dgm:styleLbl>
+  <dgm:styleLbl name="node1">
+    <dgm:scene3d>
+      <a:camera prst="orthographicFront"/>
+      <a:lightRig rig="threePt" dir="t"/>
+    </dgm:scene3d>
+    <dgm:sp3d/>
+    <dgm:txPr/>
+    <dgm:style>
+      <a:lnRef idx="2">
+        <a:scrgbClr r="0" g="0" b="0"/>
+      </a:lnRef>
+      <a:fillRef idx="1">
+        <a:scrgbClr r="0" g="0" b="0"/>
+      </a:fillRef>
+      <a:effectRef idx="0">
+        <a:scrgbClr r="0" g="0" b="0"/>
+      </a:effectRef>
+      <a:fontRef idx="minor">
+        <a:schemeClr val="lt1"/>
+      </a:fontRef>
+    </dgm:style>
+  </dgm:styleLbl>
+  <dgm:styleLbl name="node2">
+    <dgm:scene3d>
+      <a:camera prst="orthographicFront"/>
+      <a:lightRig rig="threePt" dir="t"/>
+    </dgm:scene3d>
+    <dgm:sp3d/>
+    <dgm:txPr/>
+    <dgm:style>
+      <a:lnRef idx="2">
+        <a:scrgbClr r="0" g="0" b="0"/>
+      </a:lnRef>
+      <a:fillRef idx="1">
+        <a:scrgbClr r="0" g="0" b="0"/>
+      </a:fillRef>
+      <a:effectRef idx="0">
+        <a:scrgbClr r="0" g="0" b="0"/>
+      </a:effectRef>
+      <a:fontRef idx="minor">
+        <a:schemeClr val="lt1"/>
+      </a:fontRef>
+    </dgm:style>
+  </dgm:styleLbl>
+  <dgm:styleLbl name="node3">
+    <dgm:scene3d>
+      <a:camera prst="orthographicFront"/>
+      <a:lightRig rig="threePt" dir="t"/>
+    </dgm:scene3d>
+    <dgm:sp3d/>
+    <dgm:txPr/>
+    <dgm:style>
+      <a:lnRef idx="2">
+        <a:scrgbClr r="0" g="0" b="0"/>
+      </a:lnRef>
+      <a:fillRef idx="1">
+        <a:scrgbClr r="0" g="0" b="0"/>
+      </a:fillRef>
+      <a:effectRef idx="0">
+        <a:scrgbClr r="0" g="0" b="0"/>
+      </a:effectRef>
+      <a:fontRef idx="minor">
+        <a:schemeClr val="lt1"/>
+      </a:fontRef>
+    </dgm:style>
+  </dgm:styleLbl>
+  <dgm:styleLbl name="node4">
+    <dgm:scene3d>
+      <a:camera prst="orthographicFront"/>
+      <a:lightRig rig="threePt" dir="t"/>
+    </dgm:scene3d>
+    <dgm:sp3d/>
+    <dgm:txPr/>
+    <dgm:style>
+      <a:lnRef idx="2">
+        <a:scrgbClr r="0" g="0" b="0"/>
+      </a:lnRef>
+      <a:fillRef idx="1">
+        <a:scrgbClr r="0" g="0" b="0"/>
+      </a:fillRef>
+      <a:effectRef idx="0">
+        <a:scrgbClr r="0" g="0" b="0"/>
+      </a:effectRef>
+      <a:fontRef idx="minor">
+        <a:schemeClr val="lt1"/>
+      </a:fontRef>
+    </dgm:style>
+  </dgm:styleLbl>
+  <dgm:styleLbl name="fgImgPlace1">
+    <dgm:scene3d>
+      <a:camera prst="orthographicFront"/>
+      <a:lightRig rig="threePt" dir="t"/>
+    </dgm:scene3d>
+    <dgm:sp3d/>
+    <dgm:txPr/>
+    <dgm:style>
+      <a:lnRef idx="2">
+        <a:scrgbClr r="0" g="0" b="0"/>
+      </a:lnRef>
+      <a:fillRef idx="1">
+        <a:scrgbClr r="0" g="0" b="0"/>
+      </a:fillRef>
+      <a:effectRef idx="0">
+        <a:scrgbClr r="0" g="0" b="0"/>
+      </a:effectRef>
+      <a:fontRef idx="minor"/>
+    </dgm:style>
+  </dgm:styleLbl>
+  <dgm:styleLbl name="alignImgPlace1">
+    <dgm:scene3d>
+      <a:camera prst="orthographicFront"/>
+      <a:lightRig rig="threePt" dir="t"/>
+    </dgm:scene3d>
+    <dgm:sp3d/>
+    <dgm:txPr/>
+    <dgm:style>
+      <a:lnRef idx="2">
+        <a:scrgbClr r="0" g="0" b="0"/>
+      </a:lnRef>
+      <a:fillRef idx="1">
+        <a:scrgbClr r="0" g="0" b="0"/>
+      </a:fillRef>
+      <a:effectRef idx="0">
+        <a:scrgbClr r="0" g="0" b="0"/>
+      </a:effectRef>
+      <a:fontRef idx="minor"/>
+    </dgm:style>
+  </dgm:styleLbl>
+  <dgm:styleLbl name="bgImgPlace1">
+    <dgm:scene3d>
+      <a:camera prst="orthographicFront"/>
+      <a:lightRig rig="threePt" dir="t"/>
+    </dgm:scene3d>
+    <dgm:sp3d/>
+    <dgm:txPr/>
+    <dgm:style>
+      <a:lnRef idx="2">
+        <a:scrgbClr r="0" g="0" b="0"/>
+      </a:lnRef>
+      <a:fillRef idx="1">
+        <a:scrgbClr r="0" g="0" b="0"/>
+      </a:fillRef>
+      <a:effectRef idx="0">
+        <a:scrgbClr r="0" g="0" b="0"/>
+      </a:effectRef>
+      <a:fontRef idx="minor"/>
+    </dgm:style>
+  </dgm:styleLbl>
+  <dgm:styleLbl name="sibTrans2D1">
+    <dgm:scene3d>
+      <a:camera prst="orthographicFront"/>
+      <a:lightRig rig="threePt" dir="t"/>
+    </dgm:scene3d>
+    <dgm:sp3d/>
+    <dgm:txPr/>
+    <dgm:style>
+      <a:lnRef idx="0">
+        <a:scrgbClr r="0" g="0" b="0"/>
+      </a:lnRef>
+      <a:fillRef idx="1">
+        <a:scrgbClr r="0" g="0" b="0"/>
+      </a:fillRef>
+      <a:effectRef idx="0">
+        <a:scrgbClr r="0" g="0" b="0"/>
+      </a:effectRef>
+      <a:fontRef idx="minor">
+        <a:schemeClr val="lt1"/>
+      </a:fontRef>
+    </dgm:style>
+  </dgm:styleLbl>
+  <dgm:styleLbl name="fgSibTrans2D1">
+    <dgm:scene3d>
+      <a:camera prst="orthographicFront"/>
+      <a:lightRig rig="threePt" dir="t"/>
+    </dgm:scene3d>
+    <dgm:sp3d/>
+    <dgm:txPr/>
+    <dgm:style>
+      <a:lnRef idx="0">
+        <a:scrgbClr r="0" g="0" b="0"/>
+      </a:lnRef>
+      <a:fillRef idx="1">
+        <a:scrgbClr r="0" g="0" b="0"/>
+      </a:fillRef>
+      <a:effectRef idx="0">
+        <a:scrgbClr r="0" g="0" b="0"/>
+      </a:effectRef>
+      <a:fontRef idx="minor">
+        <a:schemeClr val="lt1"/>
+      </a:fontRef>
+    </dgm:style>
+  </dgm:styleLbl>
+  <dgm:styleLbl name="bgSibTrans2D1">
+    <dgm:scene3d>
+      <a:camera prst="orthographicFront"/>
+      <a:lightRig rig="threePt" dir="t"/>
+    </dgm:scene3d>
+    <dgm:sp3d/>
+    <dgm:txPr/>
+    <dgm:style>
+      <a:lnRef idx="0">
+        <a:scrgbClr r="0" g="0" b="0"/>
+      </a:lnRef>
+      <a:fillRef idx="1">
+        <a:scrgbClr r="0" g="0" b="0"/>
+      </a:fillRef>
+      <a:effectRef idx="0">
+        <a:scrgbClr r="0" g="0" b="0"/>
+      </a:effectRef>
+      <a:fontRef idx="minor">
+        <a:schemeClr val="lt1"/>
+      </a:fontRef>
+    </dgm:style>
+  </dgm:styleLbl>
+  <dgm:styleLbl name="sibTrans1D1">
+    <dgm:scene3d>
+      <a:camera prst="orthographicFront"/>
+      <a:lightRig rig="threePt" dir="t"/>
+    </dgm:scene3d>
+    <dgm:sp3d/>
+    <dgm:txPr/>
+    <dgm:style>
+      <a:lnRef idx="1">
+        <a:scrgbClr r="0" g="0" b="0"/>
+      </a:lnRef>
+      <a:fillRef idx="0">
+        <a:scrgbClr r="0" g="0" b="0"/>
+      </a:fillRef>
+      <a:effectRef idx="0">
+        <a:scrgbClr r="0" g="0" b="0"/>
+      </a:effectRef>
+      <a:fontRef idx="minor"/>
+    </dgm:style>
+  </dgm:styleLbl>
+  <dgm:styleLbl name="callout">
+    <dgm:scene3d>
+      <a:camera prst="orthographicFront"/>
+      <a:lightRig rig="threePt" dir="t"/>
+    </dgm:scene3d>
+    <dgm:sp3d/>
+    <dgm:txPr/>
+    <dgm:style>
+      <a:lnRef idx="2">
+        <a:scrgbClr r="0" g="0" b="0"/>
+      </a:lnRef>
+      <a:fillRef idx="1">
+        <a:scrgbClr r="0" g="0" b="0"/>
+      </a:fillRef>
+      <a:effectRef idx="0">
+        <a:scrgbClr r="0" g="0" b="0"/>
+      </a:effectRef>
+      <a:fontRef idx="minor"/>
+    </dgm:style>
+  </dgm:styleLbl>
+  <dgm:styleLbl name="asst0">
+    <dgm:scene3d>
+      <a:camera prst="orthographicFront"/>
+      <a:lightRig rig="threePt" dir="t"/>
+    </dgm:scene3d>
+    <dgm:sp3d/>
+    <dgm:txPr/>
+    <dgm:style>
+      <a:lnRef idx="2">
+        <a:scrgbClr r="0" g="0" b="0"/>
+      </a:lnRef>
+      <a:fillRef idx="1">
+        <a:scrgbClr r="0" g="0" b="0"/>
+      </a:fillRef>
+      <a:effectRef idx="0">
+        <a:scrgbClr r="0" g="0" b="0"/>
+      </a:effectRef>
+      <a:fontRef idx="minor">
+        <a:schemeClr val="lt1"/>
+      </a:fontRef>
+    </dgm:style>
+  </dgm:styleLbl>
+  <dgm:styleLbl name="asst1">
+    <dgm:scene3d>
+      <a:camera prst="orthographicFront"/>
+      <a:lightRig rig="threePt" dir="t"/>
+    </dgm:scene3d>
+    <dgm:sp3d/>
+    <dgm:txPr/>
+    <dgm:style>
+      <a:lnRef idx="2">
+        <a:scrgbClr r="0" g="0" b="0"/>
+      </a:lnRef>
+      <a:fillRef idx="1">
+        <a:scrgbClr r="0" g="0" b="0"/>
+      </a:fillRef>
+      <a:effectRef idx="0">
+        <a:scrgbClr r="0" g="0" b="0"/>
+      </a:effectRef>
+      <a:fontRef idx="minor">
+        <a:schemeClr val="lt1"/>
+      </a:fontRef>
+    </dgm:style>
+  </dgm:styleLbl>
+  <dgm:styleLbl name="asst2">
+    <dgm:scene3d>
+      <a:camera prst="orthographicFront"/>
+      <a:lightRig rig="threePt" dir="t"/>
+    </dgm:scene3d>
+    <dgm:sp3d/>
+    <dgm:txPr/>
+    <dgm:style>
+      <a:lnRef idx="2">
+        <a:scrgbClr r="0" g="0" b="0"/>
+      </a:lnRef>
+      <a:fillRef idx="1">
+        <a:scrgbClr r="0" g="0" b="0"/>
+      </a:fillRef>
+      <a:effectRef idx="0">
+        <a:scrgbClr r="0" g="0" b="0"/>
+      </a:effectRef>
+      <a:fontRef idx="minor">
+        <a:schemeClr val="lt1"/>
+      </a:fontRef>
+    </dgm:style>
+  </dgm:styleLbl>
+  <dgm:styleLbl name="asst3">
+    <dgm:scene3d>
+      <a:camera prst="orthographicFront"/>
+      <a:lightRig rig="threePt" dir="t"/>
+    </dgm:scene3d>
+    <dgm:sp3d/>
+    <dgm:txPr/>
+    <dgm:style>
+      <a:lnRef idx="2">
+        <a:scrgbClr r="0" g="0" b="0"/>
+      </a:lnRef>
+      <a:fillRef idx="1">
+        <a:scrgbClr r="0" g="0" b="0"/>
+      </a:fillRef>
+      <a:effectRef idx="0">
+        <a:scrgbClr r="0" g="0" b="0"/>
+      </a:effectRef>
+      <a:fontRef idx="minor">
+        <a:schemeClr val="lt1"/>
+      </a:fontRef>
+    </dgm:style>
+  </dgm:styleLbl>
+  <dgm:styleLbl name="asst4">
+    <dgm:scene3d>
+      <a:camera prst="orthographicFront"/>
+      <a:lightRig rig="threePt" dir="t"/>
+    </dgm:scene3d>
+    <dgm:sp3d/>
+    <dgm:txPr/>
+    <dgm:style>
+      <a:lnRef idx="2">
+        <a:scrgbClr r="0" g="0" b="0"/>
+      </a:lnRef>
+      <a:fillRef idx="1">
+        <a:scrgbClr r="0" g="0" b="0"/>
+      </a:fillRef>
+      <a:effectRef idx="0">
+        <a:scrgbClr r="0" g="0" b="0"/>
+      </a:effectRef>
+      <a:fontRef idx="minor">
+        <a:schemeClr val="lt1"/>
+      </a:fontRef>
+    </dgm:style>
+  </dgm:styleLbl>
+  <dgm:styleLbl name="parChTrans2D1">
+    <dgm:scene3d>
+      <a:camera prst="orthographicFront"/>
+      <a:lightRig rig="threePt" dir="t"/>
+    </dgm:scene3d>
+    <dgm:sp3d/>
+    <dgm:txPr/>
+    <dgm:style>
+      <a:lnRef idx="2">
+        <a:scrgbClr r="0" g="0" b="0"/>
+      </a:lnRef>
+      <a:fillRef idx="1">
+        <a:scrgbClr r="0" g="0" b="0"/>
+      </a:fillRef>
+      <a:effectRef idx="0">
+        <a:scrgbClr r="0" g="0" b="0"/>
+      </a:effectRef>
+      <a:fontRef idx="minor">
+        <a:schemeClr val="lt1"/>
+      </a:fontRef>
+    </dgm:style>
+  </dgm:styleLbl>
+  <dgm:styleLbl name="parChTrans2D2">
+    <dgm:scene3d>
+      <a:camera prst="orthographicFront"/>
+      <a:lightRig rig="threePt" dir="t"/>
+    </dgm:scene3d>
+    <dgm:sp3d/>
+    <dgm:txPr/>
+    <dgm:style>
+      <a:lnRef idx="2">
+        <a:scrgbClr r="0" g="0" b="0"/>
+      </a:lnRef>
+      <a:fillRef idx="1">
+        <a:scrgbClr r="0" g="0" b="0"/>
+      </a:fillRef>
+      <a:effectRef idx="0">
+        <a:scrgbClr r="0" g="0" b="0"/>
+      </a:effectRef>
+      <a:fontRef idx="minor">
+        <a:schemeClr val="lt1"/>
+      </a:fontRef>
+    </dgm:style>
+  </dgm:styleLbl>
+  <dgm:styleLbl name="parChTrans2D3">
+    <dgm:scene3d>
+      <a:camera prst="orthographicFront"/>
+      <a:lightRig rig="threePt" dir="t"/>
+    </dgm:scene3d>
+    <dgm:sp3d/>
+    <dgm:txPr/>
+    <dgm:style>
+      <a:lnRef idx="2">
+        <a:scrgbClr r="0" g="0" b="0"/>
+      </a:lnRef>
+      <a:fillRef idx="1">
+        <a:scrgbClr r="0" g="0" b="0"/>
+      </a:fillRef>
+      <a:effectRef idx="0">
+        <a:scrgbClr r="0" g="0" b="0"/>
+      </a:effectRef>
+      <a:fontRef idx="minor">
+        <a:schemeClr val="lt1"/>
+      </a:fontRef>
+    </dgm:style>
+  </dgm:styleLbl>
+  <dgm:styleLbl name="parChTrans2D4">
+    <dgm:scene3d>
+      <a:camera prst="orthographicFront"/>
+      <a:lightRig rig="threePt" dir="t"/>
+    </dgm:scene3d>
+    <dgm:sp3d/>
+    <dgm:txPr/>
+    <dgm:style>
+      <a:lnRef idx="2">
+        <a:scrgbClr r="0" g="0" b="0"/>
+      </a:lnRef>
+      <a:fillRef idx="1">
+        <a:scrgbClr r="0" g="0" b="0"/>
+      </a:fillRef>
+      <a:effectRef idx="0">
+        <a:scrgbClr r="0" g="0" b="0"/>
+      </a:effectRef>
+      <a:fontRef idx="minor">
+        <a:schemeClr val="lt1"/>
+      </a:fontRef>
+    </dgm:style>
+  </dgm:styleLbl>
+  <dgm:styleLbl name="parChTrans1D1">
+    <dgm:scene3d>
+      <a:camera prst="orthographicFront"/>
+      <a:lightRig rig="threePt" dir="t"/>
+    </dgm:scene3d>
+    <dgm:sp3d/>
+    <dgm:txPr/>
+    <dgm:style>
+      <a:lnRef idx="2">
+        <a:scrgbClr r="0" g="0" b="0"/>
+      </a:lnRef>
+      <a:fillRef idx="0">
+        <a:scrgbClr r="0" g="0" b="0"/>
+      </a:fillRef>
+      <a:effectRef idx="0">
+        <a:scrgbClr r="0" g="0" b="0"/>
+      </a:effectRef>
+      <a:fontRef idx="minor"/>
+    </dgm:style>
+  </dgm:styleLbl>
+  <dgm:styleLbl name="parChTrans1D2">
+    <dgm:scene3d>
+      <a:camera prst="orthographicFront"/>
+      <a:lightRig rig="threePt" dir="t"/>
+    </dgm:scene3d>
+    <dgm:sp3d/>
+    <dgm:txPr/>
+    <dgm:style>
+      <a:lnRef idx="2">
+        <a:scrgbClr r="0" g="0" b="0"/>
+      </a:lnRef>
+      <a:fillRef idx="0">
+        <a:scrgbClr r="0" g="0" b="0"/>
+      </a:fillRef>
+      <a:effectRef idx="0">
+        <a:scrgbClr r="0" g="0" b="0"/>
+      </a:effectRef>
+      <a:fontRef idx="minor"/>
+    </dgm:style>
+  </dgm:styleLbl>
+  <dgm:styleLbl name="parChTrans1D3">
+    <dgm:scene3d>
+      <a:camera prst="orthographicFront"/>
+      <a:lightRig rig="threePt" dir="t"/>
+    </dgm:scene3d>
+    <dgm:sp3d/>
+    <dgm:txPr/>
+    <dgm:style>
+      <a:lnRef idx="2">
+        <a:scrgbClr r="0" g="0" b="0"/>
+      </a:lnRef>
+      <a:fillRef idx="0">
+        <a:scrgbClr r="0" g="0" b="0"/>
+      </a:fillRef>
+      <a:effectRef idx="0">
+        <a:scrgbClr r="0" g="0" b="0"/>
+      </a:effectRef>
+      <a:fontRef idx="minor"/>
+    </dgm:style>
+  </dgm:styleLbl>
+  <dgm:styleLbl name="parChTrans1D4">
+    <dgm:scene3d>
+      <a:camera prst="orthographicFront"/>
+      <a:lightRig rig="threePt" dir="t"/>
+    </dgm:scene3d>
+    <dgm:sp3d/>
+    <dgm:txPr/>
+    <dgm:style>
+      <a:lnRef idx="2">
+        <a:scrgbClr r="0" g="0" b="0"/>
+      </a:lnRef>
+      <a:fillRef idx="0">
+        <a:scrgbClr r="0" g="0" b="0"/>
+      </a:fillRef>
+      <a:effectRef idx="0">
+        <a:scrgbClr r="0" g="0" b="0"/>
+      </a:effectRef>
+      <a:fontRef idx="minor"/>
+    </dgm:style>
+  </dgm:styleLbl>
+  <dgm:styleLbl name="fgAcc1">
+    <dgm:scene3d>
+      <a:camera prst="orthographicFront"/>
+      <a:lightRig rig="threePt" dir="t"/>
+    </dgm:scene3d>
+    <dgm:sp3d/>
+    <dgm:txPr/>
+    <dgm:style>
+      <a:lnRef idx="2">
+        <a:scrgbClr r="0" g="0" b="0"/>
+      </a:lnRef>
+      <a:fillRef idx="1">
+        <a:scrgbClr r="0" g="0" b="0"/>
+      </a:fillRef>
+      <a:effectRef idx="0">
+        <a:scrgbClr r="0" g="0" b="0"/>
+      </a:effectRef>
+      <a:fontRef idx="minor"/>
+    </dgm:style>
+  </dgm:styleLbl>
+  <dgm:styleLbl name="conFgAcc1">
+    <dgm:scene3d>
+      <a:camera prst="orthographicFront"/>
+      <a:lightRig rig="threePt" dir="t"/>
+    </dgm:scene3d>
+    <dgm:sp3d/>
+    <dgm:txPr/>
+    <dgm:style>
+      <a:lnRef idx="2">
+        <a:scrgbClr r="0" g="0" b="0"/>
+      </a:lnRef>
+      <a:fillRef idx="1">
+        <a:scrgbClr r="0" g="0" b="0"/>
+      </a:fillRef>
+      <a:effectRef idx="0">
+        <a:scrgbClr r="0" g="0" b="0"/>
+      </a:effectRef>
+      <a:fontRef idx="minor"/>
+    </dgm:style>
+  </dgm:styleLbl>
+  <dgm:styleLbl name="alignAcc1">
+    <dgm:scene3d>
+      <a:camera prst="orthographicFront"/>
+      <a:lightRig rig="threePt" dir="t"/>
+    </dgm:scene3d>
+    <dgm:sp3d/>
+    <dgm:txPr/>
+    <dgm:style>
+      <a:lnRef idx="2">
+        <a:scrgbClr r="0" g="0" b="0"/>
+      </a:lnRef>
+      <a:fillRef idx="1">
+        <a:scrgbClr r="0" g="0" b="0"/>
+      </a:fillRef>
+      <a:effectRef idx="0">
+        <a:scrgbClr r="0" g="0" b="0"/>
+      </a:effectRef>
+      <a:fontRef idx="minor"/>
+    </dgm:style>
+  </dgm:styleLbl>
+  <dgm:styleLbl name="trAlignAcc1">
+    <dgm:scene3d>
+      <a:camera prst="orthographicFront"/>
+      <a:lightRig rig="threePt" dir="t"/>
+    </dgm:scene3d>
+    <dgm:sp3d/>
+    <dgm:txPr/>
+    <dgm:style>
+      <a:lnRef idx="1">
+        <a:scrgbClr r="0" g="0" b="0"/>
+      </a:lnRef>
+      <a:fillRef idx="1">
+        <a:scrgbClr r="0" g="0" b="0"/>
+      </a:fillRef>
+      <a:effectRef idx="0">
+        <a:scrgbClr r="0" g="0" b="0"/>
+      </a:effectRef>
+      <a:fontRef idx="minor"/>
+    </dgm:style>
+  </dgm:styleLbl>
+  <dgm:styleLbl name="bgAcc1">
+    <dgm:scene3d>
+      <a:camera prst="orthographicFront"/>
+      <a:lightRig rig="threePt" dir="t"/>
+    </dgm:scene3d>
+    <dgm:sp3d/>
+    <dgm:txPr/>
+    <dgm:style>
+      <a:lnRef idx="2">
+        <a:scrgbClr r="0" g="0" b="0"/>
+      </a:lnRef>
+      <a:fillRef idx="1">
+        <a:scrgbClr r="0" g="0" b="0"/>
+      </a:fillRef>
+      <a:effectRef idx="0">
+        <a:scrgbClr r="0" g="0" b="0"/>
+      </a:effectRef>
+      <a:fontRef idx="minor"/>
+    </dgm:style>
+  </dgm:styleLbl>
+  <dgm:styleLbl name="solidFgAcc1">
+    <dgm:scene3d>
+      <a:camera prst="orthographicFront"/>
+      <a:lightRig rig="threePt" dir="t"/>
+    </dgm:scene3d>
+    <dgm:sp3d/>
+    <dgm:txPr/>
+    <dgm:style>
+      <a:lnRef idx="2">
+        <a:scrgbClr r="0" g="0" b="0"/>
+      </a:lnRef>
+      <a:fillRef idx="1">
+        <a:scrgbClr r="0" g="0" b="0"/>
+      </a:fillRef>
+      <a:effectRef idx="0">
+        <a:scrgbClr r="0" g="0" b="0"/>
+      </a:effectRef>
+      <a:fontRef idx="minor"/>
+    </dgm:style>
+  </dgm:styleLbl>
+  <dgm:styleLbl name="solidAlignAcc1">
+    <dgm:scene3d>
+      <a:camera prst="orthographicFront"/>
+      <a:lightRig rig="threePt" dir="t"/>
+    </dgm:scene3d>
+    <dgm:sp3d/>
+    <dgm:txPr/>
+    <dgm:style>
+      <a:lnRef idx="2">
+        <a:scrgbClr r="0" g="0" b="0"/>
+      </a:lnRef>
+      <a:fillRef idx="1">
+        <a:scrgbClr r="0" g="0" b="0"/>
+      </a:fillRef>
+      <a:effectRef idx="0">
+        <a:scrgbClr r="0" g="0" b="0"/>
+      </a:effectRef>
+      <a:fontRef idx="minor"/>
+    </dgm:style>
+  </dgm:styleLbl>
+  <dgm:styleLbl name="solidBgAcc1">
+    <dgm:scene3d>
+      <a:camera prst="orthographicFront"/>
+      <a:lightRig rig="threePt" dir="t"/>
+    </dgm:scene3d>
+    <dgm:sp3d/>
+    <dgm:txPr/>
+    <dgm:style>
+      <a:lnRef idx="2">
+        <a:scrgbClr r="0" g="0" b="0"/>
+      </a:lnRef>
+      <a:fillRef idx="1">
+        <a:scrgbClr r="0" g="0" b="0"/>
+      </a:fillRef>
+      <a:effectRef idx="0">
+        <a:scrgbClr r="0" g="0" b="0"/>
+      </a:effectRef>
+      <a:fontRef idx="minor"/>
+    </dgm:style>
+  </dgm:styleLbl>
+  <dgm:styleLbl name="fgAccFollowNode1">
+    <dgm:scene3d>
+      <a:camera prst="orthographicFront"/>
+      <a:lightRig rig="threePt" dir="t"/>
+    </dgm:scene3d>
+    <dgm:sp3d/>
+    <dgm:txPr/>
+    <dgm:style>
+      <a:lnRef idx="2">
+        <a:scrgbClr r="0" g="0" b="0"/>
+      </a:lnRef>
+      <a:fillRef idx="1">
+        <a:scrgbClr r="0" g="0" b="0"/>
+      </a:fillRef>
+      <a:effectRef idx="0">
+        <a:scrgbClr r="0" g="0" b="0"/>
+      </a:effectRef>
+      <a:fontRef idx="minor"/>
+    </dgm:style>
+  </dgm:styleLbl>
+  <dgm:styleLbl name="alignAccFollowNode1">
+    <dgm:scene3d>
+      <a:camera prst="orthographicFront"/>
+      <a:lightRig rig="threePt" dir="t"/>
+    </dgm:scene3d>
+    <dgm:sp3d/>
+    <dgm:txPr/>
+    <dgm:style>
+      <a:lnRef idx="2">
+        <a:scrgbClr r="0" g="0" b="0"/>
+      </a:lnRef>
+      <a:fillRef idx="1">
+        <a:scrgbClr r="0" g="0" b="0"/>
+      </a:fillRef>
+      <a:effectRef idx="0">
+        <a:scrgbClr r="0" g="0" b="0"/>
+      </a:effectRef>
+      <a:fontRef idx="minor"/>
+    </dgm:style>
+  </dgm:styleLbl>
+  <dgm:styleLbl name="bgAccFollowNode1">
+    <dgm:scene3d>
+      <a:camera prst="orthographicFront"/>
+      <a:lightRig rig="threePt" dir="t"/>
+    </dgm:scene3d>
+    <dgm:sp3d/>
+    <dgm:txPr/>
+    <dgm:style>
+      <a:lnRef idx="2">
+        <a:scrgbClr r="0" g="0" b="0"/>
+      </a:lnRef>
+      <a:fillRef idx="1">
+        <a:scrgbClr r="0" g="0" b="0"/>
+      </a:fillRef>
+      <a:effectRef idx="0">
+        <a:scrgbClr r="0" g="0" b="0"/>
+      </a:effectRef>
+      <a:fontRef idx="minor"/>
+    </dgm:style>
+  </dgm:styleLbl>
+  <dgm:styleLbl name="fgAcc0">
+    <dgm:scene3d>
+      <a:camera prst="orthographicFront"/>
+      <a:lightRig rig="threePt" dir="t"/>
+    </dgm:scene3d>
+    <dgm:sp3d/>
+    <dgm:txPr/>
+    <dgm:style>
+      <a:lnRef idx="2">
+        <a:scrgbClr r="0" g="0" b="0"/>
+      </a:lnRef>
+      <a:fillRef idx="1">
+        <a:scrgbClr r="0" g="0" b="0"/>
+      </a:fillRef>
+      <a:effectRef idx="0">
+        <a:scrgbClr r="0" g="0" b="0"/>
+      </a:effectRef>
+      <a:fontRef idx="minor"/>
+    </dgm:style>
+  </dgm:styleLbl>
+  <dgm:styleLbl name="fgAcc2">
+    <dgm:scene3d>
+      <a:camera prst="orthographicFront"/>
+      <a:lightRig rig="threePt" dir="t"/>
+    </dgm:scene3d>
+    <dgm:sp3d/>
+    <dgm:txPr/>
+    <dgm:style>
+      <a:lnRef idx="2">
+        <a:scrgbClr r="0" g="0" b="0"/>
+      </a:lnRef>
+      <a:fillRef idx="1">
+        <a:scrgbClr r="0" g="0" b="0"/>
+      </a:fillRef>
+      <a:effectRef idx="0">
+        <a:scrgbClr r="0" g="0" b="0"/>
+      </a:effectRef>
+      <a:fontRef idx="minor"/>
+    </dgm:style>
+  </dgm:styleLbl>
+  <dgm:styleLbl name="fgAcc3">
+    <dgm:scene3d>
+      <a:camera prst="orthographicFront"/>
+      <a:lightRig rig="threePt" dir="t"/>
+    </dgm:scene3d>
+    <dgm:sp3d/>
+    <dgm:txPr/>
+    <dgm:style>
+      <a:lnRef idx="2">
+        <a:scrgbClr r="0" g="0" b="0"/>
+      </a:lnRef>
+      <a:fillRef idx="1">
+        <a:scrgbClr r="0" g="0" b="0"/>
+      </a:fillRef>
+      <a:effectRef idx="0">
+        <a:scrgbClr r="0" g="0" b="0"/>
+      </a:effectRef>
+      <a:fontRef idx="minor"/>
+    </dgm:style>
+  </dgm:styleLbl>
+  <dgm:styleLbl name="fgAcc4">
+    <dgm:scene3d>
+      <a:camera prst="orthographicFront"/>
+      <a:lightRig rig="threePt" dir="t"/>
+    </dgm:scene3d>
+    <dgm:sp3d/>
+    <dgm:txPr/>
+    <dgm:style>
+      <a:lnRef idx="2">
+        <a:scrgbClr r="0" g="0" b="0"/>
+      </a:lnRef>
+      <a:fillRef idx="1">
+        <a:scrgbClr r="0" g="0" b="0"/>
+      </a:fillRef>
+      <a:effectRef idx="0">
+        <a:scrgbClr r="0" g="0" b="0"/>
+      </a:effectRef>
+      <a:fontRef idx="minor"/>
+    </dgm:style>
+  </dgm:styleLbl>
+  <dgm:styleLbl name="bgShp">
+    <dgm:scene3d>
+      <a:camera prst="orthographicFront"/>
+      <a:lightRig rig="threePt" dir="t"/>
+    </dgm:scene3d>
+    <dgm:sp3d/>
+    <dgm:txPr/>
+    <dgm:style>
+      <a:lnRef idx="0">
+        <a:scrgbClr r="0" g="0" b="0"/>
+      </a:lnRef>
+      <a:fillRef idx="1">
+        <a:scrgbClr r="0" g="0" b="0"/>
+      </a:fillRef>
+      <a:effectRef idx="0">
+        <a:scrgbClr r="0" g="0" b="0"/>
+      </a:effectRef>
+      <a:fontRef idx="minor"/>
+    </dgm:style>
+  </dgm:styleLbl>
+  <dgm:styleLbl name="dkBgShp">
+    <dgm:scene3d>
+      <a:camera prst="orthographicFront"/>
+      <a:lightRig rig="threePt" dir="t"/>
+    </dgm:scene3d>
+    <dgm:sp3d/>
+    <dgm:txPr/>
+    <dgm:style>
+      <a:lnRef idx="0">
+        <a:scrgbClr r="0" g="0" b="0"/>
+      </a:lnRef>
+      <a:fillRef idx="1">
+        <a:scrgbClr r="0" g="0" b="0"/>
+      </a:fillRef>
+      <a:effectRef idx="0">
+        <a:scrgbClr r="0" g="0" b="0"/>
+      </a:effectRef>
+      <a:fontRef idx="minor"/>
+    </dgm:style>
+  </dgm:styleLbl>
+  <dgm:styleLbl name="trBgShp">
+    <dgm:scene3d>
+      <a:camera prst="orthographicFront"/>
+      <a:lightRig rig="threePt" dir="t"/>
+    </dgm:scene3d>
+    <dgm:sp3d/>
+    <dgm:txPr/>
+    <dgm:style>
+      <a:lnRef idx="0">
+        <a:scrgbClr r="0" g="0" b="0"/>
+      </a:lnRef>
+      <a:fillRef idx="1">
+        <a:scrgbClr r="0" g="0" b="0"/>
+      </a:fillRef>
+      <a:effectRef idx="0">
+        <a:scrgbClr r="0" g="0" b="0"/>
+      </a:effectRef>
+      <a:fontRef idx="minor"/>
+    </dgm:style>
+  </dgm:styleLbl>
+  <dgm:styleLbl name="fgShp">
+    <dgm:scene3d>
+      <a:camera prst="orthographicFront"/>
+      <a:lightRig rig="threePt" dir="t"/>
+    </dgm:scene3d>
+    <dgm:sp3d/>
+    <dgm:txPr/>
+    <dgm:style>
+      <a:lnRef idx="2">
+        <a:scrgbClr r="0" g="0" b="0"/>
+      </a:lnRef>
+      <a:fillRef idx="1">
+        <a:scrgbClr r="0" g="0" b="0"/>
+      </a:fillRef>
+      <a:effectRef idx="0">
+        <a:scrgbClr r="0" g="0" b="0"/>
+      </a:effectRef>
+      <a:fontRef idx="minor"/>
+    </dgm:style>
+  </dgm:styleLbl>
+  <dgm:styleLbl name="revTx">
+    <dgm:scene3d>
+      <a:camera prst="orthographicFront"/>
+      <a:lightRig rig="threePt" dir="t"/>
+    </dgm:scene3d>
+    <dgm:sp3d/>
+    <dgm:txPr/>
+    <dgm:style>
+      <a:lnRef idx="0">
+        <a:scrgbClr r="0" g="0" b="0"/>
+      </a:lnRef>
+      <a:fillRef idx="0">
+        <a:scrgbClr r="0" g="0" b="0"/>
+      </a:fillRef>
+      <a:effectRef idx="0">
+        <a:scrgbClr r="0" g="0" b="0"/>
+      </a:effectRef>
+      <a:fontRef idx="minor"/>
+    </dgm:style>
+  </dgm:styleLbl>
+</dgm:styleDef>
+</file>
+
+<file path=ppt/diagrams/quickStyle2.xml><?xml version="1.0" encoding="utf-8"?>
 <dgm:styleDef xmlns:dgm="http://schemas.openxmlformats.org/drawingml/2006/diagram" xmlns:a="http://schemas.openxmlformats.org/drawingml/2006/main" uniqueId="urn:microsoft.com/office/officeart/2005/8/quickstyle/simple1">
   <dgm:title val=""/>
   <dgm:desc val=""/>
@@ -3784,7 +6664,7 @@
           <a:p>
             <a:fld id="{AC9FE1B1-EC31-3B46-9A5F-05CAF3991856}" type="datetimeFigureOut">
               <a:rPr lang="en-US" smtClean="0"/>
-              <a:t>10/19/18</a:t>
+              <a:t>11/20/18</a:t>
             </a:fld>
             <a:endParaRPr lang="en-US"/>
           </a:p>
@@ -3959,7 +6839,7 @@
           <a:p>
             <a:fld id="{AC9FE1B1-EC31-3B46-9A5F-05CAF3991856}" type="datetimeFigureOut">
               <a:rPr lang="en-US" smtClean="0"/>
-              <a:t>10/19/18</a:t>
+              <a:t>11/20/18</a:t>
             </a:fld>
             <a:endParaRPr lang="en-US"/>
           </a:p>
@@ -4144,7 +7024,7 @@
           <a:p>
             <a:fld id="{AC9FE1B1-EC31-3B46-9A5F-05CAF3991856}" type="datetimeFigureOut">
               <a:rPr lang="en-US" smtClean="0"/>
-              <a:t>10/19/18</a:t>
+              <a:t>11/20/18</a:t>
             </a:fld>
             <a:endParaRPr lang="en-US"/>
           </a:p>
@@ -4319,7 +7199,7 @@
           <a:p>
             <a:fld id="{AC9FE1B1-EC31-3B46-9A5F-05CAF3991856}" type="datetimeFigureOut">
               <a:rPr lang="en-US" smtClean="0"/>
-              <a:t>10/19/18</a:t>
+              <a:t>11/20/18</a:t>
             </a:fld>
             <a:endParaRPr lang="en-US"/>
           </a:p>
@@ -4599,7 +7479,7 @@
           <a:p>
             <a:fld id="{AC9FE1B1-EC31-3B46-9A5F-05CAF3991856}" type="datetimeFigureOut">
               <a:rPr lang="en-US" smtClean="0"/>
-              <a:t>10/19/18</a:t>
+              <a:t>11/20/18</a:t>
             </a:fld>
             <a:endParaRPr lang="en-US"/>
           </a:p>
@@ -4817,7 +7697,7 @@
           <a:p>
             <a:fld id="{AC9FE1B1-EC31-3B46-9A5F-05CAF3991856}" type="datetimeFigureOut">
               <a:rPr lang="en-US" smtClean="0"/>
-              <a:t>10/19/18</a:t>
+              <a:t>11/20/18</a:t>
             </a:fld>
             <a:endParaRPr lang="en-US"/>
           </a:p>
@@ -5190,7 +8070,7 @@
           <a:p>
             <a:fld id="{AC9FE1B1-EC31-3B46-9A5F-05CAF3991856}" type="datetimeFigureOut">
               <a:rPr lang="en-US" smtClean="0"/>
-              <a:t>10/19/18</a:t>
+              <a:t>11/20/18</a:t>
             </a:fld>
             <a:endParaRPr lang="en-US"/>
           </a:p>
@@ -5332,7 +8212,7 @@
           <a:p>
             <a:fld id="{AC9FE1B1-EC31-3B46-9A5F-05CAF3991856}" type="datetimeFigureOut">
               <a:rPr lang="en-US" smtClean="0"/>
-              <a:t>10/19/18</a:t>
+              <a:t>11/20/18</a:t>
             </a:fld>
             <a:endParaRPr lang="en-US"/>
           </a:p>
@@ -5445,7 +8325,7 @@
           <a:p>
             <a:fld id="{AC9FE1B1-EC31-3B46-9A5F-05CAF3991856}" type="datetimeFigureOut">
               <a:rPr lang="en-US" smtClean="0"/>
-              <a:t>10/19/18</a:t>
+              <a:t>11/20/18</a:t>
             </a:fld>
             <a:endParaRPr lang="en-US"/>
           </a:p>
@@ -5737,7 +8617,7 @@
           <a:p>
             <a:fld id="{AC9FE1B1-EC31-3B46-9A5F-05CAF3991856}" type="datetimeFigureOut">
               <a:rPr lang="en-US" smtClean="0"/>
-              <a:t>10/19/18</a:t>
+              <a:t>11/20/18</a:t>
             </a:fld>
             <a:endParaRPr lang="en-US"/>
           </a:p>
@@ -6030,7 +8910,7 @@
           <a:p>
             <a:fld id="{AC9FE1B1-EC31-3B46-9A5F-05CAF3991856}" type="datetimeFigureOut">
               <a:rPr lang="en-US" smtClean="0"/>
-              <a:t>10/19/18</a:t>
+              <a:t>11/20/18</a:t>
             </a:fld>
             <a:endParaRPr lang="en-US"/>
           </a:p>
@@ -6248,7 +9128,7 @@
           <a:p>
             <a:fld id="{AC9FE1B1-EC31-3B46-9A5F-05CAF3991856}" type="datetimeFigureOut">
               <a:rPr lang="en-US" smtClean="0"/>
-              <a:t>10/19/18</a:t>
+              <a:t>11/20/18</a:t>
             </a:fld>
             <a:endParaRPr lang="en-US"/>
           </a:p>
@@ -8335,8 +11215,8 @@
             </a:fontRef>
           </p:style>
         </p:cxnSp>
-        <mc:AlternateContent xmlns:mc="http://schemas.openxmlformats.org/markup-compatibility/2006">
-          <mc:Choice xmlns:a14="http://schemas.microsoft.com/office/drawing/2010/main" Requires="a14">
+        <mc:AlternateContent xmlns:mc="http://schemas.openxmlformats.org/markup-compatibility/2006" xmlns:a14="http://schemas.microsoft.com/office/drawing/2010/main">
+          <mc:Choice Requires="a14">
             <p:sp>
               <p:nvSpPr>
                 <p:cNvPr id="33" name="CasellaDiTesto 32">
@@ -8403,7 +11283,7 @@
               </p:txBody>
             </p:sp>
           </mc:Choice>
-          <mc:Fallback>
+          <mc:Fallback xmlns="">
             <p:sp>
               <p:nvSpPr>
                 <p:cNvPr id="33" name="CasellaDiTesto 32">
@@ -8619,10 +11499,10 @@
       </p:grpSpPr>
       <p:grpSp>
         <p:nvGrpSpPr>
-          <p:cNvPr id="15" name="Gruppo 14">
+          <p:cNvPr id="2" name="Gruppo 1">
             <a:extLst>
               <a:ext uri="{FF2B5EF4-FFF2-40B4-BE49-F238E27FC236}">
-                <a16:creationId xmlns:a16="http://schemas.microsoft.com/office/drawing/2014/main" id="{AFCD6C46-2A1A-424D-958A-6E4B1F5ED79F}"/>
+                <a16:creationId xmlns:a16="http://schemas.microsoft.com/office/drawing/2014/main" id="{9F84BD20-8916-3248-AE56-59DC3D2B81ED}"/>
               </a:ext>
             </a:extLst>
           </p:cNvPr>
@@ -8632,9 +11512,501 @@
         <p:grpSpPr>
           <a:xfrm>
             <a:off x="3706708" y="2712755"/>
-            <a:ext cx="4683556" cy="716245"/>
+            <a:ext cx="4384256" cy="716245"/>
             <a:chOff x="3706708" y="2712755"/>
-            <a:chExt cx="4683556" cy="716245"/>
+            <a:chExt cx="4384256" cy="716245"/>
+          </a:xfrm>
+        </p:grpSpPr>
+        <p:grpSp>
+          <p:nvGrpSpPr>
+            <p:cNvPr id="15" name="Gruppo 14">
+              <a:extLst>
+                <a:ext uri="{FF2B5EF4-FFF2-40B4-BE49-F238E27FC236}">
+                  <a16:creationId xmlns:a16="http://schemas.microsoft.com/office/drawing/2014/main" id="{AFCD6C46-2A1A-424D-958A-6E4B1F5ED79F}"/>
+                </a:ext>
+              </a:extLst>
+            </p:cNvPr>
+            <p:cNvGrpSpPr/>
+            <p:nvPr/>
+          </p:nvGrpSpPr>
+          <p:grpSpPr>
+            <a:xfrm>
+              <a:off x="3706708" y="2712755"/>
+              <a:ext cx="4384256" cy="716245"/>
+              <a:chOff x="3706708" y="2712755"/>
+              <a:chExt cx="4384256" cy="716245"/>
+            </a:xfrm>
+          </p:grpSpPr>
+          <p:sp>
+            <p:nvSpPr>
+              <p:cNvPr id="4" name="Rettangolo 3">
+                <a:extLst>
+                  <a:ext uri="{FF2B5EF4-FFF2-40B4-BE49-F238E27FC236}">
+                    <a16:creationId xmlns:a16="http://schemas.microsoft.com/office/drawing/2014/main" id="{B741F9CC-AD48-D94E-9E41-C222C4F173F5}"/>
+                  </a:ext>
+                </a:extLst>
+              </p:cNvPr>
+              <p:cNvSpPr/>
+              <p:nvPr/>
+            </p:nvSpPr>
+            <p:spPr>
+              <a:xfrm>
+                <a:off x="4219664" y="3150219"/>
+                <a:ext cx="1204331" cy="278781"/>
+              </a:xfrm>
+              <a:prstGeom prst="rect">
+                <a:avLst/>
+              </a:prstGeom>
+              <a:solidFill>
+                <a:schemeClr val="accent2">
+                  <a:lumMod val="20000"/>
+                  <a:lumOff val="80000"/>
+                </a:schemeClr>
+              </a:solidFill>
+              <a:ln/>
+            </p:spPr>
+            <p:style>
+              <a:lnRef idx="2">
+                <a:schemeClr val="accent2"/>
+              </a:lnRef>
+              <a:fillRef idx="1">
+                <a:schemeClr val="lt1"/>
+              </a:fillRef>
+              <a:effectRef idx="0">
+                <a:schemeClr val="accent2"/>
+              </a:effectRef>
+              <a:fontRef idx="minor">
+                <a:schemeClr val="dk1"/>
+              </a:fontRef>
+            </p:style>
+            <p:txBody>
+              <a:bodyPr rtlCol="0" anchor="ctr"/>
+              <a:lstStyle/>
+              <a:p>
+                <a:pPr algn="ctr"/>
+                <a:r>
+                  <a:rPr lang="en-US" sz="1400" dirty="0" err="1">
+                    <a:solidFill>
+                      <a:schemeClr val="tx1"/>
+                    </a:solidFill>
+                    <a:latin typeface="Calisto MT" panose="02040603050505030304" pitchFamily="18" charset="77"/>
+                  </a:rPr>
+                  <a:t>Mispredicted</a:t>
+                </a:r>
+                <a:endParaRPr lang="en-US" sz="1400" dirty="0">
+                  <a:solidFill>
+                    <a:schemeClr val="tx1"/>
+                  </a:solidFill>
+                  <a:latin typeface="Calisto MT" panose="02040603050505030304" pitchFamily="18" charset="77"/>
+                </a:endParaRPr>
+              </a:p>
+            </p:txBody>
+          </p:sp>
+          <p:sp>
+            <p:nvSpPr>
+              <p:cNvPr id="5" name="Rettangolo 4">
+                <a:extLst>
+                  <a:ext uri="{FF2B5EF4-FFF2-40B4-BE49-F238E27FC236}">
+                    <a16:creationId xmlns:a16="http://schemas.microsoft.com/office/drawing/2014/main" id="{FFE1DD5B-22ED-264D-8347-6390C5368E8E}"/>
+                  </a:ext>
+                </a:extLst>
+              </p:cNvPr>
+              <p:cNvSpPr/>
+              <p:nvPr/>
+            </p:nvSpPr>
+            <p:spPr>
+              <a:xfrm>
+                <a:off x="5423995" y="3150219"/>
+                <a:ext cx="1204331" cy="278781"/>
+              </a:xfrm>
+              <a:prstGeom prst="rect">
+                <a:avLst/>
+              </a:prstGeom>
+              <a:solidFill>
+                <a:schemeClr val="accent6">
+                  <a:lumMod val="20000"/>
+                  <a:lumOff val="80000"/>
+                </a:schemeClr>
+              </a:solidFill>
+              <a:ln/>
+            </p:spPr>
+            <p:style>
+              <a:lnRef idx="2">
+                <a:schemeClr val="accent6"/>
+              </a:lnRef>
+              <a:fillRef idx="1">
+                <a:schemeClr val="lt1"/>
+              </a:fillRef>
+              <a:effectRef idx="0">
+                <a:schemeClr val="accent6"/>
+              </a:effectRef>
+              <a:fontRef idx="minor">
+                <a:schemeClr val="dk1"/>
+              </a:fontRef>
+            </p:style>
+            <p:txBody>
+              <a:bodyPr rtlCol="0" anchor="ctr"/>
+              <a:lstStyle/>
+              <a:p>
+                <a:pPr algn="ctr"/>
+                <a:r>
+                  <a:rPr lang="en-US" sz="1400" dirty="0">
+                    <a:solidFill>
+                      <a:schemeClr val="tx1"/>
+                    </a:solidFill>
+                    <a:latin typeface="Calisto MT" panose="02040603050505030304" pitchFamily="18" charset="77"/>
+                  </a:rPr>
+                  <a:t>Success</a:t>
+                </a:r>
+                <a:endParaRPr lang="en-US" dirty="0">
+                  <a:solidFill>
+                    <a:schemeClr val="tx1"/>
+                  </a:solidFill>
+                  <a:latin typeface="Calisto MT" panose="02040603050505030304" pitchFamily="18" charset="77"/>
+                </a:endParaRPr>
+              </a:p>
+            </p:txBody>
+          </p:sp>
+          <p:sp>
+            <p:nvSpPr>
+              <p:cNvPr id="6" name="Rettangolo 5">
+                <a:extLst>
+                  <a:ext uri="{FF2B5EF4-FFF2-40B4-BE49-F238E27FC236}">
+                    <a16:creationId xmlns:a16="http://schemas.microsoft.com/office/drawing/2014/main" id="{02F46FAB-FD69-A647-BEEF-AE24612CFD51}"/>
+                  </a:ext>
+                </a:extLst>
+              </p:cNvPr>
+              <p:cNvSpPr/>
+              <p:nvPr/>
+            </p:nvSpPr>
+            <p:spPr>
+              <a:xfrm>
+                <a:off x="6628326" y="3150219"/>
+                <a:ext cx="1289039" cy="278781"/>
+              </a:xfrm>
+              <a:prstGeom prst="rect">
+                <a:avLst/>
+              </a:prstGeom>
+              <a:solidFill>
+                <a:schemeClr val="accent4">
+                  <a:lumMod val="20000"/>
+                  <a:lumOff val="80000"/>
+                </a:schemeClr>
+              </a:solidFill>
+              <a:ln/>
+            </p:spPr>
+            <p:style>
+              <a:lnRef idx="2">
+                <a:schemeClr val="accent4"/>
+              </a:lnRef>
+              <a:fillRef idx="1">
+                <a:schemeClr val="lt1"/>
+              </a:fillRef>
+              <a:effectRef idx="0">
+                <a:schemeClr val="accent4"/>
+              </a:effectRef>
+              <a:fontRef idx="minor">
+                <a:schemeClr val="dk1"/>
+              </a:fontRef>
+            </p:style>
+            <p:txBody>
+              <a:bodyPr rtlCol="0" anchor="ctr"/>
+              <a:lstStyle/>
+              <a:p>
+                <a:pPr algn="ctr"/>
+                <a:r>
+                  <a:rPr lang="en-US" sz="1400" dirty="0">
+                    <a:solidFill>
+                      <a:schemeClr val="tx1"/>
+                    </a:solidFill>
+                    <a:latin typeface="Calisto MT" panose="02040603050505030304" pitchFamily="18" charset="77"/>
+                  </a:rPr>
+                  <a:t>Out of Budget</a:t>
+                </a:r>
+                <a:endParaRPr lang="en-US" dirty="0">
+                  <a:solidFill>
+                    <a:schemeClr val="tx1"/>
+                  </a:solidFill>
+                  <a:latin typeface="Calisto MT" panose="02040603050505030304" pitchFamily="18" charset="77"/>
+                </a:endParaRPr>
+              </a:p>
+            </p:txBody>
+          </p:sp>
+          <p:cxnSp>
+            <p:nvCxnSpPr>
+              <p:cNvPr id="8" name="Connettore 1 7">
+                <a:extLst>
+                  <a:ext uri="{FF2B5EF4-FFF2-40B4-BE49-F238E27FC236}">
+                    <a16:creationId xmlns:a16="http://schemas.microsoft.com/office/drawing/2014/main" id="{5DBD842B-E02E-7D47-B464-D54706D213F5}"/>
+                  </a:ext>
+                </a:extLst>
+              </p:cNvPr>
+              <p:cNvCxnSpPr>
+                <a:cxnSpLocks/>
+              </p:cNvCxnSpPr>
+              <p:nvPr/>
+            </p:nvCxnSpPr>
+            <p:spPr>
+              <a:xfrm>
+                <a:off x="4219664" y="3005253"/>
+                <a:ext cx="0" cy="144966"/>
+              </a:xfrm>
+              <a:prstGeom prst="line">
+                <a:avLst/>
+              </a:prstGeom>
+            </p:spPr>
+            <p:style>
+              <a:lnRef idx="1">
+                <a:schemeClr val="dk1"/>
+              </a:lnRef>
+              <a:fillRef idx="0">
+                <a:schemeClr val="dk1"/>
+              </a:fillRef>
+              <a:effectRef idx="0">
+                <a:schemeClr val="dk1"/>
+              </a:effectRef>
+              <a:fontRef idx="minor">
+                <a:schemeClr val="tx1"/>
+              </a:fontRef>
+            </p:style>
+          </p:cxnSp>
+          <p:sp>
+            <p:nvSpPr>
+              <p:cNvPr id="10" name="CasellaDiTesto 9">
+                <a:extLst>
+                  <a:ext uri="{FF2B5EF4-FFF2-40B4-BE49-F238E27FC236}">
+                    <a16:creationId xmlns:a16="http://schemas.microsoft.com/office/drawing/2014/main" id="{B3ED1647-E026-254C-A401-22402CB59967}"/>
+                  </a:ext>
+                </a:extLst>
+              </p:cNvPr>
+              <p:cNvSpPr txBox="1"/>
+              <p:nvPr/>
+            </p:nvSpPr>
+            <p:spPr>
+              <a:xfrm>
+                <a:off x="3706708" y="2712755"/>
+                <a:ext cx="1204321" cy="261610"/>
+              </a:xfrm>
+              <a:prstGeom prst="rect">
+                <a:avLst/>
+              </a:prstGeom>
+              <a:noFill/>
+            </p:spPr>
+            <p:txBody>
+              <a:bodyPr wrap="square" rtlCol="0">
+                <a:spAutoFit/>
+              </a:bodyPr>
+              <a:lstStyle/>
+              <a:p>
+                <a:r>
+                  <a:rPr lang="en-US" sz="1100" dirty="0">
+                    <a:latin typeface="Calisto MT" panose="02040603050505030304" pitchFamily="18" charset="77"/>
+                  </a:rPr>
+                  <a:t>min plain mod</a:t>
+                </a:r>
+              </a:p>
+            </p:txBody>
+          </p:sp>
+          <p:sp>
+            <p:nvSpPr>
+              <p:cNvPr id="12" name="CasellaDiTesto 11">
+                <a:extLst>
+                  <a:ext uri="{FF2B5EF4-FFF2-40B4-BE49-F238E27FC236}">
+                    <a16:creationId xmlns:a16="http://schemas.microsoft.com/office/drawing/2014/main" id="{B4B08851-DEEA-A441-96CC-66EAB16941D4}"/>
+                  </a:ext>
+                </a:extLst>
+              </p:cNvPr>
+              <p:cNvSpPr txBox="1"/>
+              <p:nvPr/>
+            </p:nvSpPr>
+            <p:spPr>
+              <a:xfrm>
+                <a:off x="6968316" y="2712755"/>
+                <a:ext cx="1122648" cy="261610"/>
+              </a:xfrm>
+              <a:prstGeom prst="rect">
+                <a:avLst/>
+              </a:prstGeom>
+              <a:noFill/>
+            </p:spPr>
+            <p:txBody>
+              <a:bodyPr wrap="square" rtlCol="0">
+                <a:spAutoFit/>
+              </a:bodyPr>
+              <a:lstStyle/>
+              <a:p>
+                <a:r>
+                  <a:rPr lang="en-US" sz="1100" dirty="0">
+                    <a:latin typeface="Calisto MT" panose="02040603050505030304" pitchFamily="18" charset="77"/>
+                  </a:rPr>
+                  <a:t>max plain mod</a:t>
+                </a:r>
+              </a:p>
+            </p:txBody>
+          </p:sp>
+          <p:cxnSp>
+            <p:nvCxnSpPr>
+              <p:cNvPr id="13" name="Connettore 1 12">
+                <a:extLst>
+                  <a:ext uri="{FF2B5EF4-FFF2-40B4-BE49-F238E27FC236}">
+                    <a16:creationId xmlns:a16="http://schemas.microsoft.com/office/drawing/2014/main" id="{CD5B2768-A6D4-C846-9A63-250EB8942623}"/>
+                  </a:ext>
+                </a:extLst>
+              </p:cNvPr>
+              <p:cNvCxnSpPr>
+                <a:cxnSpLocks/>
+              </p:cNvCxnSpPr>
+              <p:nvPr/>
+            </p:nvCxnSpPr>
+            <p:spPr>
+              <a:xfrm>
+                <a:off x="5421115" y="3005253"/>
+                <a:ext cx="0" cy="144966"/>
+              </a:xfrm>
+              <a:prstGeom prst="line">
+                <a:avLst/>
+              </a:prstGeom>
+            </p:spPr>
+            <p:style>
+              <a:lnRef idx="1">
+                <a:schemeClr val="dk1"/>
+              </a:lnRef>
+              <a:fillRef idx="0">
+                <a:schemeClr val="dk1"/>
+              </a:fillRef>
+              <a:effectRef idx="0">
+                <a:schemeClr val="dk1"/>
+              </a:effectRef>
+              <a:fontRef idx="minor">
+                <a:schemeClr val="tx1"/>
+              </a:fontRef>
+            </p:style>
+          </p:cxnSp>
+          <p:sp>
+            <p:nvSpPr>
+              <p:cNvPr id="14" name="CasellaDiTesto 13">
+                <a:extLst>
+                  <a:ext uri="{FF2B5EF4-FFF2-40B4-BE49-F238E27FC236}">
+                    <a16:creationId xmlns:a16="http://schemas.microsoft.com/office/drawing/2014/main" id="{E4531837-457E-6246-8BB5-E73A57BF42B7}"/>
+                  </a:ext>
+                </a:extLst>
+              </p:cNvPr>
+              <p:cNvSpPr txBox="1"/>
+              <p:nvPr/>
+            </p:nvSpPr>
+            <p:spPr>
+              <a:xfrm>
+                <a:off x="4821829" y="2712755"/>
+                <a:ext cx="1654683" cy="261610"/>
+              </a:xfrm>
+              <a:prstGeom prst="rect">
+                <a:avLst/>
+              </a:prstGeom>
+              <a:noFill/>
+            </p:spPr>
+            <p:txBody>
+              <a:bodyPr wrap="square" rtlCol="0">
+                <a:spAutoFit/>
+              </a:bodyPr>
+              <a:lstStyle/>
+              <a:p>
+                <a:r>
+                  <a:rPr lang="en-US" sz="1100" b="1" dirty="0">
+                    <a:latin typeface="Calisto MT" panose="02040603050505030304" pitchFamily="18" charset="77"/>
+                  </a:rPr>
+                  <a:t>optimal plain mod </a:t>
+                </a:r>
+              </a:p>
+            </p:txBody>
+          </p:sp>
+        </p:grpSp>
+        <p:cxnSp>
+          <p:nvCxnSpPr>
+            <p:cNvPr id="16" name="Connettore 1 15">
+              <a:extLst>
+                <a:ext uri="{FF2B5EF4-FFF2-40B4-BE49-F238E27FC236}">
+                  <a16:creationId xmlns:a16="http://schemas.microsoft.com/office/drawing/2014/main" id="{42C21A03-93B7-5040-8929-825FC6216134}"/>
+                </a:ext>
+              </a:extLst>
+            </p:cNvPr>
+            <p:cNvCxnSpPr>
+              <a:cxnSpLocks/>
+            </p:cNvCxnSpPr>
+            <p:nvPr/>
+          </p:nvCxnSpPr>
+          <p:spPr>
+            <a:xfrm>
+              <a:off x="7917365" y="3008293"/>
+              <a:ext cx="0" cy="144966"/>
+            </a:xfrm>
+            <a:prstGeom prst="line">
+              <a:avLst/>
+            </a:prstGeom>
+          </p:spPr>
+          <p:style>
+            <a:lnRef idx="1">
+              <a:schemeClr val="dk1"/>
+            </a:lnRef>
+            <a:fillRef idx="0">
+              <a:schemeClr val="dk1"/>
+            </a:fillRef>
+            <a:effectRef idx="0">
+              <a:schemeClr val="dk1"/>
+            </a:effectRef>
+            <a:fontRef idx="minor">
+              <a:schemeClr val="tx1"/>
+            </a:fontRef>
+          </p:style>
+        </p:cxnSp>
+      </p:grpSp>
+    </p:spTree>
+    <p:extLst>
+      <p:ext uri="{BB962C8B-B14F-4D97-AF65-F5344CB8AC3E}">
+        <p14:creationId xmlns:p14="http://schemas.microsoft.com/office/powerpoint/2010/main" val="1368567723"/>
+      </p:ext>
+    </p:extLst>
+  </p:cSld>
+  <p:clrMapOvr>
+    <a:masterClrMapping/>
+  </p:clrMapOvr>
+</p:sld>
+</file>
+
+<file path=ppt/slides/slide3.xml><?xml version="1.0" encoding="utf-8"?>
+<p:sld xmlns:a="http://schemas.openxmlformats.org/drawingml/2006/main" xmlns:r="http://schemas.openxmlformats.org/officeDocument/2006/relationships" xmlns:p="http://schemas.openxmlformats.org/presentationml/2006/main">
+  <p:cSld>
+    <p:spTree>
+      <p:nvGrpSpPr>
+        <p:cNvPr id="1" name=""/>
+        <p:cNvGrpSpPr/>
+        <p:nvPr/>
+      </p:nvGrpSpPr>
+      <p:grpSpPr>
+        <a:xfrm>
+          <a:off x="0" y="0"/>
+          <a:ext cx="0" cy="0"/>
+          <a:chOff x="0" y="0"/>
+          <a:chExt cx="0" cy="0"/>
+        </a:xfrm>
+      </p:grpSpPr>
+      <p:grpSp>
+        <p:nvGrpSpPr>
+          <p:cNvPr id="2" name="Gruppo 1">
+            <a:extLst>
+              <a:ext uri="{FF2B5EF4-FFF2-40B4-BE49-F238E27FC236}">
+                <a16:creationId xmlns:a16="http://schemas.microsoft.com/office/drawing/2014/main" id="{EB747FCB-3E78-9140-9842-8C66118DA46E}"/>
+              </a:ext>
+            </a:extLst>
+          </p:cNvPr>
+          <p:cNvGrpSpPr/>
+          <p:nvPr/>
+        </p:nvGrpSpPr>
+        <p:grpSpPr>
+          <a:xfrm>
+            <a:off x="3724526" y="2726472"/>
+            <a:ext cx="4335812" cy="702528"/>
+            <a:chOff x="3724526" y="2726472"/>
+            <a:chExt cx="4335812" cy="702528"/>
           </a:xfrm>
         </p:grpSpPr>
         <p:sp>
@@ -8652,35 +12024,31 @@
           <p:spPr>
             <a:xfrm>
               <a:off x="4219664" y="3150219"/>
-              <a:ext cx="1204331" cy="278781"/>
+              <a:ext cx="2404937" cy="278781"/>
             </a:xfrm>
             <a:prstGeom prst="rect">
               <a:avLst/>
             </a:prstGeom>
             <a:solidFill>
               <a:schemeClr val="accent2">
-                <a:lumMod val="40000"/>
-                <a:lumOff val="60000"/>
+                <a:lumMod val="20000"/>
+                <a:lumOff val="80000"/>
               </a:schemeClr>
             </a:solidFill>
-            <a:ln>
-              <a:noFill/>
-            </a:ln>
+            <a:ln/>
           </p:spPr>
           <p:style>
             <a:lnRef idx="2">
-              <a:schemeClr val="accent2">
-                <a:shade val="50000"/>
-              </a:schemeClr>
+              <a:schemeClr val="accent2"/>
             </a:lnRef>
             <a:fillRef idx="1">
-              <a:schemeClr val="accent2"/>
+              <a:schemeClr val="lt1"/>
             </a:fillRef>
             <a:effectRef idx="0">
               <a:schemeClr val="accent2"/>
             </a:effectRef>
             <a:fontRef idx="minor">
-              <a:schemeClr val="lt1"/>
+              <a:schemeClr val="dk1"/>
             </a:fontRef>
           </p:style>
           <p:txBody>
@@ -8690,83 +12058,24 @@
               <a:pPr algn="ctr"/>
               <a:r>
                 <a:rPr lang="en-US" sz="1400" dirty="0" err="1">
+                  <a:ln w="0">
+                    <a:noFill/>
+                  </a:ln>
                   <a:solidFill>
                     <a:schemeClr val="tx1"/>
                   </a:solidFill>
+                  <a:latin typeface="Calisto MT" panose="02040603050505030304" pitchFamily="18" charset="77"/>
                 </a:rPr>
                 <a:t>Mispredicted</a:t>
               </a:r>
-              <a:endParaRPr lang="en-US" sz="1400" dirty="0">
+              <a:endParaRPr lang="en-US" dirty="0">
+                <a:ln w="0">
+                  <a:noFill/>
+                </a:ln>
                 <a:solidFill>
                   <a:schemeClr val="tx1"/>
                 </a:solidFill>
-              </a:endParaRPr>
-            </a:p>
-          </p:txBody>
-        </p:sp>
-        <p:sp>
-          <p:nvSpPr>
-            <p:cNvPr id="5" name="Rettangolo 4">
-              <a:extLst>
-                <a:ext uri="{FF2B5EF4-FFF2-40B4-BE49-F238E27FC236}">
-                  <a16:creationId xmlns:a16="http://schemas.microsoft.com/office/drawing/2014/main" id="{FFE1DD5B-22ED-264D-8347-6390C5368E8E}"/>
-                </a:ext>
-              </a:extLst>
-            </p:cNvPr>
-            <p:cNvSpPr/>
-            <p:nvPr/>
-          </p:nvSpPr>
-          <p:spPr>
-            <a:xfrm>
-              <a:off x="5423995" y="3150219"/>
-              <a:ext cx="1204331" cy="278781"/>
-            </a:xfrm>
-            <a:prstGeom prst="rect">
-              <a:avLst/>
-            </a:prstGeom>
-            <a:solidFill>
-              <a:schemeClr val="accent6">
-                <a:lumMod val="20000"/>
-                <a:lumOff val="80000"/>
-              </a:schemeClr>
-            </a:solidFill>
-            <a:ln>
-              <a:noFill/>
-            </a:ln>
-          </p:spPr>
-          <p:style>
-            <a:lnRef idx="2">
-              <a:schemeClr val="accent1">
-                <a:shade val="50000"/>
-              </a:schemeClr>
-            </a:lnRef>
-            <a:fillRef idx="1">
-              <a:schemeClr val="accent1"/>
-            </a:fillRef>
-            <a:effectRef idx="0">
-              <a:schemeClr val="accent1"/>
-            </a:effectRef>
-            <a:fontRef idx="minor">
-              <a:schemeClr val="lt1"/>
-            </a:fontRef>
-          </p:style>
-          <p:txBody>
-            <a:bodyPr rtlCol="0" anchor="ctr"/>
-            <a:lstStyle/>
-            <a:p>
-              <a:pPr algn="ctr"/>
-              <a:r>
-                <a:rPr lang="en-US" sz="1400" dirty="0">
-                  <a:solidFill>
-                    <a:schemeClr val="tx1"/>
-                  </a:solidFill>
-                </a:rPr>
-                <a:t>Success</a:t>
-              </a:r>
-              <a:endParaRPr lang="en-US" dirty="0">
-                <a:solidFill>
-                  <a:schemeClr val="tx1"/>
-                </a:solidFill>
+                <a:latin typeface="Calisto MT" panose="02040603050505030304" pitchFamily="18" charset="77"/>
               </a:endParaRPr>
             </a:p>
           </p:txBody>
@@ -8785,36 +12094,32 @@
           </p:nvSpPr>
           <p:spPr>
             <a:xfrm>
-              <a:off x="6628326" y="3150219"/>
-              <a:ext cx="1204331" cy="278781"/>
+              <a:off x="6624601" y="3150219"/>
+              <a:ext cx="1277107" cy="278781"/>
             </a:xfrm>
             <a:prstGeom prst="rect">
               <a:avLst/>
             </a:prstGeom>
             <a:solidFill>
               <a:schemeClr val="accent4">
-                <a:lumMod val="40000"/>
-                <a:lumOff val="60000"/>
+                <a:lumMod val="20000"/>
+                <a:lumOff val="80000"/>
               </a:schemeClr>
             </a:solidFill>
-            <a:ln>
-              <a:noFill/>
-            </a:ln>
+            <a:ln/>
           </p:spPr>
           <p:style>
             <a:lnRef idx="2">
-              <a:schemeClr val="accent1">
-                <a:shade val="50000"/>
-              </a:schemeClr>
+              <a:schemeClr val="accent4"/>
             </a:lnRef>
             <a:fillRef idx="1">
-              <a:schemeClr val="accent1"/>
+              <a:schemeClr val="lt1"/>
             </a:fillRef>
             <a:effectRef idx="0">
-              <a:schemeClr val="accent1"/>
+              <a:schemeClr val="accent4"/>
             </a:effectRef>
             <a:fontRef idx="minor">
-              <a:schemeClr val="lt1"/>
+              <a:schemeClr val="dk1"/>
             </a:fontRef>
           </p:style>
           <p:txBody>
@@ -8827,6 +12132,7 @@
                   <a:solidFill>
                     <a:schemeClr val="tx1"/>
                   </a:solidFill>
+                  <a:latin typeface="Calisto MT" panose="02040603050505030304" pitchFamily="18" charset="77"/>
                 </a:rPr>
                 <a:t>Out of Budget</a:t>
               </a:r>
@@ -8834,6 +12140,7 @@
                 <a:solidFill>
                   <a:schemeClr val="tx1"/>
                 </a:solidFill>
+                <a:latin typeface="Calisto MT" panose="02040603050505030304" pitchFamily="18" charset="77"/>
               </a:endParaRPr>
             </a:p>
           </p:txBody>
@@ -8890,7 +12197,7 @@
           </p:nvSpPr>
           <p:spPr>
             <a:xfrm>
-              <a:off x="3706708" y="2712755"/>
+              <a:off x="3724526" y="2726472"/>
               <a:ext cx="1204321" cy="261610"/>
             </a:xfrm>
             <a:prstGeom prst="rect">
@@ -8905,7 +12212,9 @@
             <a:lstStyle/>
             <a:p>
               <a:r>
-                <a:rPr lang="en-US" sz="1100" dirty="0"/>
+                <a:rPr lang="en-US" sz="1100" dirty="0">
+                  <a:latin typeface="Calisto MT" panose="02040603050505030304" pitchFamily="18" charset="77"/>
+                </a:rPr>
                 <a:t>min plain mod</a:t>
               </a:r>
             </a:p>
@@ -8927,7 +12236,7 @@
           </p:nvCxnSpPr>
           <p:spPr>
             <a:xfrm>
-              <a:off x="7828940" y="3005253"/>
+              <a:off x="7893593" y="3005253"/>
               <a:ext cx="0" cy="144966"/>
             </a:xfrm>
             <a:prstGeom prst="line">
@@ -8963,7 +12272,7 @@
           </p:nvSpPr>
           <p:spPr>
             <a:xfrm>
-              <a:off x="7267616" y="2712755"/>
+              <a:off x="6937690" y="2726472"/>
               <a:ext cx="1122648" cy="261610"/>
             </a:xfrm>
             <a:prstGeom prst="rect">
@@ -8978,81 +12287,10 @@
             <a:lstStyle/>
             <a:p>
               <a:r>
-                <a:rPr lang="en-US" sz="1100" dirty="0"/>
+                <a:rPr lang="en-US" sz="1100" dirty="0">
+                  <a:latin typeface="Calisto MT" panose="02040603050505030304" pitchFamily="18" charset="77"/>
+                </a:rPr>
                 <a:t>max plain mod</a:t>
-              </a:r>
-            </a:p>
-          </p:txBody>
-        </p:sp>
-        <p:cxnSp>
-          <p:nvCxnSpPr>
-            <p:cNvPr id="13" name="Connettore 1 12">
-              <a:extLst>
-                <a:ext uri="{FF2B5EF4-FFF2-40B4-BE49-F238E27FC236}">
-                  <a16:creationId xmlns:a16="http://schemas.microsoft.com/office/drawing/2014/main" id="{CD5B2768-A6D4-C846-9A63-250EB8942623}"/>
-                </a:ext>
-              </a:extLst>
-            </p:cNvPr>
-            <p:cNvCxnSpPr>
-              <a:cxnSpLocks/>
-            </p:cNvCxnSpPr>
-            <p:nvPr/>
-          </p:nvCxnSpPr>
-          <p:spPr>
-            <a:xfrm>
-              <a:off x="5421115" y="3005253"/>
-              <a:ext cx="0" cy="144966"/>
-            </a:xfrm>
-            <a:prstGeom prst="line">
-              <a:avLst/>
-            </a:prstGeom>
-          </p:spPr>
-          <p:style>
-            <a:lnRef idx="1">
-              <a:schemeClr val="dk1"/>
-            </a:lnRef>
-            <a:fillRef idx="0">
-              <a:schemeClr val="dk1"/>
-            </a:fillRef>
-            <a:effectRef idx="0">
-              <a:schemeClr val="dk1"/>
-            </a:effectRef>
-            <a:fontRef idx="minor">
-              <a:schemeClr val="tx1"/>
-            </a:fontRef>
-          </p:style>
-        </p:cxnSp>
-        <p:sp>
-          <p:nvSpPr>
-            <p:cNvPr id="14" name="CasellaDiTesto 13">
-              <a:extLst>
-                <a:ext uri="{FF2B5EF4-FFF2-40B4-BE49-F238E27FC236}">
-                  <a16:creationId xmlns:a16="http://schemas.microsoft.com/office/drawing/2014/main" id="{E4531837-457E-6246-8BB5-E73A57BF42B7}"/>
-                </a:ext>
-              </a:extLst>
-            </p:cNvPr>
-            <p:cNvSpPr txBox="1"/>
-            <p:nvPr/>
-          </p:nvSpPr>
-          <p:spPr>
-            <a:xfrm>
-              <a:off x="4821829" y="2712755"/>
-              <a:ext cx="1654683" cy="261610"/>
-            </a:xfrm>
-            <a:prstGeom prst="rect">
-              <a:avLst/>
-            </a:prstGeom>
-            <a:noFill/>
-          </p:spPr>
-          <p:txBody>
-            <a:bodyPr wrap="square" rtlCol="0">
-              <a:spAutoFit/>
-            </a:bodyPr>
-            <a:lstStyle/>
-            <a:p>
-              <a:r>
-                <a:rPr lang="en-US" sz="1100" b="1" dirty="0"/>
-                <a:t>optimal plain mod </a:t>
               </a:r>
             </a:p>
           </p:txBody>
@@ -9061,7 +12299,7 @@
     </p:spTree>
     <p:extLst>
       <p:ext uri="{BB962C8B-B14F-4D97-AF65-F5344CB8AC3E}">
-        <p14:creationId xmlns:p14="http://schemas.microsoft.com/office/powerpoint/2010/main" val="1368567723"/>
+        <p14:creationId xmlns:p14="http://schemas.microsoft.com/office/powerpoint/2010/main" val="3549941953"/>
       </p:ext>
     </p:extLst>
   </p:cSld>
@@ -9071,7 +12309,7 @@
 </p:sld>
 </file>
 
-<file path=ppt/slides/slide3.xml><?xml version="1.0" encoding="utf-8"?>
+<file path=ppt/slides/slide4.xml><?xml version="1.0" encoding="utf-8"?>
 <p:sld xmlns:a="http://schemas.openxmlformats.org/drawingml/2006/main" xmlns:r="http://schemas.openxmlformats.org/officeDocument/2006/relationships" xmlns:p="http://schemas.openxmlformats.org/presentationml/2006/main">
   <p:cSld>
     <p:spTree>
@@ -9088,296 +12326,1183 @@
           <a:chExt cx="0" cy="0"/>
         </a:xfrm>
       </p:grpSpPr>
-      <p:sp>
-        <p:nvSpPr>
-          <p:cNvPr id="4" name="Rettangolo 3">
+      <p:grpSp>
+        <p:nvGrpSpPr>
+          <p:cNvPr id="60" name="Gruppo 59">
             <a:extLst>
               <a:ext uri="{FF2B5EF4-FFF2-40B4-BE49-F238E27FC236}">
-                <a16:creationId xmlns:a16="http://schemas.microsoft.com/office/drawing/2014/main" id="{B741F9CC-AD48-D94E-9E41-C222C4F173F5}"/>
+                <a16:creationId xmlns:a16="http://schemas.microsoft.com/office/drawing/2014/main" id="{5C8744C7-051F-FC48-8A00-BE071B6D1215}"/>
               </a:ext>
             </a:extLst>
           </p:cNvPr>
-          <p:cNvSpPr/>
+          <p:cNvGrpSpPr/>
           <p:nvPr/>
-        </p:nvSpPr>
-        <p:spPr>
+        </p:nvGrpSpPr>
+        <p:grpSpPr>
           <a:xfrm>
-            <a:off x="4219664" y="3150219"/>
-            <a:ext cx="2404937" cy="278781"/>
+            <a:off x="345069" y="964993"/>
+            <a:ext cx="10004501" cy="5418667"/>
+            <a:chOff x="155499" y="719666"/>
+            <a:chExt cx="10004501" cy="5418667"/>
           </a:xfrm>
-          <a:prstGeom prst="rect">
-            <a:avLst/>
-          </a:prstGeom>
-          <a:solidFill>
-            <a:schemeClr val="accent2">
-              <a:lumMod val="40000"/>
-              <a:lumOff val="60000"/>
-            </a:schemeClr>
-          </a:solidFill>
-          <a:ln>
-            <a:noFill/>
-          </a:ln>
-        </p:spPr>
-        <p:style>
-          <a:lnRef idx="2">
-            <a:schemeClr val="accent2">
-              <a:shade val="50000"/>
-            </a:schemeClr>
-          </a:lnRef>
-          <a:fillRef idx="1">
-            <a:schemeClr val="accent2"/>
-          </a:fillRef>
-          <a:effectRef idx="0">
-            <a:schemeClr val="accent2"/>
-          </a:effectRef>
-          <a:fontRef idx="minor">
-            <a:schemeClr val="lt1"/>
-          </a:fontRef>
-        </p:style>
-        <p:txBody>
-          <a:bodyPr rtlCol="0" anchor="ctr"/>
-          <a:lstStyle/>
-          <a:p>
-            <a:pPr algn="ctr"/>
-            <a:r>
-              <a:rPr lang="en-US" sz="1400" dirty="0" err="1">
-                <a:ln w="0">
+        </p:grpSpPr>
+        <p:grpSp>
+          <p:nvGrpSpPr>
+            <p:cNvPr id="57" name="Gruppo 56">
+              <a:extLst>
+                <a:ext uri="{FF2B5EF4-FFF2-40B4-BE49-F238E27FC236}">
+                  <a16:creationId xmlns:a16="http://schemas.microsoft.com/office/drawing/2014/main" id="{28DDC08E-0FE3-6444-BEF5-1EC2BBF6851F}"/>
+                </a:ext>
+              </a:extLst>
+            </p:cNvPr>
+            <p:cNvGrpSpPr/>
+            <p:nvPr/>
+          </p:nvGrpSpPr>
+          <p:grpSpPr>
+            <a:xfrm>
+              <a:off x="155499" y="719666"/>
+              <a:ext cx="10004501" cy="5418667"/>
+              <a:chOff x="155499" y="719666"/>
+              <a:chExt cx="10004501" cy="5418667"/>
+            </a:xfrm>
+          </p:grpSpPr>
+          <p:grpSp>
+            <p:nvGrpSpPr>
+              <p:cNvPr id="55" name="Gruppo 54">
+                <a:extLst>
+                  <a:ext uri="{FF2B5EF4-FFF2-40B4-BE49-F238E27FC236}">
+                    <a16:creationId xmlns:a16="http://schemas.microsoft.com/office/drawing/2014/main" id="{60BA2884-F29B-E94A-83B3-3A3AAAAF952E}"/>
+                  </a:ext>
+                </a:extLst>
+              </p:cNvPr>
+              <p:cNvGrpSpPr/>
+              <p:nvPr/>
+            </p:nvGrpSpPr>
+            <p:grpSpPr>
+              <a:xfrm>
+                <a:off x="155499" y="3090934"/>
+                <a:ext cx="892716" cy="676133"/>
+                <a:chOff x="155499" y="3090934"/>
+                <a:chExt cx="892716" cy="676133"/>
+              </a:xfrm>
+            </p:grpSpPr>
+            <p:grpSp>
+              <p:nvGrpSpPr>
+                <p:cNvPr id="40" name="Gruppo 39">
+                  <a:extLst>
+                    <a:ext uri="{FF2B5EF4-FFF2-40B4-BE49-F238E27FC236}">
+                      <a16:creationId xmlns:a16="http://schemas.microsoft.com/office/drawing/2014/main" id="{6F5281F3-0CCD-0744-AAEF-823457FEBF26}"/>
+                    </a:ext>
+                  </a:extLst>
+                </p:cNvPr>
+                <p:cNvGrpSpPr/>
+                <p:nvPr/>
+              </p:nvGrpSpPr>
+              <p:grpSpPr>
+                <a:xfrm>
+                  <a:off x="380418" y="3090934"/>
+                  <a:ext cx="620438" cy="676133"/>
+                  <a:chOff x="2640993" y="2412524"/>
+                  <a:chExt cx="507448" cy="593618"/>
+                </a:xfrm>
+                <a:solidFill>
+                  <a:schemeClr val="bg2"/>
+                </a:solidFill>
+              </p:grpSpPr>
+              <p:sp>
+                <p:nvSpPr>
+                  <p:cNvPr id="41" name="Freccia destra 40">
+                    <a:extLst>
+                      <a:ext uri="{FF2B5EF4-FFF2-40B4-BE49-F238E27FC236}">
+                        <a16:creationId xmlns:a16="http://schemas.microsoft.com/office/drawing/2014/main" id="{3FCE92EC-1352-B749-896E-30750261F6CF}"/>
+                      </a:ext>
+                    </a:extLst>
+                  </p:cNvPr>
+                  <p:cNvSpPr/>
+                  <p:nvPr/>
+                </p:nvSpPr>
+                <p:spPr>
+                  <a:xfrm>
+                    <a:off x="2640993" y="2412524"/>
+                    <a:ext cx="507448" cy="593618"/>
+                  </a:xfrm>
+                  <a:prstGeom prst="rightArrow">
+                    <a:avLst>
+                      <a:gd name="adj1" fmla="val 60000"/>
+                      <a:gd name="adj2" fmla="val 50000"/>
+                    </a:avLst>
+                  </a:prstGeom>
+                  <a:grpFill/>
+                </p:spPr>
+                <p:style>
+                  <a:lnRef idx="0">
+                    <a:schemeClr val="accent1">
+                      <a:tint val="60000"/>
+                      <a:hueOff val="0"/>
+                      <a:satOff val="0"/>
+                      <a:lumOff val="0"/>
+                      <a:alphaOff val="0"/>
+                    </a:schemeClr>
+                  </a:lnRef>
+                  <a:fillRef idx="1">
+                    <a:schemeClr val="accent1">
+                      <a:tint val="60000"/>
+                      <a:hueOff val="0"/>
+                      <a:satOff val="0"/>
+                      <a:lumOff val="0"/>
+                      <a:alphaOff val="0"/>
+                    </a:schemeClr>
+                  </a:fillRef>
+                  <a:effectRef idx="0">
+                    <a:schemeClr val="accent1">
+                      <a:tint val="60000"/>
+                      <a:hueOff val="0"/>
+                      <a:satOff val="0"/>
+                      <a:lumOff val="0"/>
+                      <a:alphaOff val="0"/>
+                    </a:schemeClr>
+                  </a:effectRef>
+                  <a:fontRef idx="minor">
+                    <a:schemeClr val="lt1"/>
+                  </a:fontRef>
+                </p:style>
+              </p:sp>
+              <p:sp>
+                <p:nvSpPr>
+                  <p:cNvPr id="42" name="Freccia destra 4">
+                    <a:extLst>
+                      <a:ext uri="{FF2B5EF4-FFF2-40B4-BE49-F238E27FC236}">
+                        <a16:creationId xmlns:a16="http://schemas.microsoft.com/office/drawing/2014/main" id="{5C6B2952-F9BD-1941-977E-138A9B208B05}"/>
+                      </a:ext>
+                    </a:extLst>
+                  </p:cNvPr>
+                  <p:cNvSpPr txBox="1"/>
+                  <p:nvPr/>
+                </p:nvSpPr>
+                <p:spPr>
+                  <a:xfrm>
+                    <a:off x="2640993" y="2531248"/>
+                    <a:ext cx="355214" cy="356170"/>
+                  </a:xfrm>
+                  <a:prstGeom prst="rect">
+                    <a:avLst/>
+                  </a:prstGeom>
+                  <a:grpFill/>
+                </p:spPr>
+                <p:style>
+                  <a:lnRef idx="0">
+                    <a:scrgbClr r="0" g="0" b="0"/>
+                  </a:lnRef>
+                  <a:fillRef idx="0">
+                    <a:scrgbClr r="0" g="0" b="0"/>
+                  </a:fillRef>
+                  <a:effectRef idx="0">
+                    <a:scrgbClr r="0" g="0" b="0"/>
+                  </a:effectRef>
+                  <a:fontRef idx="minor">
+                    <a:schemeClr val="lt1"/>
+                  </a:fontRef>
+                </p:style>
+                <p:txBody>
+                  <a:bodyPr spcFirstLastPara="0" vert="horz" wrap="square" lIns="0" tIns="0" rIns="0" bIns="0" numCol="1" spcCol="1270" anchor="ctr" anchorCtr="0">
+                    <a:noAutofit/>
+                  </a:bodyPr>
+                  <a:lstStyle/>
+                  <a:p>
+                    <a:pPr marL="0" lvl="0" indent="0" algn="ctr" defTabSz="933450">
+                      <a:lnSpc>
+                        <a:spcPct val="90000"/>
+                      </a:lnSpc>
+                      <a:spcBef>
+                        <a:spcPct val="0"/>
+                      </a:spcBef>
+                      <a:spcAft>
+                        <a:spcPct val="35000"/>
+                      </a:spcAft>
+                      <a:buNone/>
+                    </a:pPr>
+                    <a:endParaRPr lang="it-IT" sz="2100" kern="1200" dirty="0"/>
+                  </a:p>
+                </p:txBody>
+              </p:sp>
+            </p:grpSp>
+            <mc:AlternateContent xmlns:mc="http://schemas.openxmlformats.org/markup-compatibility/2006" xmlns:a14="http://schemas.microsoft.com/office/drawing/2010/main">
+              <mc:Choice Requires="a14">
+                <p:sp>
+                  <p:nvSpPr>
+                    <p:cNvPr id="44" name="CasellaDiTesto 43">
+                      <a:extLst>
+                        <a:ext uri="{FF2B5EF4-FFF2-40B4-BE49-F238E27FC236}">
+                          <a16:creationId xmlns:a16="http://schemas.microsoft.com/office/drawing/2014/main" id="{69E3F63E-BD2E-3E48-8313-2EB5FD73F001}"/>
+                        </a:ext>
+                      </a:extLst>
+                    </p:cNvPr>
+                    <p:cNvSpPr txBox="1"/>
+                    <p:nvPr/>
+                  </p:nvSpPr>
+                  <p:spPr>
+                    <a:xfrm>
+                      <a:off x="155499" y="3250263"/>
+                      <a:ext cx="892716" cy="377989"/>
+                    </a:xfrm>
+                    <a:prstGeom prst="rect">
+                      <a:avLst/>
+                    </a:prstGeom>
+                    <a:noFill/>
+                  </p:spPr>
+                  <p:txBody>
+                    <a:bodyPr wrap="square" rtlCol="0">
+                      <a:spAutoFit/>
+                    </a:bodyPr>
+                    <a:lstStyle/>
+                    <a:p>
+                      <a:pPr/>
+                      <a14:m>
+                        <m:oMathPara xmlns:m="http://schemas.openxmlformats.org/officeDocument/2006/math">
+                          <m:oMathParaPr>
+                            <m:jc m:val="centerGroup"/>
+                          </m:oMathParaPr>
+                          <m:oMath xmlns:m="http://schemas.openxmlformats.org/officeDocument/2006/math">
+                            <m:acc>
+                              <m:accPr>
+                                <m:chr m:val="̇"/>
+                                <m:ctrlPr>
+                                  <a:rPr lang="en-US" i="1" smtClean="0">
+                                    <a:latin typeface="Cambria Math" panose="02040503050406030204" pitchFamily="18" charset="0"/>
+                                  </a:rPr>
+                                </m:ctrlPr>
+                              </m:accPr>
+                              <m:e>
+                                <m:r>
+                                  <m:rPr>
+                                    <m:sty m:val="p"/>
+                                  </m:rPr>
+                                  <a:rPr lang="en-US" b="0" i="0" smtClean="0">
+                                    <a:latin typeface="Cambria Math" panose="02040503050406030204" pitchFamily="18" charset="0"/>
+                                  </a:rPr>
+                                  <m:t>Φ</m:t>
+                                </m:r>
+                              </m:e>
+                            </m:acc>
+                          </m:oMath>
+                        </m:oMathPara>
+                      </a14:m>
+                      <a:endParaRPr lang="en-US" dirty="0"/>
+                    </a:p>
+                  </p:txBody>
+                </p:sp>
+              </mc:Choice>
+              <mc:Fallback xmlns="">
+                <p:sp>
+                  <p:nvSpPr>
+                    <p:cNvPr id="44" name="CasellaDiTesto 43">
+                      <a:extLst>
+                        <a:ext uri="{FF2B5EF4-FFF2-40B4-BE49-F238E27FC236}">
+                          <a16:creationId xmlns:a16="http://schemas.microsoft.com/office/drawing/2014/main" id="{69E3F63E-BD2E-3E48-8313-2EB5FD73F001}"/>
+                        </a:ext>
+                      </a:extLst>
+                    </p:cNvPr>
+                    <p:cNvSpPr txBox="1">
+                      <a:spLocks noRot="1" noChangeAspect="1" noMove="1" noResize="1" noEditPoints="1" noAdjustHandles="1" noChangeArrowheads="1" noChangeShapeType="1" noTextEdit="1"/>
+                    </p:cNvSpPr>
+                    <p:nvPr/>
+                  </p:nvSpPr>
+                  <p:spPr>
+                    <a:xfrm>
+                      <a:off x="155499" y="3250263"/>
+                      <a:ext cx="892716" cy="377989"/>
+                    </a:xfrm>
+                    <a:prstGeom prst="rect">
+                      <a:avLst/>
+                    </a:prstGeom>
+                    <a:blipFill>
+                      <a:blip r:embed="rId2"/>
+                      <a:stretch>
+                        <a:fillRect/>
+                      </a:stretch>
+                    </a:blipFill>
+                  </p:spPr>
+                  <p:txBody>
+                    <a:bodyPr/>
+                    <a:lstStyle/>
+                    <a:p>
+                      <a:r>
+                        <a:rPr lang="en-US">
+                          <a:noFill/>
+                        </a:rPr>
+                        <a:t> </a:t>
+                      </a:r>
+                    </a:p>
+                  </p:txBody>
+                </p:sp>
+              </mc:Fallback>
+            </mc:AlternateContent>
+          </p:grpSp>
+          <p:grpSp>
+            <p:nvGrpSpPr>
+              <p:cNvPr id="56" name="Gruppo 55">
+                <a:extLst>
+                  <a:ext uri="{FF2B5EF4-FFF2-40B4-BE49-F238E27FC236}">
+                    <a16:creationId xmlns:a16="http://schemas.microsoft.com/office/drawing/2014/main" id="{84588E97-3C9D-8F47-A4AD-0709C035F001}"/>
+                  </a:ext>
+                </a:extLst>
+              </p:cNvPr>
+              <p:cNvGrpSpPr/>
+              <p:nvPr/>
+            </p:nvGrpSpPr>
+            <p:grpSpPr>
+              <a:xfrm>
+                <a:off x="1048215" y="719666"/>
+                <a:ext cx="9111785" cy="5418667"/>
+                <a:chOff x="1048215" y="719666"/>
+                <a:chExt cx="9111785" cy="5418667"/>
+              </a:xfrm>
+            </p:grpSpPr>
+            <mc:AlternateContent xmlns:mc="http://schemas.openxmlformats.org/markup-compatibility/2006" xmlns:a14="http://schemas.microsoft.com/office/drawing/2010/main">
+              <mc:Choice Requires="a14">
+                <p:graphicFrame>
+                  <p:nvGraphicFramePr>
+                    <p:cNvPr id="4" name="Diagramma 3">
+                      <a:extLst>
+                        <a:ext uri="{FF2B5EF4-FFF2-40B4-BE49-F238E27FC236}">
+                          <a16:creationId xmlns:a16="http://schemas.microsoft.com/office/drawing/2014/main" id="{A311DF7F-9F77-E44E-813E-FDB5FE03F0A9}"/>
+                        </a:ext>
+                      </a:extLst>
+                    </p:cNvPr>
+                    <p:cNvGraphicFramePr/>
+                    <p:nvPr>
+                      <p:extLst>
+                        <p:ext uri="{D42A27DB-BD31-4B8C-83A1-F6EECF244321}">
+                          <p14:modId xmlns:p14="http://schemas.microsoft.com/office/powerpoint/2010/main" val="2781120634"/>
+                        </p:ext>
+                      </p:extLst>
+                    </p:nvPr>
+                  </p:nvGraphicFramePr>
+                  <p:xfrm>
+                    <a:off x="1048215" y="719666"/>
+                    <a:ext cx="9111785" cy="5418667"/>
+                  </p:xfrm>
+                  <a:graphic>
+                    <a:graphicData uri="http://schemas.openxmlformats.org/drawingml/2006/diagram">
+                      <dgm:relIds xmlns:dgm="http://schemas.openxmlformats.org/drawingml/2006/diagram" xmlns:r="http://schemas.openxmlformats.org/officeDocument/2006/relationships" r:dm="rId3" r:lo="rId4" r:qs="rId5" r:cs="rId6"/>
+                    </a:graphicData>
+                  </a:graphic>
+                </p:graphicFrame>
+              </mc:Choice>
+              <mc:Fallback xmlns="">
+                <p:graphicFrame>
+                  <p:nvGraphicFramePr>
+                    <p:cNvPr id="4" name="Diagramma 3">
+                      <a:extLst>
+                        <a:ext uri="{FF2B5EF4-FFF2-40B4-BE49-F238E27FC236}">
+                          <a16:creationId xmlns:a16="http://schemas.microsoft.com/office/drawing/2014/main" id="{A311DF7F-9F77-E44E-813E-FDB5FE03F0A9}"/>
+                        </a:ext>
+                      </a:extLst>
+                    </p:cNvPr>
+                    <p:cNvGraphicFramePr/>
+                    <p:nvPr>
+                      <p:extLst>
+                        <p:ext uri="{D42A27DB-BD31-4B8C-83A1-F6EECF244321}">
+                          <p14:modId xmlns:p14="http://schemas.microsoft.com/office/powerpoint/2010/main" val="2781120634"/>
+                        </p:ext>
+                      </p:extLst>
+                    </p:nvPr>
+                  </p:nvGraphicFramePr>
+                  <p:xfrm>
+                    <a:off x="1048215" y="719666"/>
+                    <a:ext cx="9111785" cy="5418667"/>
+                  </p:xfrm>
+                  <a:graphic>
+                    <a:graphicData uri="http://schemas.openxmlformats.org/drawingml/2006/diagram">
+                      <dgm:relIds xmlns:dgm="http://schemas.openxmlformats.org/drawingml/2006/diagram" xmlns:r="http://schemas.openxmlformats.org/officeDocument/2006/relationships" r:dm="rId8" r:lo="rId9" r:qs="rId10" r:cs="rId11"/>
+                    </a:graphicData>
+                  </a:graphic>
+                </p:graphicFrame>
+              </mc:Fallback>
+            </mc:AlternateContent>
+            <mc:AlternateContent xmlns:mc="http://schemas.openxmlformats.org/markup-compatibility/2006" xmlns:a14="http://schemas.microsoft.com/office/drawing/2010/main">
+              <mc:Choice Requires="a14">
+                <p:sp>
+                  <p:nvSpPr>
+                    <p:cNvPr id="45" name="CasellaDiTesto 44">
+                      <a:extLst>
+                        <a:ext uri="{FF2B5EF4-FFF2-40B4-BE49-F238E27FC236}">
+                          <a16:creationId xmlns:a16="http://schemas.microsoft.com/office/drawing/2014/main" id="{6BFCC21C-D5B0-1F40-8C9D-ED2A9BD7FF53}"/>
+                        </a:ext>
+                      </a:extLst>
+                    </p:cNvPr>
+                    <p:cNvSpPr txBox="1"/>
+                    <p:nvPr/>
+                  </p:nvSpPr>
+                  <p:spPr>
+                    <a:xfrm>
+                      <a:off x="3601845" y="3244333"/>
+                      <a:ext cx="501187" cy="369332"/>
+                    </a:xfrm>
+                    <a:prstGeom prst="rect">
+                      <a:avLst/>
+                    </a:prstGeom>
+                    <a:noFill/>
+                  </p:spPr>
+                  <p:txBody>
+                    <a:bodyPr wrap="square" rtlCol="0">
+                      <a:spAutoFit/>
+                    </a:bodyPr>
+                    <a:lstStyle/>
+                    <a:p>
+                      <a:pPr/>
+                      <a14:m>
+                        <m:oMathPara xmlns:m="http://schemas.openxmlformats.org/officeDocument/2006/math">
+                          <m:oMathParaPr>
+                            <m:jc m:val="centerGroup"/>
+                          </m:oMathParaPr>
+                          <m:oMath xmlns:m="http://schemas.openxmlformats.org/officeDocument/2006/math">
+                            <m:r>
+                              <m:rPr>
+                                <m:sty m:val="p"/>
+                              </m:rPr>
+                              <a:rPr lang="en-US" b="0" i="0" smtClean="0">
+                                <a:latin typeface="Cambria Math" panose="02040503050406030204" pitchFamily="18" charset="0"/>
+                              </a:rPr>
+                              <m:t>Φ</m:t>
+                            </m:r>
+                          </m:oMath>
+                        </m:oMathPara>
+                      </a14:m>
+                      <a:endParaRPr lang="en-US" dirty="0"/>
+                    </a:p>
+                  </p:txBody>
+                </p:sp>
+              </mc:Choice>
+              <mc:Fallback xmlns="">
+                <p:sp>
+                  <p:nvSpPr>
+                    <p:cNvPr id="45" name="CasellaDiTesto 44">
+                      <a:extLst>
+                        <a:ext uri="{FF2B5EF4-FFF2-40B4-BE49-F238E27FC236}">
+                          <a16:creationId xmlns:a16="http://schemas.microsoft.com/office/drawing/2014/main" id="{6BFCC21C-D5B0-1F40-8C9D-ED2A9BD7FF53}"/>
+                        </a:ext>
+                      </a:extLst>
+                    </p:cNvPr>
+                    <p:cNvSpPr txBox="1">
+                      <a:spLocks noRot="1" noChangeAspect="1" noMove="1" noResize="1" noEditPoints="1" noAdjustHandles="1" noChangeArrowheads="1" noChangeShapeType="1" noTextEdit="1"/>
+                    </p:cNvSpPr>
+                    <p:nvPr/>
+                  </p:nvSpPr>
+                  <p:spPr>
+                    <a:xfrm>
+                      <a:off x="3601845" y="3244333"/>
+                      <a:ext cx="501187" cy="369332"/>
+                    </a:xfrm>
+                    <a:prstGeom prst="rect">
+                      <a:avLst/>
+                    </a:prstGeom>
+                    <a:blipFill>
+                      <a:blip r:embed="rId12"/>
+                      <a:stretch>
+                        <a:fillRect/>
+                      </a:stretch>
+                    </a:blipFill>
+                  </p:spPr>
+                  <p:txBody>
+                    <a:bodyPr/>
+                    <a:lstStyle/>
+                    <a:p>
+                      <a:r>
+                        <a:rPr lang="en-US">
+                          <a:noFill/>
+                        </a:rPr>
+                        <a:t> </a:t>
+                      </a:r>
+                    </a:p>
+                  </p:txBody>
+                </p:sp>
+              </mc:Fallback>
+            </mc:AlternateContent>
+          </p:grpSp>
+          <p:grpSp>
+            <p:nvGrpSpPr>
+              <p:cNvPr id="54" name="Gruppo 53">
+                <a:extLst>
+                  <a:ext uri="{FF2B5EF4-FFF2-40B4-BE49-F238E27FC236}">
+                    <a16:creationId xmlns:a16="http://schemas.microsoft.com/office/drawing/2014/main" id="{32C95208-507D-334B-A6FB-ACCF16DFE7E3}"/>
+                  </a:ext>
+                </a:extLst>
+              </p:cNvPr>
+              <p:cNvGrpSpPr/>
+              <p:nvPr/>
+            </p:nvGrpSpPr>
+            <p:grpSpPr>
+              <a:xfrm>
+                <a:off x="385442" y="3741727"/>
+                <a:ext cx="5368587" cy="1329624"/>
+                <a:chOff x="385442" y="3741727"/>
+                <a:chExt cx="5368587" cy="1329624"/>
+              </a:xfrm>
+            </p:grpSpPr>
+            <p:sp>
+              <p:nvSpPr>
+                <p:cNvPr id="35" name="Rettangolo 34">
+                  <a:extLst>
+                    <a:ext uri="{FF2B5EF4-FFF2-40B4-BE49-F238E27FC236}">
+                      <a16:creationId xmlns:a16="http://schemas.microsoft.com/office/drawing/2014/main" id="{3F92AD37-89FC-584E-BF06-14849F5C2329}"/>
+                    </a:ext>
+                  </a:extLst>
+                </p:cNvPr>
+                <p:cNvSpPr/>
+                <p:nvPr/>
+              </p:nvSpPr>
+              <p:spPr>
+                <a:xfrm>
+                  <a:off x="5531344" y="4215159"/>
+                  <a:ext cx="222685" cy="814039"/>
+                </a:xfrm>
+                <a:prstGeom prst="rect">
+                  <a:avLst/>
+                </a:prstGeom>
+                <a:solidFill>
+                  <a:schemeClr val="bg2"/>
+                </a:solidFill>
+                <a:ln>
                   <a:noFill/>
                 </a:ln>
+              </p:spPr>
+              <p:style>
+                <a:lnRef idx="2">
+                  <a:schemeClr val="accent1">
+                    <a:shade val="50000"/>
+                  </a:schemeClr>
+                </a:lnRef>
+                <a:fillRef idx="1">
+                  <a:schemeClr val="accent1"/>
+                </a:fillRef>
+                <a:effectRef idx="0">
+                  <a:schemeClr val="accent1"/>
+                </a:effectRef>
+                <a:fontRef idx="minor">
+                  <a:schemeClr val="lt1"/>
+                </a:fontRef>
+              </p:style>
+              <p:txBody>
+                <a:bodyPr rtlCol="0" anchor="ctr"/>
+                <a:lstStyle/>
+                <a:p>
+                  <a:pPr algn="ctr"/>
+                  <a:endParaRPr lang="en-US"/>
+                </a:p>
+              </p:txBody>
+            </p:sp>
+            <p:sp>
+              <p:nvSpPr>
+                <p:cNvPr id="36" name="Rettangolo 35">
+                  <a:extLst>
+                    <a:ext uri="{FF2B5EF4-FFF2-40B4-BE49-F238E27FC236}">
+                      <a16:creationId xmlns:a16="http://schemas.microsoft.com/office/drawing/2014/main" id="{8C53120F-5A7A-EB4B-B8F7-9BA39C22C218}"/>
+                    </a:ext>
+                  </a:extLst>
+                </p:cNvPr>
+                <p:cNvSpPr/>
+                <p:nvPr/>
+              </p:nvSpPr>
+              <p:spPr>
+                <a:xfrm rot="16200000">
+                  <a:off x="2856808" y="2344467"/>
+                  <a:ext cx="285026" cy="5084435"/>
+                </a:xfrm>
+                <a:prstGeom prst="rect">
+                  <a:avLst/>
+                </a:prstGeom>
                 <a:solidFill>
-                  <a:schemeClr val="tx1"/>
+                  <a:schemeClr val="bg2"/>
                 </a:solidFill>
-              </a:rPr>
-              <a:t>Mispredicted</a:t>
-            </a:r>
-            <a:endParaRPr lang="en-US" dirty="0">
-              <a:ln w="0">
+                <a:ln>
+                  <a:noFill/>
+                </a:ln>
+              </p:spPr>
+              <p:style>
+                <a:lnRef idx="2">
+                  <a:schemeClr val="accent1">
+                    <a:shade val="50000"/>
+                  </a:schemeClr>
+                </a:lnRef>
+                <a:fillRef idx="1">
+                  <a:schemeClr val="accent1"/>
+                </a:fillRef>
+                <a:effectRef idx="0">
+                  <a:schemeClr val="accent1"/>
+                </a:effectRef>
+                <a:fontRef idx="minor">
+                  <a:schemeClr val="lt1"/>
+                </a:fontRef>
+              </p:style>
+              <p:txBody>
+                <a:bodyPr rtlCol="0" anchor="ctr"/>
+                <a:lstStyle/>
+                <a:p>
+                  <a:pPr algn="ctr"/>
+                  <a:endParaRPr lang="en-US"/>
+                </a:p>
+              </p:txBody>
+            </p:sp>
+            <p:grpSp>
+              <p:nvGrpSpPr>
+                <p:cNvPr id="37" name="Gruppo 36">
+                  <a:extLst>
+                    <a:ext uri="{FF2B5EF4-FFF2-40B4-BE49-F238E27FC236}">
+                      <a16:creationId xmlns:a16="http://schemas.microsoft.com/office/drawing/2014/main" id="{7A36D71B-4884-BA48-A408-00F200DD0D98}"/>
+                    </a:ext>
+                  </a:extLst>
+                </p:cNvPr>
+                <p:cNvGrpSpPr/>
+                <p:nvPr/>
+              </p:nvGrpSpPr>
+              <p:grpSpPr>
+                <a:xfrm rot="16200000">
+                  <a:off x="67829" y="4059340"/>
+                  <a:ext cx="1002444" cy="367217"/>
+                  <a:chOff x="2640993" y="2412524"/>
+                  <a:chExt cx="507448" cy="593618"/>
+                </a:xfrm>
+                <a:solidFill>
+                  <a:schemeClr val="bg2"/>
+                </a:solidFill>
+              </p:grpSpPr>
+              <p:sp>
+                <p:nvSpPr>
+                  <p:cNvPr id="38" name="Freccia destra 37">
+                    <a:extLst>
+                      <a:ext uri="{FF2B5EF4-FFF2-40B4-BE49-F238E27FC236}">
+                        <a16:creationId xmlns:a16="http://schemas.microsoft.com/office/drawing/2014/main" id="{07F6D23A-D88D-2A48-A81D-2B13E49532B8}"/>
+                      </a:ext>
+                    </a:extLst>
+                  </p:cNvPr>
+                  <p:cNvSpPr/>
+                  <p:nvPr/>
+                </p:nvSpPr>
+                <p:spPr>
+                  <a:xfrm>
+                    <a:off x="2640993" y="2412524"/>
+                    <a:ext cx="507448" cy="593618"/>
+                  </a:xfrm>
+                  <a:prstGeom prst="rightArrow">
+                    <a:avLst>
+                      <a:gd name="adj1" fmla="val 60000"/>
+                      <a:gd name="adj2" fmla="val 50000"/>
+                    </a:avLst>
+                  </a:prstGeom>
+                  <a:grpFill/>
+                  <a:ln>
+                    <a:noFill/>
+                  </a:ln>
+                </p:spPr>
+                <p:style>
+                  <a:lnRef idx="0">
+                    <a:schemeClr val="accent1">
+                      <a:tint val="60000"/>
+                      <a:hueOff val="0"/>
+                      <a:satOff val="0"/>
+                      <a:lumOff val="0"/>
+                      <a:alphaOff val="0"/>
+                    </a:schemeClr>
+                  </a:lnRef>
+                  <a:fillRef idx="1">
+                    <a:schemeClr val="accent1">
+                      <a:tint val="60000"/>
+                      <a:hueOff val="0"/>
+                      <a:satOff val="0"/>
+                      <a:lumOff val="0"/>
+                      <a:alphaOff val="0"/>
+                    </a:schemeClr>
+                  </a:fillRef>
+                  <a:effectRef idx="0">
+                    <a:schemeClr val="accent1">
+                      <a:tint val="60000"/>
+                      <a:hueOff val="0"/>
+                      <a:satOff val="0"/>
+                      <a:lumOff val="0"/>
+                      <a:alphaOff val="0"/>
+                    </a:schemeClr>
+                  </a:effectRef>
+                  <a:fontRef idx="minor">
+                    <a:schemeClr val="lt1"/>
+                  </a:fontRef>
+                </p:style>
+              </p:sp>
+              <p:sp>
+                <p:nvSpPr>
+                  <p:cNvPr id="39" name="Freccia destra 4">
+                    <a:extLst>
+                      <a:ext uri="{FF2B5EF4-FFF2-40B4-BE49-F238E27FC236}">
+                        <a16:creationId xmlns:a16="http://schemas.microsoft.com/office/drawing/2014/main" id="{A3E9DAFD-706E-4341-A43D-A8B4C480D7FC}"/>
+                      </a:ext>
+                    </a:extLst>
+                  </p:cNvPr>
+                  <p:cNvSpPr txBox="1"/>
+                  <p:nvPr/>
+                </p:nvSpPr>
+                <p:spPr>
+                  <a:xfrm>
+                    <a:off x="2640993" y="2531248"/>
+                    <a:ext cx="355214" cy="356170"/>
+                  </a:xfrm>
+                  <a:prstGeom prst="rect">
+                    <a:avLst/>
+                  </a:prstGeom>
+                  <a:grpFill/>
+                  <a:ln>
+                    <a:noFill/>
+                  </a:ln>
+                </p:spPr>
+                <p:style>
+                  <a:lnRef idx="0">
+                    <a:scrgbClr r="0" g="0" b="0"/>
+                  </a:lnRef>
+                  <a:fillRef idx="0">
+                    <a:scrgbClr r="0" g="0" b="0"/>
+                  </a:fillRef>
+                  <a:effectRef idx="0">
+                    <a:scrgbClr r="0" g="0" b="0"/>
+                  </a:effectRef>
+                  <a:fontRef idx="minor">
+                    <a:schemeClr val="lt1"/>
+                  </a:fontRef>
+                </p:style>
+                <p:txBody>
+                  <a:bodyPr spcFirstLastPara="0" vert="horz" wrap="square" lIns="0" tIns="0" rIns="0" bIns="0" numCol="1" spcCol="1270" anchor="ctr" anchorCtr="0">
+                    <a:noAutofit/>
+                  </a:bodyPr>
+                  <a:lstStyle/>
+                  <a:p>
+                    <a:pPr marL="0" lvl="0" indent="0" algn="ctr" defTabSz="933450">
+                      <a:lnSpc>
+                        <a:spcPct val="90000"/>
+                      </a:lnSpc>
+                      <a:spcBef>
+                        <a:spcPct val="0"/>
+                      </a:spcBef>
+                      <a:spcAft>
+                        <a:spcPct val="35000"/>
+                      </a:spcAft>
+                      <a:buNone/>
+                    </a:pPr>
+                    <a:endParaRPr lang="it-IT" sz="2100" kern="1200"/>
+                  </a:p>
+                </p:txBody>
+              </p:sp>
+            </p:grpSp>
+            <p:sp>
+              <p:nvSpPr>
+                <p:cNvPr id="49" name="CasellaDiTesto 48">
+                  <a:extLst>
+                    <a:ext uri="{FF2B5EF4-FFF2-40B4-BE49-F238E27FC236}">
+                      <a16:creationId xmlns:a16="http://schemas.microsoft.com/office/drawing/2014/main" id="{FA60F8E8-F4E2-7648-99B9-ACAD187E51B9}"/>
+                    </a:ext>
+                  </a:extLst>
+                </p:cNvPr>
+                <p:cNvSpPr txBox="1"/>
+                <p:nvPr/>
+              </p:nvSpPr>
+              <p:spPr>
+                <a:xfrm>
+                  <a:off x="2208096" y="4702019"/>
+                  <a:ext cx="2787497" cy="369332"/>
+                </a:xfrm>
+                <a:prstGeom prst="rect">
+                  <a:avLst/>
+                </a:prstGeom>
                 <a:noFill/>
+                <a:ln>
+                  <a:noFill/>
+                </a:ln>
+              </p:spPr>
+              <p:txBody>
+                <a:bodyPr wrap="square" rtlCol="0">
+                  <a:spAutoFit/>
+                </a:bodyPr>
+                <a:lstStyle/>
+                <a:p>
+                  <a:r>
+                    <a:rPr lang="en-US" dirty="0">
+                      <a:latin typeface="Calisto MT" panose="02040603050505030304" pitchFamily="18" charset="77"/>
+                      <a:ea typeface="Apple Color Emoji" pitchFamily="2" charset="0"/>
+                      <a:cs typeface="Apple Symbols" panose="02000000000000000000" pitchFamily="2" charset="-79"/>
+                    </a:rPr>
+                    <a:t>not found(</a:t>
+                  </a:r>
+                  <a:r>
+                    <a:rPr lang="en-US" i="1" dirty="0">
+                      <a:latin typeface="Calisto MT" panose="02040603050505030304" pitchFamily="18" charset="77"/>
+                      <a:ea typeface="Apple Color Emoji" pitchFamily="2" charset="0"/>
+                      <a:cs typeface="Apple Symbols" panose="02000000000000000000" pitchFamily="2" charset="-79"/>
+                    </a:rPr>
+                    <a:t>n, q, t</a:t>
+                  </a:r>
+                  <a:r>
+                    <a:rPr lang="en-US" dirty="0">
+                      <a:latin typeface="Calisto MT" panose="02040603050505030304" pitchFamily="18" charset="77"/>
+                      <a:ea typeface="Apple Color Emoji" pitchFamily="2" charset="0"/>
+                      <a:cs typeface="Apple Symbols" panose="02000000000000000000" pitchFamily="2" charset="-79"/>
+                    </a:rPr>
+                    <a:t>)</a:t>
+                  </a:r>
+                </a:p>
+              </p:txBody>
+            </p:sp>
+          </p:grpSp>
+        </p:grpSp>
+        <p:grpSp>
+          <p:nvGrpSpPr>
+            <p:cNvPr id="59" name="Gruppo 58">
+              <a:extLst>
+                <a:ext uri="{FF2B5EF4-FFF2-40B4-BE49-F238E27FC236}">
+                  <a16:creationId xmlns:a16="http://schemas.microsoft.com/office/drawing/2014/main" id="{FE866EE3-F2B3-F041-A48F-A53EFC2DD998}"/>
+                </a:ext>
+              </a:extLst>
+            </p:cNvPr>
+            <p:cNvGrpSpPr/>
+            <p:nvPr/>
+          </p:nvGrpSpPr>
+          <p:grpSpPr>
+            <a:xfrm>
+              <a:off x="1126525" y="2762983"/>
+              <a:ext cx="7193270" cy="1004084"/>
+              <a:chOff x="1126525" y="2762983"/>
+              <a:chExt cx="7193270" cy="1004084"/>
+            </a:xfrm>
+          </p:grpSpPr>
+          <mc:AlternateContent xmlns:mc="http://schemas.openxmlformats.org/markup-compatibility/2006" xmlns:a14="http://schemas.microsoft.com/office/drawing/2010/main">
+            <mc:Choice Requires="a14">
+              <p:sp>
+                <p:nvSpPr>
+                  <p:cNvPr id="50" name="CasellaDiTesto 49">
+                    <a:extLst>
+                      <a:ext uri="{FF2B5EF4-FFF2-40B4-BE49-F238E27FC236}">
+                        <a16:creationId xmlns:a16="http://schemas.microsoft.com/office/drawing/2014/main" id="{683D992C-B0A6-164A-9407-D7E8BEC000BF}"/>
+                      </a:ext>
+                    </a:extLst>
+                  </p:cNvPr>
+                  <p:cNvSpPr txBox="1"/>
+                  <p:nvPr/>
+                </p:nvSpPr>
+                <p:spPr>
+                  <a:xfrm>
+                    <a:off x="6930464" y="3146515"/>
+                    <a:ext cx="708851" cy="620552"/>
+                  </a:xfrm>
+                  <a:prstGeom prst="rect">
+                    <a:avLst/>
+                  </a:prstGeom>
+                </p:spPr>
+                <p:style>
+                  <a:lnRef idx="0">
+                    <a:scrgbClr r="0" g="0" b="0"/>
+                  </a:lnRef>
+                  <a:fillRef idx="0">
+                    <a:scrgbClr r="0" g="0" b="0"/>
+                  </a:fillRef>
+                  <a:effectRef idx="0">
+                    <a:scrgbClr r="0" g="0" b="0"/>
+                  </a:effectRef>
+                  <a:fontRef idx="minor">
+                    <a:schemeClr val="tx1">
+                      <a:hueOff val="0"/>
+                      <a:satOff val="0"/>
+                      <a:lumOff val="0"/>
+                      <a:alphaOff val="0"/>
+                    </a:schemeClr>
+                  </a:fontRef>
+                </p:style>
+                <p:txBody>
+                  <a:bodyPr spcFirstLastPara="0" vert="horz" wrap="square" lIns="0" tIns="121920" rIns="0" bIns="121920" numCol="1" spcCol="1270" anchor="ctr" anchorCtr="0">
+                    <a:noAutofit/>
+                  </a:bodyPr>
+                  <a:lstStyle/>
+                  <a:p>
+                    <a:pPr marL="0" lvl="0" indent="0" algn="ctr" defTabSz="533400">
+                      <a:lnSpc>
+                        <a:spcPct val="90000"/>
+                      </a:lnSpc>
+                      <a:spcBef>
+                        <a:spcPct val="0"/>
+                      </a:spcBef>
+                      <a:spcAft>
+                        <a:spcPct val="35000"/>
+                      </a:spcAft>
+                      <a:buNone/>
+                    </a:pPr>
+                    <a14:m>
+                      <m:oMathPara xmlns:m="http://schemas.openxmlformats.org/officeDocument/2006/math">
+                        <m:oMathParaPr>
+                          <m:jc m:val="centerGroup"/>
+                        </m:oMathParaPr>
+                        <m:oMath xmlns:m="http://schemas.openxmlformats.org/officeDocument/2006/math">
+                          <m:sSub>
+                            <m:sSubPr>
+                              <m:ctrlPr>
+                                <a:rPr lang="it-IT" sz="1600" i="1" kern="1200" smtClean="0">
+                                  <a:latin typeface="Cambria Math" panose="02040503050406030204" pitchFamily="18" charset="0"/>
+                                </a:rPr>
+                              </m:ctrlPr>
+                            </m:sSubPr>
+                            <m:e>
+                              <m:acc>
+                                <m:accPr>
+                                  <m:chr m:val="̃"/>
+                                  <m:ctrlPr>
+                                    <a:rPr lang="en-US" sz="1600" b="0" i="1" kern="1200" smtClean="0">
+                                      <a:latin typeface="Cambria Math" panose="02040503050406030204" pitchFamily="18" charset="0"/>
+                                    </a:rPr>
+                                  </m:ctrlPr>
+                                </m:accPr>
+                                <m:e>
+                                  <m:r>
+                                    <m:rPr>
+                                      <m:sty m:val="p"/>
+                                    </m:rPr>
+                                    <a:rPr lang="en-US" sz="1600" b="0" i="0" kern="1200" smtClean="0">
+                                      <a:latin typeface="Cambria Math" panose="02040503050406030204" pitchFamily="18" charset="0"/>
+                                    </a:rPr>
+                                    <m:t>Φ</m:t>
+                                  </m:r>
+                                </m:e>
+                              </m:acc>
+                            </m:e>
+                            <m:sub>
+                              <m:r>
+                                <a:rPr lang="en-US" sz="1600" b="0" i="1" kern="1200" smtClean="0">
+                                  <a:latin typeface="Cambria Math" panose="02040503050406030204" pitchFamily="18" charset="0"/>
+                                </a:rPr>
+                                <m:t>𝑛</m:t>
+                              </m:r>
+                              <m:r>
+                                <a:rPr lang="en-US" sz="1600" b="0" i="1" kern="1200" smtClean="0">
+                                  <a:latin typeface="Cambria Math" panose="02040503050406030204" pitchFamily="18" charset="0"/>
+                                </a:rPr>
+                                <m:t>,</m:t>
+                              </m:r>
+                              <m:r>
+                                <a:rPr lang="en-US" sz="1600" b="0" i="1" kern="1200" smtClean="0">
+                                  <a:latin typeface="Cambria Math" panose="02040503050406030204" pitchFamily="18" charset="0"/>
+                                </a:rPr>
+                                <m:t>𝑞</m:t>
+                              </m:r>
+                              <m:r>
+                                <a:rPr lang="en-US" sz="1600" b="0" i="1" kern="1200" smtClean="0">
+                                  <a:latin typeface="Cambria Math" panose="02040503050406030204" pitchFamily="18" charset="0"/>
+                                </a:rPr>
+                                <m:t>,</m:t>
+                              </m:r>
+                              <m:r>
+                                <a:rPr lang="en-US" sz="1600" b="0" i="1" kern="1200" smtClean="0">
+                                  <a:latin typeface="Cambria Math" panose="02040503050406030204" pitchFamily="18" charset="0"/>
+                                </a:rPr>
+                                <m:t>𝑡</m:t>
+                              </m:r>
+                            </m:sub>
+                          </m:sSub>
+                        </m:oMath>
+                      </m:oMathPara>
+                    </a14:m>
+                    <a:endParaRPr lang="it-IT" kern="1200" dirty="0"/>
+                  </a:p>
+                </p:txBody>
+              </p:sp>
+            </mc:Choice>
+            <mc:Fallback xmlns="">
+              <p:sp>
+                <p:nvSpPr>
+                  <p:cNvPr id="50" name="CasellaDiTesto 49">
+                    <a:extLst>
+                      <a:ext uri="{FF2B5EF4-FFF2-40B4-BE49-F238E27FC236}">
+                        <a16:creationId xmlns:a16="http://schemas.microsoft.com/office/drawing/2014/main" id="{683D992C-B0A6-164A-9407-D7E8BEC000BF}"/>
+                      </a:ext>
+                    </a:extLst>
+                  </p:cNvPr>
+                  <p:cNvSpPr txBox="1">
+                    <a:spLocks noRot="1" noChangeAspect="1" noMove="1" noResize="1" noEditPoints="1" noAdjustHandles="1" noChangeArrowheads="1" noChangeShapeType="1" noTextEdit="1"/>
+                  </p:cNvSpPr>
+                  <p:nvPr/>
+                </p:nvSpPr>
+                <p:spPr>
+                  <a:xfrm>
+                    <a:off x="6930464" y="3146515"/>
+                    <a:ext cx="708851" cy="620552"/>
+                  </a:xfrm>
+                  <a:prstGeom prst="rect">
+                    <a:avLst/>
+                  </a:prstGeom>
+                  <a:blipFill>
+                    <a:blip r:embed="rId13"/>
+                    <a:stretch>
+                      <a:fillRect/>
+                    </a:stretch>
+                  </a:blipFill>
+                </p:spPr>
+                <p:txBody>
+                  <a:bodyPr/>
+                  <a:lstStyle/>
+                  <a:p>
+                    <a:r>
+                      <a:rPr lang="en-US">
+                        <a:noFill/>
+                      </a:rPr>
+                      <a:t> </a:t>
+                    </a:r>
+                  </a:p>
+                </p:txBody>
+              </p:sp>
+            </mc:Fallback>
+          </mc:AlternateContent>
+          <p:sp>
+            <p:nvSpPr>
+              <p:cNvPr id="51" name="Decagono 50">
+                <a:extLst>
+                  <a:ext uri="{FF2B5EF4-FFF2-40B4-BE49-F238E27FC236}">
+                    <a16:creationId xmlns:a16="http://schemas.microsoft.com/office/drawing/2014/main" id="{598C61DD-1CB3-8245-B536-E680FBB3E7BA}"/>
+                  </a:ext>
+                </a:extLst>
+              </p:cNvPr>
+              <p:cNvSpPr/>
+              <p:nvPr/>
+            </p:nvSpPr>
+            <p:spPr>
+              <a:xfrm>
+                <a:off x="1126525" y="2781155"/>
+                <a:ext cx="512802" cy="463178"/>
+              </a:xfrm>
+              <a:prstGeom prst="decagon">
+                <a:avLst/>
+              </a:prstGeom>
+              <a:ln>
+                <a:prstDash val="dashDot"/>
               </a:ln>
-              <a:solidFill>
-                <a:schemeClr val="tx1"/>
-              </a:solidFill>
-            </a:endParaRPr>
-          </a:p>
-        </p:txBody>
-      </p:sp>
-      <p:sp>
-        <p:nvSpPr>
-          <p:cNvPr id="6" name="Rettangolo 5">
-            <a:extLst>
-              <a:ext uri="{FF2B5EF4-FFF2-40B4-BE49-F238E27FC236}">
-                <a16:creationId xmlns:a16="http://schemas.microsoft.com/office/drawing/2014/main" id="{02F46FAB-FD69-A647-BEEF-AE24612CFD51}"/>
-              </a:ext>
-            </a:extLst>
-          </p:cNvPr>
-          <p:cNvSpPr/>
-          <p:nvPr/>
-        </p:nvSpPr>
-        <p:spPr>
-          <a:xfrm>
-            <a:off x="6624602" y="3150219"/>
-            <a:ext cx="1208056" cy="278781"/>
-          </a:xfrm>
-          <a:prstGeom prst="rect">
-            <a:avLst/>
-          </a:prstGeom>
-          <a:solidFill>
-            <a:schemeClr val="accent4">
-              <a:lumMod val="40000"/>
-              <a:lumOff val="60000"/>
-            </a:schemeClr>
-          </a:solidFill>
-          <a:ln>
-            <a:noFill/>
-          </a:ln>
-        </p:spPr>
-        <p:style>
-          <a:lnRef idx="2">
-            <a:schemeClr val="accent1">
-              <a:shade val="50000"/>
-            </a:schemeClr>
-          </a:lnRef>
-          <a:fillRef idx="1">
-            <a:schemeClr val="accent1"/>
-          </a:fillRef>
-          <a:effectRef idx="0">
-            <a:schemeClr val="accent1"/>
-          </a:effectRef>
-          <a:fontRef idx="minor">
-            <a:schemeClr val="lt1"/>
-          </a:fontRef>
-        </p:style>
-        <p:txBody>
-          <a:bodyPr rtlCol="0" anchor="ctr"/>
-          <a:lstStyle/>
-          <a:p>
-            <a:pPr algn="ctr"/>
-            <a:r>
-              <a:rPr lang="en-US" sz="1400" dirty="0">
-                <a:solidFill>
-                  <a:schemeClr val="tx1"/>
-                </a:solidFill>
-              </a:rPr>
-              <a:t>Out of Budget</a:t>
-            </a:r>
-            <a:endParaRPr lang="en-US" dirty="0">
-              <a:solidFill>
-                <a:schemeClr val="tx1"/>
-              </a:solidFill>
-            </a:endParaRPr>
-          </a:p>
-        </p:txBody>
-      </p:sp>
-      <p:cxnSp>
-        <p:nvCxnSpPr>
-          <p:cNvPr id="8" name="Connettore 1 7">
-            <a:extLst>
-              <a:ext uri="{FF2B5EF4-FFF2-40B4-BE49-F238E27FC236}">
-                <a16:creationId xmlns:a16="http://schemas.microsoft.com/office/drawing/2014/main" id="{5DBD842B-E02E-7D47-B464-D54706D213F5}"/>
-              </a:ext>
-            </a:extLst>
-          </p:cNvPr>
-          <p:cNvCxnSpPr>
-            <a:cxnSpLocks/>
-          </p:cNvCxnSpPr>
-          <p:nvPr/>
-        </p:nvCxnSpPr>
-        <p:spPr>
-          <a:xfrm>
-            <a:off x="4219664" y="3005253"/>
-            <a:ext cx="0" cy="144966"/>
-          </a:xfrm>
-          <a:prstGeom prst="line">
-            <a:avLst/>
-          </a:prstGeom>
-        </p:spPr>
-        <p:style>
-          <a:lnRef idx="1">
-            <a:schemeClr val="dk1"/>
-          </a:lnRef>
-          <a:fillRef idx="0">
-            <a:schemeClr val="dk1"/>
-          </a:fillRef>
-          <a:effectRef idx="0">
-            <a:schemeClr val="dk1"/>
-          </a:effectRef>
-          <a:fontRef idx="minor">
-            <a:schemeClr val="tx1"/>
-          </a:fontRef>
-        </p:style>
-      </p:cxnSp>
-      <p:sp>
-        <p:nvSpPr>
-          <p:cNvPr id="10" name="CasellaDiTesto 9">
-            <a:extLst>
-              <a:ext uri="{FF2B5EF4-FFF2-40B4-BE49-F238E27FC236}">
-                <a16:creationId xmlns:a16="http://schemas.microsoft.com/office/drawing/2014/main" id="{B3ED1647-E026-254C-A401-22402CB59967}"/>
-              </a:ext>
-            </a:extLst>
-          </p:cNvPr>
-          <p:cNvSpPr txBox="1"/>
-          <p:nvPr/>
-        </p:nvSpPr>
-        <p:spPr>
-          <a:xfrm>
-            <a:off x="3706708" y="2712755"/>
-            <a:ext cx="1204321" cy="261610"/>
-          </a:xfrm>
-          <a:prstGeom prst="rect">
-            <a:avLst/>
-          </a:prstGeom>
-          <a:noFill/>
-        </p:spPr>
-        <p:txBody>
-          <a:bodyPr wrap="square" rtlCol="0">
-            <a:spAutoFit/>
-          </a:bodyPr>
-          <a:lstStyle/>
-          <a:p>
-            <a:r>
-              <a:rPr lang="en-US" sz="1100" dirty="0"/>
-              <a:t>min plain mod</a:t>
-            </a:r>
-          </a:p>
-        </p:txBody>
-      </p:sp>
-      <p:cxnSp>
-        <p:nvCxnSpPr>
-          <p:cNvPr id="11" name="Connettore 1 10">
-            <a:extLst>
-              <a:ext uri="{FF2B5EF4-FFF2-40B4-BE49-F238E27FC236}">
-                <a16:creationId xmlns:a16="http://schemas.microsoft.com/office/drawing/2014/main" id="{9F68B5A1-863F-544F-B6B0-4B77ACB501D2}"/>
-              </a:ext>
-            </a:extLst>
-          </p:cNvPr>
-          <p:cNvCxnSpPr>
-            <a:cxnSpLocks/>
-          </p:cNvCxnSpPr>
-          <p:nvPr/>
-        </p:nvCxnSpPr>
-        <p:spPr>
-          <a:xfrm>
-            <a:off x="7828940" y="3005253"/>
-            <a:ext cx="0" cy="144966"/>
-          </a:xfrm>
-          <a:prstGeom prst="line">
-            <a:avLst/>
-          </a:prstGeom>
-        </p:spPr>
-        <p:style>
-          <a:lnRef idx="1">
-            <a:schemeClr val="dk1"/>
-          </a:lnRef>
-          <a:fillRef idx="0">
-            <a:schemeClr val="dk1"/>
-          </a:fillRef>
-          <a:effectRef idx="0">
-            <a:schemeClr val="dk1"/>
-          </a:effectRef>
-          <a:fontRef idx="minor">
-            <a:schemeClr val="tx1"/>
-          </a:fontRef>
-        </p:style>
-      </p:cxnSp>
-      <p:sp>
-        <p:nvSpPr>
-          <p:cNvPr id="12" name="CasellaDiTesto 11">
-            <a:extLst>
-              <a:ext uri="{FF2B5EF4-FFF2-40B4-BE49-F238E27FC236}">
-                <a16:creationId xmlns:a16="http://schemas.microsoft.com/office/drawing/2014/main" id="{B4B08851-DEEA-A441-96CC-66EAB16941D4}"/>
-              </a:ext>
-            </a:extLst>
-          </p:cNvPr>
-          <p:cNvSpPr txBox="1"/>
-          <p:nvPr/>
-        </p:nvSpPr>
-        <p:spPr>
-          <a:xfrm>
-            <a:off x="7267616" y="2712755"/>
-            <a:ext cx="1122648" cy="261610"/>
-          </a:xfrm>
-          <a:prstGeom prst="rect">
-            <a:avLst/>
-          </a:prstGeom>
-          <a:noFill/>
-        </p:spPr>
-        <p:txBody>
-          <a:bodyPr wrap="square" rtlCol="0">
-            <a:spAutoFit/>
-          </a:bodyPr>
-          <a:lstStyle/>
-          <a:p>
-            <a:r>
-              <a:rPr lang="en-US" sz="1100" dirty="0"/>
-              <a:t>max plain mod</a:t>
-            </a:r>
-          </a:p>
-        </p:txBody>
-      </p:sp>
+            </p:spPr>
+            <p:style>
+              <a:lnRef idx="1">
+                <a:schemeClr val="accent3"/>
+              </a:lnRef>
+              <a:fillRef idx="2">
+                <a:schemeClr val="accent3"/>
+              </a:fillRef>
+              <a:effectRef idx="1">
+                <a:schemeClr val="accent3"/>
+              </a:effectRef>
+              <a:fontRef idx="minor">
+                <a:schemeClr val="dk1"/>
+              </a:fontRef>
+            </p:style>
+            <p:txBody>
+              <a:bodyPr rtlCol="0" anchor="ctr"/>
+              <a:lstStyle/>
+              <a:p>
+                <a:pPr algn="ctr"/>
+                <a:r>
+                  <a:rPr lang="en-US" dirty="0"/>
+                  <a:t>1</a:t>
+                </a:r>
+              </a:p>
+            </p:txBody>
+          </p:sp>
+          <p:sp>
+            <p:nvSpPr>
+              <p:cNvPr id="52" name="Decagono 51">
+                <a:extLst>
+                  <a:ext uri="{FF2B5EF4-FFF2-40B4-BE49-F238E27FC236}">
+                    <a16:creationId xmlns:a16="http://schemas.microsoft.com/office/drawing/2014/main" id="{01100905-4DB0-6D48-962B-A58DC468BEE6}"/>
+                  </a:ext>
+                </a:extLst>
+              </p:cNvPr>
+              <p:cNvSpPr/>
+              <p:nvPr/>
+            </p:nvSpPr>
+            <p:spPr>
+              <a:xfrm>
+                <a:off x="4466759" y="2762983"/>
+                <a:ext cx="512802" cy="463178"/>
+              </a:xfrm>
+              <a:prstGeom prst="decagon">
+                <a:avLst/>
+              </a:prstGeom>
+            </p:spPr>
+            <p:style>
+              <a:lnRef idx="1">
+                <a:schemeClr val="accent3"/>
+              </a:lnRef>
+              <a:fillRef idx="2">
+                <a:schemeClr val="accent3"/>
+              </a:fillRef>
+              <a:effectRef idx="1">
+                <a:schemeClr val="accent3"/>
+              </a:effectRef>
+              <a:fontRef idx="minor">
+                <a:schemeClr val="dk1"/>
+              </a:fontRef>
+            </p:style>
+            <p:txBody>
+              <a:bodyPr rtlCol="0" anchor="ctr"/>
+              <a:lstStyle/>
+              <a:p>
+                <a:pPr algn="ctr"/>
+                <a:r>
+                  <a:rPr lang="en-US" dirty="0"/>
+                  <a:t>2</a:t>
+                </a:r>
+              </a:p>
+            </p:txBody>
+          </p:sp>
+          <p:sp>
+            <p:nvSpPr>
+              <p:cNvPr id="53" name="Decagono 52">
+                <a:extLst>
+                  <a:ext uri="{FF2B5EF4-FFF2-40B4-BE49-F238E27FC236}">
+                    <a16:creationId xmlns:a16="http://schemas.microsoft.com/office/drawing/2014/main" id="{3C516BE0-CDF5-5347-A53D-4629E5F7A70E}"/>
+                  </a:ext>
+                </a:extLst>
+              </p:cNvPr>
+              <p:cNvSpPr/>
+              <p:nvPr/>
+            </p:nvSpPr>
+            <p:spPr>
+              <a:xfrm>
+                <a:off x="7806993" y="2781155"/>
+                <a:ext cx="512802" cy="463178"/>
+              </a:xfrm>
+              <a:prstGeom prst="decagon">
+                <a:avLst/>
+              </a:prstGeom>
+            </p:spPr>
+            <p:style>
+              <a:lnRef idx="1">
+                <a:schemeClr val="accent3"/>
+              </a:lnRef>
+              <a:fillRef idx="2">
+                <a:schemeClr val="accent3"/>
+              </a:fillRef>
+              <a:effectRef idx="1">
+                <a:schemeClr val="accent3"/>
+              </a:effectRef>
+              <a:fontRef idx="minor">
+                <a:schemeClr val="dk1"/>
+              </a:fontRef>
+            </p:style>
+            <p:txBody>
+              <a:bodyPr rtlCol="0" anchor="ctr"/>
+              <a:lstStyle/>
+              <a:p>
+                <a:pPr algn="ctr"/>
+                <a:r>
+                  <a:rPr lang="en-US" dirty="0"/>
+                  <a:t>3</a:t>
+                </a:r>
+              </a:p>
+            </p:txBody>
+          </p:sp>
+        </p:grpSp>
+      </p:grpSp>
     </p:spTree>
     <p:extLst>
       <p:ext uri="{BB962C8B-B14F-4D97-AF65-F5344CB8AC3E}">
-        <p14:creationId xmlns:p14="http://schemas.microsoft.com/office/powerpoint/2010/main" val="3549941953"/>
+        <p14:creationId xmlns:p14="http://schemas.microsoft.com/office/powerpoint/2010/main" val="1982618443"/>
       </p:ext>
     </p:extLst>
   </p:cSld>

--- a/Doc/Img/Immagini_tesi.pptx
+++ b/Doc/Img/Immagini_tesi.pptx
@@ -6664,7 +6664,7 @@
           <a:p>
             <a:fld id="{AC9FE1B1-EC31-3B46-9A5F-05CAF3991856}" type="datetimeFigureOut">
               <a:rPr lang="en-US" smtClean="0"/>
-              <a:t>11/20/18</a:t>
+              <a:t>12/1/18</a:t>
             </a:fld>
             <a:endParaRPr lang="en-US"/>
           </a:p>
@@ -6839,7 +6839,7 @@
           <a:p>
             <a:fld id="{AC9FE1B1-EC31-3B46-9A5F-05CAF3991856}" type="datetimeFigureOut">
               <a:rPr lang="en-US" smtClean="0"/>
-              <a:t>11/20/18</a:t>
+              <a:t>12/1/18</a:t>
             </a:fld>
             <a:endParaRPr lang="en-US"/>
           </a:p>
@@ -7024,7 +7024,7 @@
           <a:p>
             <a:fld id="{AC9FE1B1-EC31-3B46-9A5F-05CAF3991856}" type="datetimeFigureOut">
               <a:rPr lang="en-US" smtClean="0"/>
-              <a:t>11/20/18</a:t>
+              <a:t>12/1/18</a:t>
             </a:fld>
             <a:endParaRPr lang="en-US"/>
           </a:p>
@@ -7199,7 +7199,7 @@
           <a:p>
             <a:fld id="{AC9FE1B1-EC31-3B46-9A5F-05CAF3991856}" type="datetimeFigureOut">
               <a:rPr lang="en-US" smtClean="0"/>
-              <a:t>11/20/18</a:t>
+              <a:t>12/1/18</a:t>
             </a:fld>
             <a:endParaRPr lang="en-US"/>
           </a:p>
@@ -7479,7 +7479,7 @@
           <a:p>
             <a:fld id="{AC9FE1B1-EC31-3B46-9A5F-05CAF3991856}" type="datetimeFigureOut">
               <a:rPr lang="en-US" smtClean="0"/>
-              <a:t>11/20/18</a:t>
+              <a:t>12/1/18</a:t>
             </a:fld>
             <a:endParaRPr lang="en-US"/>
           </a:p>
@@ -7697,7 +7697,7 @@
           <a:p>
             <a:fld id="{AC9FE1B1-EC31-3B46-9A5F-05CAF3991856}" type="datetimeFigureOut">
               <a:rPr lang="en-US" smtClean="0"/>
-              <a:t>11/20/18</a:t>
+              <a:t>12/1/18</a:t>
             </a:fld>
             <a:endParaRPr lang="en-US"/>
           </a:p>
@@ -8070,7 +8070,7 @@
           <a:p>
             <a:fld id="{AC9FE1B1-EC31-3B46-9A5F-05CAF3991856}" type="datetimeFigureOut">
               <a:rPr lang="en-US" smtClean="0"/>
-              <a:t>11/20/18</a:t>
+              <a:t>12/1/18</a:t>
             </a:fld>
             <a:endParaRPr lang="en-US"/>
           </a:p>
@@ -8212,7 +8212,7 @@
           <a:p>
             <a:fld id="{AC9FE1B1-EC31-3B46-9A5F-05CAF3991856}" type="datetimeFigureOut">
               <a:rPr lang="en-US" smtClean="0"/>
-              <a:t>11/20/18</a:t>
+              <a:t>12/1/18</a:t>
             </a:fld>
             <a:endParaRPr lang="en-US"/>
           </a:p>
@@ -8325,7 +8325,7 @@
           <a:p>
             <a:fld id="{AC9FE1B1-EC31-3B46-9A5F-05CAF3991856}" type="datetimeFigureOut">
               <a:rPr lang="en-US" smtClean="0"/>
-              <a:t>11/20/18</a:t>
+              <a:t>12/1/18</a:t>
             </a:fld>
             <a:endParaRPr lang="en-US"/>
           </a:p>
@@ -8617,7 +8617,7 @@
           <a:p>
             <a:fld id="{AC9FE1B1-EC31-3B46-9A5F-05CAF3991856}" type="datetimeFigureOut">
               <a:rPr lang="en-US" smtClean="0"/>
-              <a:t>11/20/18</a:t>
+              <a:t>12/1/18</a:t>
             </a:fld>
             <a:endParaRPr lang="en-US"/>
           </a:p>
@@ -8910,7 +8910,7 @@
           <a:p>
             <a:fld id="{AC9FE1B1-EC31-3B46-9A5F-05CAF3991856}" type="datetimeFigureOut">
               <a:rPr lang="en-US" smtClean="0"/>
-              <a:t>11/20/18</a:t>
+              <a:t>12/1/18</a:t>
             </a:fld>
             <a:endParaRPr lang="en-US"/>
           </a:p>
@@ -9128,7 +9128,7 @@
           <a:p>
             <a:fld id="{AC9FE1B1-EC31-3B46-9A5F-05CAF3991856}" type="datetimeFigureOut">
               <a:rPr lang="en-US" smtClean="0"/>
-              <a:t>11/20/18</a:t>
+              <a:t>12/1/18</a:t>
             </a:fld>
             <a:endParaRPr lang="en-US"/>
           </a:p>
@@ -12526,8 +12526,8 @@
                 </p:txBody>
               </p:sp>
             </p:grpSp>
-            <mc:AlternateContent xmlns:mc="http://schemas.openxmlformats.org/markup-compatibility/2006" xmlns:a14="http://schemas.microsoft.com/office/drawing/2010/main">
-              <mc:Choice Requires="a14">
+            <mc:AlternateContent xmlns:mc="http://schemas.openxmlformats.org/markup-compatibility/2006">
+              <mc:Choice xmlns:a14="http://schemas.microsoft.com/office/drawing/2010/main" Requires="a14">
                 <p:sp>
                   <p:nvSpPr>
                     <p:cNvPr id="44" name="CasellaDiTesto 43">
@@ -12543,7 +12543,7 @@
                   <p:spPr>
                     <a:xfrm>
                       <a:off x="155499" y="3250263"/>
-                      <a:ext cx="892716" cy="377989"/>
+                      <a:ext cx="892716" cy="384336"/>
                     </a:xfrm>
                     <a:prstGeom prst="rect">
                       <a:avLst/>
@@ -12565,9 +12565,9 @@
                           <m:oMath xmlns:m="http://schemas.openxmlformats.org/officeDocument/2006/math">
                             <m:acc>
                               <m:accPr>
-                                <m:chr m:val="̇"/>
+                                <m:chr m:val="̆"/>
                                 <m:ctrlPr>
-                                  <a:rPr lang="en-US" i="1" smtClean="0">
+                                  <a:rPr lang="en-US" b="0" i="1" smtClean="0">
                                     <a:latin typeface="Cambria Math" panose="02040503050406030204" pitchFamily="18" charset="0"/>
                                   </a:rPr>
                                 </m:ctrlPr>
@@ -12592,7 +12592,7 @@
                   </p:txBody>
                 </p:sp>
               </mc:Choice>
-              <mc:Fallback xmlns="">
+              <mc:Fallback>
                 <p:sp>
                   <p:nvSpPr>
                     <p:cNvPr id="44" name="CasellaDiTesto 43">
@@ -12610,7 +12610,7 @@
                   <p:spPr>
                     <a:xfrm>
                       <a:off x="155499" y="3250263"/>
-                      <a:ext cx="892716" cy="377989"/>
+                      <a:ext cx="892716" cy="384336"/>
                     </a:xfrm>
                     <a:prstGeom prst="rect">
                       <a:avLst/>
